--- a/K8.DotNetCore.Workshop.pptx
+++ b/K8.DotNetCore.Workshop.pptx
@@ -105,6 +105,11 @@
       </a:defRPr>
     </a:lvl9pPr>
   </p:defaultTextStyle>
+  <p:extLst>
+    <p:ext uri="{EFAFB233-063F-42B5-8137-9DF3F51BA10A}">
+      <p15:sldGuideLst xmlns:p15="http://schemas.microsoft.com/office/powerpoint/2012/main"/>
+    </p:ext>
+  </p:extLst>
 </p:presentation>
 </file>
 
@@ -511,7 +516,7 @@
           <a:p>
             <a:fld id="{B45A4778-A22A-446A-9ABB-989FC66F7673}" type="datetimeFigureOut">
               <a:rPr lang="en-US" smtClean="0"/>
-              <a:t>10/2/2019</a:t>
+              <a:t>10/3/2019</a:t>
             </a:fld>
             <a:endParaRPr lang="en-US"/>
           </a:p>
@@ -690,7 +695,7 @@
           <a:p>
             <a:fld id="{B45A4778-A22A-446A-9ABB-989FC66F7673}" type="datetimeFigureOut">
               <a:rPr lang="en-US" smtClean="0"/>
-              <a:t>10/2/2019</a:t>
+              <a:t>10/3/2019</a:t>
             </a:fld>
             <a:endParaRPr lang="en-US"/>
           </a:p>
@@ -870,7 +875,7 @@
           <a:p>
             <a:fld id="{B45A4778-A22A-446A-9ABB-989FC66F7673}" type="datetimeFigureOut">
               <a:rPr lang="en-US" smtClean="0"/>
-              <a:t>10/2/2019</a:t>
+              <a:t>10/3/2019</a:t>
             </a:fld>
             <a:endParaRPr lang="en-US"/>
           </a:p>
@@ -1040,7 +1045,7 @@
           <a:p>
             <a:fld id="{B45A4778-A22A-446A-9ABB-989FC66F7673}" type="datetimeFigureOut">
               <a:rPr lang="en-US" smtClean="0"/>
-              <a:t>10/2/2019</a:t>
+              <a:t>10/3/2019</a:t>
             </a:fld>
             <a:endParaRPr lang="en-US"/>
           </a:p>
@@ -1353,7 +1358,7 @@
           <a:p>
             <a:fld id="{B45A4778-A22A-446A-9ABB-989FC66F7673}" type="datetimeFigureOut">
               <a:rPr lang="en-US" smtClean="0"/>
-              <a:t>10/2/2019</a:t>
+              <a:t>10/3/2019</a:t>
             </a:fld>
             <a:endParaRPr lang="en-US"/>
           </a:p>
@@ -1739,7 +1744,7 @@
           <a:p>
             <a:fld id="{B45A4778-A22A-446A-9ABB-989FC66F7673}" type="datetimeFigureOut">
               <a:rPr lang="en-US" smtClean="0"/>
-              <a:t>10/2/2019</a:t>
+              <a:t>10/3/2019</a:t>
             </a:fld>
             <a:endParaRPr lang="en-US"/>
           </a:p>
@@ -2178,7 +2183,7 @@
           <a:p>
             <a:fld id="{B45A4778-A22A-446A-9ABB-989FC66F7673}" type="datetimeFigureOut">
               <a:rPr lang="en-US" smtClean="0"/>
-              <a:t>10/2/2019</a:t>
+              <a:t>10/3/2019</a:t>
             </a:fld>
             <a:endParaRPr lang="en-US"/>
           </a:p>
@@ -2301,7 +2306,7 @@
           <a:p>
             <a:fld id="{B45A4778-A22A-446A-9ABB-989FC66F7673}" type="datetimeFigureOut">
               <a:rPr lang="en-US" smtClean="0"/>
-              <a:t>10/2/2019</a:t>
+              <a:t>10/3/2019</a:t>
             </a:fld>
             <a:endParaRPr lang="en-US"/>
           </a:p>
@@ -2396,7 +2401,7 @@
           <a:p>
             <a:fld id="{B45A4778-A22A-446A-9ABB-989FC66F7673}" type="datetimeFigureOut">
               <a:rPr lang="en-US" smtClean="0"/>
-              <a:t>10/2/2019</a:t>
+              <a:t>10/3/2019</a:t>
             </a:fld>
             <a:endParaRPr lang="en-US"/>
           </a:p>
@@ -2746,7 +2751,7 @@
           <a:p>
             <a:fld id="{B45A4778-A22A-446A-9ABB-989FC66F7673}" type="datetimeFigureOut">
               <a:rPr lang="en-US" smtClean="0"/>
-              <a:t>10/2/2019</a:t>
+              <a:t>10/3/2019</a:t>
             </a:fld>
             <a:endParaRPr lang="en-US"/>
           </a:p>
@@ -3176,7 +3181,7 @@
           <a:p>
             <a:fld id="{B45A4778-A22A-446A-9ABB-989FC66F7673}" type="datetimeFigureOut">
               <a:rPr lang="en-US" smtClean="0"/>
-              <a:t>10/2/2019</a:t>
+              <a:t>10/3/2019</a:t>
             </a:fld>
             <a:endParaRPr lang="en-US"/>
           </a:p>
@@ -3457,7 +3462,7 @@
           <a:p>
             <a:fld id="{B45A4778-A22A-446A-9ABB-989FC66F7673}" type="datetimeFigureOut">
               <a:rPr lang="en-US" smtClean="0"/>
-              <a:t>10/2/2019</a:t>
+              <a:t>10/3/2019</a:t>
             </a:fld>
             <a:endParaRPr lang="en-US"/>
           </a:p>
@@ -4606,32 +4611,210 @@
           <a:bodyPr/>
           <a:lstStyle/>
           <a:p>
-            <a:endParaRPr lang="en-US" dirty="0"/>
-          </a:p>
-        </p:txBody>
-      </p:sp>
-      <p:sp>
-        <p:nvSpPr>
-          <p:cNvPr id="3" name="Content Placeholder 2">
+            <a:r>
+              <a:rPr lang="en-US" dirty="0"/>
+              <a:t>Application Structure</a:t>
+            </a:r>
+          </a:p>
+        </p:txBody>
+      </p:sp>
+      <p:sp>
+        <p:nvSpPr>
+          <p:cNvPr id="4" name="Rectangle 3">
             <a:extLst>
               <a:ext uri="{FF2B5EF4-FFF2-40B4-BE49-F238E27FC236}">
-                <a16:creationId xmlns:a16="http://schemas.microsoft.com/office/drawing/2014/main" id="{1A0C99A3-3B08-4E41-B78F-6AEE4A82A09C}"/>
+                <a16:creationId xmlns:a16="http://schemas.microsoft.com/office/drawing/2014/main" id="{A1235E23-B560-4422-83FE-62DECB014EFE}"/>
               </a:ext>
             </a:extLst>
           </p:cNvPr>
-          <p:cNvSpPr>
-            <a:spLocks noGrp="1"/>
-          </p:cNvSpPr>
-          <p:nvPr>
-            <p:ph idx="1"/>
-          </p:nvPr>
-        </p:nvSpPr>
-        <p:spPr/>
-        <p:txBody>
-          <a:bodyPr/>
+          <p:cNvSpPr/>
+          <p:nvPr/>
+        </p:nvSpPr>
+        <p:spPr>
+          <a:xfrm>
+            <a:off x="8202967" y="2574524"/>
+            <a:ext cx="2121763" cy="1367161"/>
+          </a:xfrm>
+          <a:prstGeom prst="rect">
+            <a:avLst/>
+          </a:prstGeom>
+        </p:spPr>
+        <p:style>
+          <a:lnRef idx="2">
+            <a:schemeClr val="accent1">
+              <a:shade val="50000"/>
+            </a:schemeClr>
+          </a:lnRef>
+          <a:fillRef idx="1">
+            <a:schemeClr val="accent1"/>
+          </a:fillRef>
+          <a:effectRef idx="0">
+            <a:schemeClr val="accent1"/>
+          </a:effectRef>
+          <a:fontRef idx="minor">
+            <a:schemeClr val="lt1"/>
+          </a:fontRef>
+        </p:style>
+        <p:txBody>
+          <a:bodyPr rtlCol="0" anchor="ctr"/>
           <a:lstStyle/>
           <a:p>
+            <a:pPr algn="ctr"/>
+            <a:r>
+              <a:rPr lang="en-US" dirty="0"/>
+              <a:t>Import </a:t>
+            </a:r>
+            <a:r>
+              <a:rPr lang="en-US" dirty="0" err="1"/>
+              <a:t>CronJob</a:t>
+            </a:r>
             <a:endParaRPr lang="en-US" dirty="0"/>
+          </a:p>
+        </p:txBody>
+      </p:sp>
+      <p:sp>
+        <p:nvSpPr>
+          <p:cNvPr id="6" name="Rectangle 5">
+            <a:extLst>
+              <a:ext uri="{FF2B5EF4-FFF2-40B4-BE49-F238E27FC236}">
+                <a16:creationId xmlns:a16="http://schemas.microsoft.com/office/drawing/2014/main" id="{4F8EFD7C-E468-4AFE-9E01-F581A118CFD6}"/>
+              </a:ext>
+            </a:extLst>
+          </p:cNvPr>
+          <p:cNvSpPr/>
+          <p:nvPr/>
+        </p:nvSpPr>
+        <p:spPr>
+          <a:xfrm>
+            <a:off x="8507767" y="3562904"/>
+            <a:ext cx="2121763" cy="1367161"/>
+          </a:xfrm>
+          <a:prstGeom prst="rect">
+            <a:avLst/>
+          </a:prstGeom>
+        </p:spPr>
+        <p:style>
+          <a:lnRef idx="2">
+            <a:schemeClr val="accent1">
+              <a:shade val="50000"/>
+            </a:schemeClr>
+          </a:lnRef>
+          <a:fillRef idx="1">
+            <a:schemeClr val="accent1"/>
+          </a:fillRef>
+          <a:effectRef idx="0">
+            <a:schemeClr val="accent1"/>
+          </a:effectRef>
+          <a:fontRef idx="minor">
+            <a:schemeClr val="lt1"/>
+          </a:fontRef>
+        </p:style>
+        <p:txBody>
+          <a:bodyPr rtlCol="0" anchor="ctr"/>
+          <a:lstStyle/>
+          <a:p>
+            <a:pPr algn="ctr"/>
+            <a:r>
+              <a:rPr lang="en-US" dirty="0"/>
+              <a:t>Convert </a:t>
+            </a:r>
+            <a:r>
+              <a:rPr lang="en-US" dirty="0" err="1"/>
+              <a:t>CronJob</a:t>
+            </a:r>
+            <a:endParaRPr lang="en-US" dirty="0"/>
+          </a:p>
+        </p:txBody>
+      </p:sp>
+      <p:sp>
+        <p:nvSpPr>
+          <p:cNvPr id="7" name="Rectangle 6">
+            <a:extLst>
+              <a:ext uri="{FF2B5EF4-FFF2-40B4-BE49-F238E27FC236}">
+                <a16:creationId xmlns:a16="http://schemas.microsoft.com/office/drawing/2014/main" id="{B385D399-0333-4A13-8F2C-FAC910170E57}"/>
+              </a:ext>
+            </a:extLst>
+          </p:cNvPr>
+          <p:cNvSpPr/>
+          <p:nvPr/>
+        </p:nvSpPr>
+        <p:spPr>
+          <a:xfrm>
+            <a:off x="4428478" y="3191522"/>
+            <a:ext cx="2414726" cy="1500326"/>
+          </a:xfrm>
+          <a:prstGeom prst="rect">
+            <a:avLst/>
+          </a:prstGeom>
+        </p:spPr>
+        <p:style>
+          <a:lnRef idx="2">
+            <a:schemeClr val="accent1">
+              <a:shade val="50000"/>
+            </a:schemeClr>
+          </a:lnRef>
+          <a:fillRef idx="1">
+            <a:schemeClr val="accent1"/>
+          </a:fillRef>
+          <a:effectRef idx="0">
+            <a:schemeClr val="accent1"/>
+          </a:effectRef>
+          <a:fontRef idx="minor">
+            <a:schemeClr val="lt1"/>
+          </a:fontRef>
+        </p:style>
+        <p:txBody>
+          <a:bodyPr rtlCol="0" anchor="ctr"/>
+          <a:lstStyle/>
+          <a:p>
+            <a:pPr algn="ctr"/>
+            <a:r>
+              <a:rPr lang="en-US" dirty="0" err="1"/>
+              <a:t>FrontEnd</a:t>
+            </a:r>
+            <a:r>
+              <a:rPr lang="en-US" dirty="0"/>
+              <a:t> – Web </a:t>
+            </a:r>
+            <a:r>
+              <a:rPr lang="en-US" dirty="0" err="1"/>
+              <a:t>Api</a:t>
+            </a:r>
+            <a:endParaRPr lang="en-US" dirty="0"/>
+          </a:p>
+        </p:txBody>
+      </p:sp>
+      <p:sp>
+        <p:nvSpPr>
+          <p:cNvPr id="8" name="Rectangle 7">
+            <a:extLst>
+              <a:ext uri="{FF2B5EF4-FFF2-40B4-BE49-F238E27FC236}">
+                <a16:creationId xmlns:a16="http://schemas.microsoft.com/office/drawing/2014/main" id="{15FF8BAE-1380-44BC-9E0D-BE13BA667F0B}"/>
+              </a:ext>
+            </a:extLst>
+          </p:cNvPr>
+          <p:cNvSpPr/>
+          <p:nvPr/>
+        </p:nvSpPr>
+        <p:spPr>
+          <a:xfrm>
+            <a:off x="1442293" y="4930065"/>
+            <a:ext cx="5251471" cy="369332"/>
+          </a:xfrm>
+          <a:prstGeom prst="rect">
+            <a:avLst/>
+          </a:prstGeom>
+        </p:spPr>
+        <p:txBody>
+          <a:bodyPr wrap="square">
+            <a:spAutoFit/>
+          </a:bodyPr>
+          <a:lstStyle/>
+          <a:p>
+            <a:r>
+              <a:rPr lang="en-US" dirty="0"/>
+              <a:t>http://k8-frontend-app.local/weatherforecast</a:t>
+            </a:r>
           </a:p>
         </p:txBody>
       </p:sp>

--- a/K8.DotNetCore.Workshop.pptx
+++ b/K8.DotNetCore.Workshop.pptx
@@ -7,6 +7,7 @@
   <p:sldIdLst>
     <p:sldId id="256" r:id="rId2"/>
     <p:sldId id="257" r:id="rId3"/>
+    <p:sldId id="258" r:id="rId4"/>
   </p:sldIdLst>
   <p:sldSz cx="12192000" cy="6858000"/>
   <p:notesSz cx="6858000" cy="9144000"/>
@@ -4686,7 +4687,7 @@
         </p:nvSpPr>
         <p:spPr>
           <a:xfrm>
-            <a:off x="8507767" y="3562904"/>
+            <a:off x="8202967" y="4246484"/>
             <a:ext cx="2121763" cy="1367161"/>
           </a:xfrm>
           <a:prstGeom prst="rect">
@@ -4740,7 +4741,7 @@
         </p:nvSpPr>
         <p:spPr>
           <a:xfrm>
-            <a:off x="4428478" y="3191522"/>
+            <a:off x="1574308" y="3191522"/>
             <a:ext cx="2414726" cy="1500326"/>
           </a:xfrm>
           <a:prstGeom prst="rect">
@@ -4822,6 +4823,473 @@
     <p:extLst>
       <p:ext uri="{BB962C8B-B14F-4D97-AF65-F5344CB8AC3E}">
         <p14:creationId xmlns:p14="http://schemas.microsoft.com/office/powerpoint/2010/main" val="3484762623"/>
+      </p:ext>
+    </p:extLst>
+  </p:cSld>
+  <p:clrMapOvr>
+    <a:masterClrMapping/>
+  </p:clrMapOvr>
+</p:sld>
+</file>
+
+<file path=ppt/slides/slide3.xml><?xml version="1.0" encoding="utf-8"?>
+<p:sld xmlns:a="http://schemas.openxmlformats.org/drawingml/2006/main" xmlns:r="http://schemas.openxmlformats.org/officeDocument/2006/relationships" xmlns:p="http://schemas.openxmlformats.org/presentationml/2006/main">
+  <p:cSld>
+    <p:spTree>
+      <p:nvGrpSpPr>
+        <p:cNvPr id="1" name=""/>
+        <p:cNvGrpSpPr/>
+        <p:nvPr/>
+      </p:nvGrpSpPr>
+      <p:grpSpPr>
+        <a:xfrm>
+          <a:off x="0" y="0"/>
+          <a:ext cx="0" cy="0"/>
+          <a:chOff x="0" y="0"/>
+          <a:chExt cx="0" cy="0"/>
+        </a:xfrm>
+      </p:grpSpPr>
+      <p:sp>
+        <p:nvSpPr>
+          <p:cNvPr id="2" name="Title 1">
+            <a:extLst>
+              <a:ext uri="{FF2B5EF4-FFF2-40B4-BE49-F238E27FC236}">
+                <a16:creationId xmlns:a16="http://schemas.microsoft.com/office/drawing/2014/main" id="{122FB90B-8716-4A7F-A48E-1D46239E8DED}"/>
+              </a:ext>
+            </a:extLst>
+          </p:cNvPr>
+          <p:cNvSpPr>
+            <a:spLocks noGrp="1"/>
+          </p:cNvSpPr>
+          <p:nvPr>
+            <p:ph type="title"/>
+          </p:nvPr>
+        </p:nvSpPr>
+        <p:spPr/>
+        <p:txBody>
+          <a:bodyPr/>
+          <a:lstStyle/>
+          <a:p>
+            <a:r>
+              <a:rPr lang="en-US" dirty="0"/>
+              <a:t>Docker Images</a:t>
+            </a:r>
+          </a:p>
+        </p:txBody>
+      </p:sp>
+      <p:sp>
+        <p:nvSpPr>
+          <p:cNvPr id="4" name="Rectangle 3">
+            <a:extLst>
+              <a:ext uri="{FF2B5EF4-FFF2-40B4-BE49-F238E27FC236}">
+                <a16:creationId xmlns:a16="http://schemas.microsoft.com/office/drawing/2014/main" id="{660BA86D-1B4E-4851-BE54-448F2BABD93D}"/>
+              </a:ext>
+            </a:extLst>
+          </p:cNvPr>
+          <p:cNvSpPr/>
+          <p:nvPr/>
+        </p:nvSpPr>
+        <p:spPr>
+          <a:xfrm>
+            <a:off x="745723" y="2475716"/>
+            <a:ext cx="2823099" cy="1731147"/>
+          </a:xfrm>
+          <a:prstGeom prst="rect">
+            <a:avLst/>
+          </a:prstGeom>
+        </p:spPr>
+        <p:style>
+          <a:lnRef idx="2">
+            <a:schemeClr val="accent1">
+              <a:shade val="50000"/>
+            </a:schemeClr>
+          </a:lnRef>
+          <a:fillRef idx="1">
+            <a:schemeClr val="accent1"/>
+          </a:fillRef>
+          <a:effectRef idx="0">
+            <a:schemeClr val="accent1"/>
+          </a:effectRef>
+          <a:fontRef idx="minor">
+            <a:schemeClr val="lt1"/>
+          </a:fontRef>
+        </p:style>
+        <p:txBody>
+          <a:bodyPr rtlCol="0" anchor="ctr"/>
+          <a:lstStyle/>
+          <a:p>
+            <a:pPr algn="ctr"/>
+            <a:r>
+              <a:rPr lang="en-US" dirty="0" err="1"/>
+              <a:t>Dockerfile.base</a:t>
+            </a:r>
+            <a:endParaRPr lang="en-US" dirty="0"/>
+          </a:p>
+        </p:txBody>
+      </p:sp>
+      <p:sp>
+        <p:nvSpPr>
+          <p:cNvPr id="5" name="Rectangle 4">
+            <a:extLst>
+              <a:ext uri="{FF2B5EF4-FFF2-40B4-BE49-F238E27FC236}">
+                <a16:creationId xmlns:a16="http://schemas.microsoft.com/office/drawing/2014/main" id="{2DCF867F-9617-456A-B10C-FA5A81590C1A}"/>
+              </a:ext>
+            </a:extLst>
+          </p:cNvPr>
+          <p:cNvSpPr/>
+          <p:nvPr/>
+        </p:nvSpPr>
+        <p:spPr>
+          <a:xfrm>
+            <a:off x="7022237" y="1314194"/>
+            <a:ext cx="3426780" cy="1731147"/>
+          </a:xfrm>
+          <a:prstGeom prst="rect">
+            <a:avLst/>
+          </a:prstGeom>
+        </p:spPr>
+        <p:style>
+          <a:lnRef idx="2">
+            <a:schemeClr val="accent1">
+              <a:shade val="50000"/>
+            </a:schemeClr>
+          </a:lnRef>
+          <a:fillRef idx="1">
+            <a:schemeClr val="accent1"/>
+          </a:fillRef>
+          <a:effectRef idx="0">
+            <a:schemeClr val="accent1"/>
+          </a:effectRef>
+          <a:fontRef idx="minor">
+            <a:schemeClr val="lt1"/>
+          </a:fontRef>
+        </p:style>
+        <p:txBody>
+          <a:bodyPr rtlCol="0" anchor="ctr"/>
+          <a:lstStyle/>
+          <a:p>
+            <a:pPr algn="ctr"/>
+            <a:r>
+              <a:rPr lang="en-US" dirty="0" err="1"/>
+              <a:t>src</a:t>
+            </a:r>
+            <a:r>
+              <a:rPr lang="en-US" dirty="0"/>
+              <a:t>/K8.FrontEnd/</a:t>
+            </a:r>
+            <a:r>
+              <a:rPr lang="en-US" dirty="0" err="1"/>
+              <a:t>Dockerfile</a:t>
+            </a:r>
+            <a:endParaRPr lang="en-US" dirty="0"/>
+          </a:p>
+        </p:txBody>
+      </p:sp>
+      <p:sp>
+        <p:nvSpPr>
+          <p:cNvPr id="7" name="Rectangle 6">
+            <a:extLst>
+              <a:ext uri="{FF2B5EF4-FFF2-40B4-BE49-F238E27FC236}">
+                <a16:creationId xmlns:a16="http://schemas.microsoft.com/office/drawing/2014/main" id="{7890AD21-F40C-45FD-A1A1-EE2377E2BC2E}"/>
+              </a:ext>
+            </a:extLst>
+          </p:cNvPr>
+          <p:cNvSpPr/>
+          <p:nvPr/>
+        </p:nvSpPr>
+        <p:spPr>
+          <a:xfrm>
+            <a:off x="7022237" y="3898451"/>
+            <a:ext cx="3519906" cy="1731147"/>
+          </a:xfrm>
+          <a:prstGeom prst="rect">
+            <a:avLst/>
+          </a:prstGeom>
+        </p:spPr>
+        <p:style>
+          <a:lnRef idx="2">
+            <a:schemeClr val="accent1">
+              <a:shade val="50000"/>
+            </a:schemeClr>
+          </a:lnRef>
+          <a:fillRef idx="1">
+            <a:schemeClr val="accent1"/>
+          </a:fillRef>
+          <a:effectRef idx="0">
+            <a:schemeClr val="accent1"/>
+          </a:effectRef>
+          <a:fontRef idx="minor">
+            <a:schemeClr val="lt1"/>
+          </a:fontRef>
+        </p:style>
+        <p:txBody>
+          <a:bodyPr rtlCol="0" anchor="ctr"/>
+          <a:lstStyle/>
+          <a:p>
+            <a:pPr algn="ctr"/>
+            <a:r>
+              <a:rPr lang="en-US" dirty="0" err="1"/>
+              <a:t>src</a:t>
+            </a:r>
+            <a:r>
+              <a:rPr lang="en-US" dirty="0"/>
+              <a:t>/K8.LongProcess/</a:t>
+            </a:r>
+            <a:r>
+              <a:rPr lang="en-US" dirty="0" err="1"/>
+              <a:t>Dockerfile</a:t>
+            </a:r>
+            <a:endParaRPr lang="en-US" dirty="0"/>
+          </a:p>
+        </p:txBody>
+      </p:sp>
+      <p:cxnSp>
+        <p:nvCxnSpPr>
+          <p:cNvPr id="9" name="Straight Arrow Connector 8">
+            <a:extLst>
+              <a:ext uri="{FF2B5EF4-FFF2-40B4-BE49-F238E27FC236}">
+                <a16:creationId xmlns:a16="http://schemas.microsoft.com/office/drawing/2014/main" id="{E7DE3DD7-7EA7-4B22-ABB0-F40C5A65A1DC}"/>
+              </a:ext>
+            </a:extLst>
+          </p:cNvPr>
+          <p:cNvCxnSpPr>
+            <a:cxnSpLocks/>
+            <a:endCxn id="5" idx="1"/>
+          </p:cNvCxnSpPr>
+          <p:nvPr/>
+        </p:nvCxnSpPr>
+        <p:spPr>
+          <a:xfrm flipV="1">
+            <a:off x="3444536" y="2179768"/>
+            <a:ext cx="3577701" cy="699856"/>
+          </a:xfrm>
+          <a:prstGeom prst="straightConnector1">
+            <a:avLst/>
+          </a:prstGeom>
+          <a:ln>
+            <a:tailEnd type="triangle"/>
+          </a:ln>
+        </p:spPr>
+        <p:style>
+          <a:lnRef idx="1">
+            <a:schemeClr val="accent1"/>
+          </a:lnRef>
+          <a:fillRef idx="0">
+            <a:schemeClr val="accent1"/>
+          </a:fillRef>
+          <a:effectRef idx="0">
+            <a:schemeClr val="accent1"/>
+          </a:effectRef>
+          <a:fontRef idx="minor">
+            <a:schemeClr val="tx1"/>
+          </a:fontRef>
+        </p:style>
+      </p:cxnSp>
+      <p:cxnSp>
+        <p:nvCxnSpPr>
+          <p:cNvPr id="12" name="Straight Arrow Connector 11">
+            <a:extLst>
+              <a:ext uri="{FF2B5EF4-FFF2-40B4-BE49-F238E27FC236}">
+                <a16:creationId xmlns:a16="http://schemas.microsoft.com/office/drawing/2014/main" id="{CD54EA79-25FE-40FE-8597-7645AD2CF83E}"/>
+              </a:ext>
+            </a:extLst>
+          </p:cNvPr>
+          <p:cNvCxnSpPr>
+            <a:cxnSpLocks/>
+            <a:stCxn id="4" idx="3"/>
+            <a:endCxn id="7" idx="1"/>
+          </p:cNvCxnSpPr>
+          <p:nvPr/>
+        </p:nvCxnSpPr>
+        <p:spPr>
+          <a:xfrm>
+            <a:off x="3568822" y="3341290"/>
+            <a:ext cx="3453415" cy="1422735"/>
+          </a:xfrm>
+          <a:prstGeom prst="straightConnector1">
+            <a:avLst/>
+          </a:prstGeom>
+          <a:ln>
+            <a:tailEnd type="triangle"/>
+          </a:ln>
+        </p:spPr>
+        <p:style>
+          <a:lnRef idx="1">
+            <a:schemeClr val="accent1"/>
+          </a:lnRef>
+          <a:fillRef idx="0">
+            <a:schemeClr val="accent1"/>
+          </a:fillRef>
+          <a:effectRef idx="0">
+            <a:schemeClr val="accent1"/>
+          </a:effectRef>
+          <a:fontRef idx="minor">
+            <a:schemeClr val="tx1"/>
+          </a:fontRef>
+        </p:style>
+      </p:cxnSp>
+      <p:sp>
+        <p:nvSpPr>
+          <p:cNvPr id="15" name="TextBox 14">
+            <a:extLst>
+              <a:ext uri="{FF2B5EF4-FFF2-40B4-BE49-F238E27FC236}">
+                <a16:creationId xmlns:a16="http://schemas.microsoft.com/office/drawing/2014/main" id="{ECEC0E8C-A39E-4A98-A1FC-43137A139CEE}"/>
+              </a:ext>
+            </a:extLst>
+          </p:cNvPr>
+          <p:cNvSpPr txBox="1"/>
+          <p:nvPr/>
+        </p:nvSpPr>
+        <p:spPr>
+          <a:xfrm>
+            <a:off x="745723" y="4292655"/>
+            <a:ext cx="2974020" cy="923330"/>
+          </a:xfrm>
+          <a:prstGeom prst="rect">
+            <a:avLst/>
+          </a:prstGeom>
+          <a:noFill/>
+        </p:spPr>
+        <p:txBody>
+          <a:bodyPr wrap="square" rtlCol="0">
+            <a:spAutoFit/>
+          </a:bodyPr>
+          <a:lstStyle/>
+          <a:p>
+            <a:r>
+              <a:rPr lang="en-US" dirty="0"/>
+              <a:t>Supports:</a:t>
+            </a:r>
+          </a:p>
+          <a:p>
+            <a:pPr marL="285750" indent="-285750">
+              <a:buFontTx/>
+              <a:buChar char="-"/>
+            </a:pPr>
+            <a:r>
+              <a:rPr lang="en-US" dirty="0"/>
+              <a:t>ONBUILD commands</a:t>
+            </a:r>
+          </a:p>
+          <a:p>
+            <a:pPr marL="285750" indent="-285750">
+              <a:buFontTx/>
+              <a:buChar char="-"/>
+            </a:pPr>
+            <a:r>
+              <a:rPr lang="en-US" dirty="0"/>
+              <a:t>CUSTOM NUGET FEED </a:t>
+            </a:r>
+          </a:p>
+        </p:txBody>
+      </p:sp>
+      <p:sp>
+        <p:nvSpPr>
+          <p:cNvPr id="17" name="TextBox 16">
+            <a:extLst>
+              <a:ext uri="{FF2B5EF4-FFF2-40B4-BE49-F238E27FC236}">
+                <a16:creationId xmlns:a16="http://schemas.microsoft.com/office/drawing/2014/main" id="{3794DBED-9ED4-4C48-8A4D-8D646D1CF1ED}"/>
+              </a:ext>
+            </a:extLst>
+          </p:cNvPr>
+          <p:cNvSpPr txBox="1"/>
+          <p:nvPr/>
+        </p:nvSpPr>
+        <p:spPr>
+          <a:xfrm>
+            <a:off x="7688062" y="3219814"/>
+            <a:ext cx="2760955" cy="369332"/>
+          </a:xfrm>
+          <a:prstGeom prst="rect">
+            <a:avLst/>
+          </a:prstGeom>
+          <a:noFill/>
+        </p:spPr>
+        <p:txBody>
+          <a:bodyPr wrap="square" rtlCol="0">
+            <a:spAutoFit/>
+          </a:bodyPr>
+          <a:lstStyle/>
+          <a:p>
+            <a:r>
+              <a:rPr lang="en-US" dirty="0" err="1"/>
+              <a:t>AspNetCore</a:t>
+            </a:r>
+            <a:r>
+              <a:rPr lang="en-US" dirty="0"/>
+              <a:t> Web </a:t>
+            </a:r>
+            <a:r>
+              <a:rPr lang="en-US" dirty="0" err="1"/>
+              <a:t>Api</a:t>
+            </a:r>
+            <a:endParaRPr lang="en-US" dirty="0"/>
+          </a:p>
+        </p:txBody>
+      </p:sp>
+      <p:sp>
+        <p:nvSpPr>
+          <p:cNvPr id="19" name="TextBox 18">
+            <a:extLst>
+              <a:ext uri="{FF2B5EF4-FFF2-40B4-BE49-F238E27FC236}">
+                <a16:creationId xmlns:a16="http://schemas.microsoft.com/office/drawing/2014/main" id="{3A9175D8-7B7F-4B6D-80B0-D550DE9C4BC0}"/>
+              </a:ext>
+            </a:extLst>
+          </p:cNvPr>
+          <p:cNvSpPr txBox="1"/>
+          <p:nvPr/>
+        </p:nvSpPr>
+        <p:spPr>
+          <a:xfrm>
+            <a:off x="7350711" y="5725094"/>
+            <a:ext cx="3280209" cy="923330"/>
+          </a:xfrm>
+          <a:prstGeom prst="rect">
+            <a:avLst/>
+          </a:prstGeom>
+          <a:noFill/>
+        </p:spPr>
+        <p:txBody>
+          <a:bodyPr wrap="square" rtlCol="0">
+            <a:spAutoFit/>
+          </a:bodyPr>
+          <a:lstStyle/>
+          <a:p>
+            <a:r>
+              <a:rPr lang="en-US" dirty="0" err="1"/>
+              <a:t>CronJobs</a:t>
+            </a:r>
+            <a:r>
+              <a:rPr lang="en-US" dirty="0"/>
+              <a:t>:</a:t>
+            </a:r>
+          </a:p>
+          <a:p>
+            <a:pPr marL="285750" indent="-285750">
+              <a:buFontTx/>
+              <a:buChar char="-"/>
+            </a:pPr>
+            <a:r>
+              <a:rPr lang="en-US" dirty="0"/>
+              <a:t>Import</a:t>
+            </a:r>
+          </a:p>
+          <a:p>
+            <a:pPr marL="285750" indent="-285750">
+              <a:buFontTx/>
+              <a:buChar char="-"/>
+            </a:pPr>
+            <a:r>
+              <a:rPr lang="en-US" dirty="0"/>
+              <a:t>Convert</a:t>
+            </a:r>
+          </a:p>
+        </p:txBody>
+      </p:sp>
+    </p:spTree>
+    <p:extLst>
+      <p:ext uri="{BB962C8B-B14F-4D97-AF65-F5344CB8AC3E}">
+        <p14:creationId xmlns:p14="http://schemas.microsoft.com/office/powerpoint/2010/main" val="2550661902"/>
       </p:ext>
     </p:extLst>
   </p:cSld>

--- a/K8.DotNetCore.Workshop.pptx
+++ b/K8.DotNetCore.Workshop.pptx
@@ -4,6 +4,9 @@
   <p:sldMasterIdLst>
     <p:sldMasterId id="2147483731" r:id="rId1"/>
   </p:sldMasterIdLst>
+  <p:notesMasterIdLst>
+    <p:notesMasterId r:id="rId5"/>
+  </p:notesMasterIdLst>
   <p:sldIdLst>
     <p:sldId id="256" r:id="rId2"/>
     <p:sldId id="257" r:id="rId3"/>
@@ -114,6 +117,439 @@
 </p:presentation>
 </file>
 
+<file path=ppt/notesMasters/notesMaster1.xml><?xml version="1.0" encoding="utf-8"?>
+<p:notesMaster xmlns:a="http://schemas.openxmlformats.org/drawingml/2006/main" xmlns:r="http://schemas.openxmlformats.org/officeDocument/2006/relationships" xmlns:p="http://schemas.openxmlformats.org/presentationml/2006/main">
+  <p:cSld>
+    <p:bg>
+      <p:bgRef idx="1001">
+        <a:schemeClr val="bg1"/>
+      </p:bgRef>
+    </p:bg>
+    <p:spTree>
+      <p:nvGrpSpPr>
+        <p:cNvPr id="1" name=""/>
+        <p:cNvGrpSpPr/>
+        <p:nvPr/>
+      </p:nvGrpSpPr>
+      <p:grpSpPr>
+        <a:xfrm>
+          <a:off x="0" y="0"/>
+          <a:ext cx="0" cy="0"/>
+          <a:chOff x="0" y="0"/>
+          <a:chExt cx="0" cy="0"/>
+        </a:xfrm>
+      </p:grpSpPr>
+      <p:sp>
+        <p:nvSpPr>
+          <p:cNvPr id="2" name="Header Placeholder 1"/>
+          <p:cNvSpPr>
+            <a:spLocks noGrp="1"/>
+          </p:cNvSpPr>
+          <p:nvPr>
+            <p:ph type="hdr" sz="quarter"/>
+          </p:nvPr>
+        </p:nvSpPr>
+        <p:spPr>
+          <a:xfrm>
+            <a:off x="0" y="0"/>
+            <a:ext cx="2971800" cy="458788"/>
+          </a:xfrm>
+          <a:prstGeom prst="rect">
+            <a:avLst/>
+          </a:prstGeom>
+        </p:spPr>
+        <p:txBody>
+          <a:bodyPr vert="horz" lIns="91440" tIns="45720" rIns="91440" bIns="45720" rtlCol="0"/>
+          <a:lstStyle>
+            <a:lvl1pPr algn="l">
+              <a:defRPr sz="1200"/>
+            </a:lvl1pPr>
+          </a:lstStyle>
+          <a:p>
+            <a:endParaRPr lang="en-US"/>
+          </a:p>
+        </p:txBody>
+      </p:sp>
+      <p:sp>
+        <p:nvSpPr>
+          <p:cNvPr id="3" name="Date Placeholder 2"/>
+          <p:cNvSpPr>
+            <a:spLocks noGrp="1"/>
+          </p:cNvSpPr>
+          <p:nvPr>
+            <p:ph type="dt" idx="1"/>
+          </p:nvPr>
+        </p:nvSpPr>
+        <p:spPr>
+          <a:xfrm>
+            <a:off x="3884613" y="0"/>
+            <a:ext cx="2971800" cy="458788"/>
+          </a:xfrm>
+          <a:prstGeom prst="rect">
+            <a:avLst/>
+          </a:prstGeom>
+        </p:spPr>
+        <p:txBody>
+          <a:bodyPr vert="horz" lIns="91440" tIns="45720" rIns="91440" bIns="45720" rtlCol="0"/>
+          <a:lstStyle>
+            <a:lvl1pPr algn="r">
+              <a:defRPr sz="1200"/>
+            </a:lvl1pPr>
+          </a:lstStyle>
+          <a:p>
+            <a:fld id="{3FFCC7C2-EBDE-4124-A303-EACF9896B4D6}" type="datetimeFigureOut">
+              <a:rPr lang="en-US" smtClean="0"/>
+              <a:t>10/7/2019</a:t>
+            </a:fld>
+            <a:endParaRPr lang="en-US"/>
+          </a:p>
+        </p:txBody>
+      </p:sp>
+      <p:sp>
+        <p:nvSpPr>
+          <p:cNvPr id="4" name="Slide Image Placeholder 3"/>
+          <p:cNvSpPr>
+            <a:spLocks noGrp="1" noRot="1" noChangeAspect="1"/>
+          </p:cNvSpPr>
+          <p:nvPr>
+            <p:ph type="sldImg" idx="2"/>
+          </p:nvPr>
+        </p:nvSpPr>
+        <p:spPr>
+          <a:xfrm>
+            <a:off x="685800" y="1143000"/>
+            <a:ext cx="5486400" cy="3086100"/>
+          </a:xfrm>
+          <a:prstGeom prst="rect">
+            <a:avLst/>
+          </a:prstGeom>
+          <a:noFill/>
+          <a:ln w="12700">
+            <a:solidFill>
+              <a:prstClr val="black"/>
+            </a:solidFill>
+          </a:ln>
+        </p:spPr>
+        <p:txBody>
+          <a:bodyPr vert="horz" lIns="91440" tIns="45720" rIns="91440" bIns="45720" rtlCol="0" anchor="ctr"/>
+          <a:lstStyle/>
+          <a:p>
+            <a:endParaRPr lang="en-US"/>
+          </a:p>
+        </p:txBody>
+      </p:sp>
+      <p:sp>
+        <p:nvSpPr>
+          <p:cNvPr id="5" name="Notes Placeholder 4"/>
+          <p:cNvSpPr>
+            <a:spLocks noGrp="1"/>
+          </p:cNvSpPr>
+          <p:nvPr>
+            <p:ph type="body" sz="quarter" idx="3"/>
+          </p:nvPr>
+        </p:nvSpPr>
+        <p:spPr>
+          <a:xfrm>
+            <a:off x="685800" y="4400550"/>
+            <a:ext cx="5486400" cy="3600450"/>
+          </a:xfrm>
+          <a:prstGeom prst="rect">
+            <a:avLst/>
+          </a:prstGeom>
+        </p:spPr>
+        <p:txBody>
+          <a:bodyPr vert="horz" lIns="91440" tIns="45720" rIns="91440" bIns="45720" rtlCol="0"/>
+          <a:lstStyle/>
+          <a:p>
+            <a:pPr lvl="0"/>
+            <a:r>
+              <a:rPr lang="en-US"/>
+              <a:t>Edit Master text styles</a:t>
+            </a:r>
+          </a:p>
+          <a:p>
+            <a:pPr lvl="1"/>
+            <a:r>
+              <a:rPr lang="en-US"/>
+              <a:t>Second level</a:t>
+            </a:r>
+          </a:p>
+          <a:p>
+            <a:pPr lvl="2"/>
+            <a:r>
+              <a:rPr lang="en-US"/>
+              <a:t>Third level</a:t>
+            </a:r>
+          </a:p>
+          <a:p>
+            <a:pPr lvl="3"/>
+            <a:r>
+              <a:rPr lang="en-US"/>
+              <a:t>Fourth level</a:t>
+            </a:r>
+          </a:p>
+          <a:p>
+            <a:pPr lvl="4"/>
+            <a:r>
+              <a:rPr lang="en-US"/>
+              <a:t>Fifth level</a:t>
+            </a:r>
+          </a:p>
+        </p:txBody>
+      </p:sp>
+      <p:sp>
+        <p:nvSpPr>
+          <p:cNvPr id="6" name="Footer Placeholder 5"/>
+          <p:cNvSpPr>
+            <a:spLocks noGrp="1"/>
+          </p:cNvSpPr>
+          <p:nvPr>
+            <p:ph type="ftr" sz="quarter" idx="4"/>
+          </p:nvPr>
+        </p:nvSpPr>
+        <p:spPr>
+          <a:xfrm>
+            <a:off x="0" y="8685213"/>
+            <a:ext cx="2971800" cy="458787"/>
+          </a:xfrm>
+          <a:prstGeom prst="rect">
+            <a:avLst/>
+          </a:prstGeom>
+        </p:spPr>
+        <p:txBody>
+          <a:bodyPr vert="horz" lIns="91440" tIns="45720" rIns="91440" bIns="45720" rtlCol="0" anchor="b"/>
+          <a:lstStyle>
+            <a:lvl1pPr algn="l">
+              <a:defRPr sz="1200"/>
+            </a:lvl1pPr>
+          </a:lstStyle>
+          <a:p>
+            <a:endParaRPr lang="en-US"/>
+          </a:p>
+        </p:txBody>
+      </p:sp>
+      <p:sp>
+        <p:nvSpPr>
+          <p:cNvPr id="7" name="Slide Number Placeholder 6"/>
+          <p:cNvSpPr>
+            <a:spLocks noGrp="1"/>
+          </p:cNvSpPr>
+          <p:nvPr>
+            <p:ph type="sldNum" sz="quarter" idx="5"/>
+          </p:nvPr>
+        </p:nvSpPr>
+        <p:spPr>
+          <a:xfrm>
+            <a:off x="3884613" y="8685213"/>
+            <a:ext cx="2971800" cy="458787"/>
+          </a:xfrm>
+          <a:prstGeom prst="rect">
+            <a:avLst/>
+          </a:prstGeom>
+        </p:spPr>
+        <p:txBody>
+          <a:bodyPr vert="horz" lIns="91440" tIns="45720" rIns="91440" bIns="45720" rtlCol="0" anchor="b"/>
+          <a:lstStyle>
+            <a:lvl1pPr algn="r">
+              <a:defRPr sz="1200"/>
+            </a:lvl1pPr>
+          </a:lstStyle>
+          <a:p>
+            <a:fld id="{90E08E8A-CCC4-468B-8AAB-1EB36BC4A82E}" type="slidenum">
+              <a:rPr lang="en-US" smtClean="0"/>
+              <a:t>‹#›</a:t>
+            </a:fld>
+            <a:endParaRPr lang="en-US"/>
+          </a:p>
+        </p:txBody>
+      </p:sp>
+    </p:spTree>
+    <p:extLst>
+      <p:ext uri="{BB962C8B-B14F-4D97-AF65-F5344CB8AC3E}">
+        <p14:creationId xmlns:p14="http://schemas.microsoft.com/office/powerpoint/2010/main" val="585750936"/>
+      </p:ext>
+    </p:extLst>
+  </p:cSld>
+  <p:clrMap bg1="lt1" tx1="dk1" bg2="lt2" tx2="dk2" accent1="accent1" accent2="accent2" accent3="accent3" accent4="accent4" accent5="accent5" accent6="accent6" hlink="hlink" folHlink="folHlink"/>
+  <p:notesStyle>
+    <a:lvl1pPr marL="0" algn="l" defTabSz="914400" rtl="0" eaLnBrk="1" latinLnBrk="0" hangingPunct="1">
+      <a:defRPr sz="1200" kern="1200">
+        <a:solidFill>
+          <a:schemeClr val="tx1"/>
+        </a:solidFill>
+        <a:latin typeface="+mn-lt"/>
+        <a:ea typeface="+mn-ea"/>
+        <a:cs typeface="+mn-cs"/>
+      </a:defRPr>
+    </a:lvl1pPr>
+    <a:lvl2pPr marL="457200" algn="l" defTabSz="914400" rtl="0" eaLnBrk="1" latinLnBrk="0" hangingPunct="1">
+      <a:defRPr sz="1200" kern="1200">
+        <a:solidFill>
+          <a:schemeClr val="tx1"/>
+        </a:solidFill>
+        <a:latin typeface="+mn-lt"/>
+        <a:ea typeface="+mn-ea"/>
+        <a:cs typeface="+mn-cs"/>
+      </a:defRPr>
+    </a:lvl2pPr>
+    <a:lvl3pPr marL="914400" algn="l" defTabSz="914400" rtl="0" eaLnBrk="1" latinLnBrk="0" hangingPunct="1">
+      <a:defRPr sz="1200" kern="1200">
+        <a:solidFill>
+          <a:schemeClr val="tx1"/>
+        </a:solidFill>
+        <a:latin typeface="+mn-lt"/>
+        <a:ea typeface="+mn-ea"/>
+        <a:cs typeface="+mn-cs"/>
+      </a:defRPr>
+    </a:lvl3pPr>
+    <a:lvl4pPr marL="1371600" algn="l" defTabSz="914400" rtl="0" eaLnBrk="1" latinLnBrk="0" hangingPunct="1">
+      <a:defRPr sz="1200" kern="1200">
+        <a:solidFill>
+          <a:schemeClr val="tx1"/>
+        </a:solidFill>
+        <a:latin typeface="+mn-lt"/>
+        <a:ea typeface="+mn-ea"/>
+        <a:cs typeface="+mn-cs"/>
+      </a:defRPr>
+    </a:lvl4pPr>
+    <a:lvl5pPr marL="1828800" algn="l" defTabSz="914400" rtl="0" eaLnBrk="1" latinLnBrk="0" hangingPunct="1">
+      <a:defRPr sz="1200" kern="1200">
+        <a:solidFill>
+          <a:schemeClr val="tx1"/>
+        </a:solidFill>
+        <a:latin typeface="+mn-lt"/>
+        <a:ea typeface="+mn-ea"/>
+        <a:cs typeface="+mn-cs"/>
+      </a:defRPr>
+    </a:lvl5pPr>
+    <a:lvl6pPr marL="2286000" algn="l" defTabSz="914400" rtl="0" eaLnBrk="1" latinLnBrk="0" hangingPunct="1">
+      <a:defRPr sz="1200" kern="1200">
+        <a:solidFill>
+          <a:schemeClr val="tx1"/>
+        </a:solidFill>
+        <a:latin typeface="+mn-lt"/>
+        <a:ea typeface="+mn-ea"/>
+        <a:cs typeface="+mn-cs"/>
+      </a:defRPr>
+    </a:lvl6pPr>
+    <a:lvl7pPr marL="2743200" algn="l" defTabSz="914400" rtl="0" eaLnBrk="1" latinLnBrk="0" hangingPunct="1">
+      <a:defRPr sz="1200" kern="1200">
+        <a:solidFill>
+          <a:schemeClr val="tx1"/>
+        </a:solidFill>
+        <a:latin typeface="+mn-lt"/>
+        <a:ea typeface="+mn-ea"/>
+        <a:cs typeface="+mn-cs"/>
+      </a:defRPr>
+    </a:lvl7pPr>
+    <a:lvl8pPr marL="3200400" algn="l" defTabSz="914400" rtl="0" eaLnBrk="1" latinLnBrk="0" hangingPunct="1">
+      <a:defRPr sz="1200" kern="1200">
+        <a:solidFill>
+          <a:schemeClr val="tx1"/>
+        </a:solidFill>
+        <a:latin typeface="+mn-lt"/>
+        <a:ea typeface="+mn-ea"/>
+        <a:cs typeface="+mn-cs"/>
+      </a:defRPr>
+    </a:lvl8pPr>
+    <a:lvl9pPr marL="3657600" algn="l" defTabSz="914400" rtl="0" eaLnBrk="1" latinLnBrk="0" hangingPunct="1">
+      <a:defRPr sz="1200" kern="1200">
+        <a:solidFill>
+          <a:schemeClr val="tx1"/>
+        </a:solidFill>
+        <a:latin typeface="+mn-lt"/>
+        <a:ea typeface="+mn-ea"/>
+        <a:cs typeface="+mn-cs"/>
+      </a:defRPr>
+    </a:lvl9pPr>
+  </p:notesStyle>
+</p:notesMaster>
+</file>
+
+<file path=ppt/notesSlides/notesSlide1.xml><?xml version="1.0" encoding="utf-8"?>
+<p:notes xmlns:a="http://schemas.openxmlformats.org/drawingml/2006/main" xmlns:r="http://schemas.openxmlformats.org/officeDocument/2006/relationships" xmlns:p="http://schemas.openxmlformats.org/presentationml/2006/main">
+  <p:cSld>
+    <p:spTree>
+      <p:nvGrpSpPr>
+        <p:cNvPr id="1" name=""/>
+        <p:cNvGrpSpPr/>
+        <p:nvPr/>
+      </p:nvGrpSpPr>
+      <p:grpSpPr>
+        <a:xfrm>
+          <a:off x="0" y="0"/>
+          <a:ext cx="0" cy="0"/>
+          <a:chOff x="0" y="0"/>
+          <a:chExt cx="0" cy="0"/>
+        </a:xfrm>
+      </p:grpSpPr>
+      <p:sp>
+        <p:nvSpPr>
+          <p:cNvPr id="2" name="Slide Image Placeholder 1"/>
+          <p:cNvSpPr>
+            <a:spLocks noGrp="1" noRot="1" noChangeAspect="1"/>
+          </p:cNvSpPr>
+          <p:nvPr>
+            <p:ph type="sldImg"/>
+          </p:nvPr>
+        </p:nvSpPr>
+        <p:spPr/>
+      </p:sp>
+      <p:sp>
+        <p:nvSpPr>
+          <p:cNvPr id="3" name="Notes Placeholder 2"/>
+          <p:cNvSpPr>
+            <a:spLocks noGrp="1"/>
+          </p:cNvSpPr>
+          <p:nvPr>
+            <p:ph type="body" idx="1"/>
+          </p:nvPr>
+        </p:nvSpPr>
+        <p:spPr/>
+        <p:txBody>
+          <a:bodyPr/>
+          <a:lstStyle/>
+          <a:p>
+            <a:endParaRPr lang="en-US" dirty="0"/>
+          </a:p>
+        </p:txBody>
+      </p:sp>
+      <p:sp>
+        <p:nvSpPr>
+          <p:cNvPr id="4" name="Slide Number Placeholder 3"/>
+          <p:cNvSpPr>
+            <a:spLocks noGrp="1"/>
+          </p:cNvSpPr>
+          <p:nvPr>
+            <p:ph type="sldNum" sz="quarter" idx="5"/>
+          </p:nvPr>
+        </p:nvSpPr>
+        <p:spPr/>
+        <p:txBody>
+          <a:bodyPr/>
+          <a:lstStyle/>
+          <a:p>
+            <a:fld id="{90E08E8A-CCC4-468B-8AAB-1EB36BC4A82E}" type="slidenum">
+              <a:rPr lang="en-US" smtClean="0"/>
+              <a:t>3</a:t>
+            </a:fld>
+            <a:endParaRPr lang="en-US"/>
+          </a:p>
+        </p:txBody>
+      </p:sp>
+    </p:spTree>
+    <p:extLst>
+      <p:ext uri="{BB962C8B-B14F-4D97-AF65-F5344CB8AC3E}">
+        <p14:creationId xmlns:p14="http://schemas.microsoft.com/office/powerpoint/2010/main" val="2250984595"/>
+      </p:ext>
+    </p:extLst>
+  </p:cSld>
+  <p:clrMapOvr>
+    <a:masterClrMapping/>
+  </p:clrMapOvr>
+</p:notes>
+</file>
+
 <file path=ppt/slideLayouts/slideLayout1.xml><?xml version="1.0" encoding="utf-8"?>
 <p:sldLayout xmlns:a="http://schemas.openxmlformats.org/drawingml/2006/main" xmlns:r="http://schemas.openxmlformats.org/officeDocument/2006/relationships" xmlns:p="http://schemas.openxmlformats.org/presentationml/2006/main" showMasterSp="0" type="title" preserve="1">
   <p:cSld name="Title Slide">
@@ -517,7 +953,7 @@
           <a:p>
             <a:fld id="{B45A4778-A22A-446A-9ABB-989FC66F7673}" type="datetimeFigureOut">
               <a:rPr lang="en-US" smtClean="0"/>
-              <a:t>10/3/2019</a:t>
+              <a:t>10/7/2019</a:t>
             </a:fld>
             <a:endParaRPr lang="en-US"/>
           </a:p>
@@ -696,7 +1132,7 @@
           <a:p>
             <a:fld id="{B45A4778-A22A-446A-9ABB-989FC66F7673}" type="datetimeFigureOut">
               <a:rPr lang="en-US" smtClean="0"/>
-              <a:t>10/3/2019</a:t>
+              <a:t>10/7/2019</a:t>
             </a:fld>
             <a:endParaRPr lang="en-US"/>
           </a:p>
@@ -876,7 +1312,7 @@
           <a:p>
             <a:fld id="{B45A4778-A22A-446A-9ABB-989FC66F7673}" type="datetimeFigureOut">
               <a:rPr lang="en-US" smtClean="0"/>
-              <a:t>10/3/2019</a:t>
+              <a:t>10/7/2019</a:t>
             </a:fld>
             <a:endParaRPr lang="en-US"/>
           </a:p>
@@ -1046,7 +1482,7 @@
           <a:p>
             <a:fld id="{B45A4778-A22A-446A-9ABB-989FC66F7673}" type="datetimeFigureOut">
               <a:rPr lang="en-US" smtClean="0"/>
-              <a:t>10/3/2019</a:t>
+              <a:t>10/7/2019</a:t>
             </a:fld>
             <a:endParaRPr lang="en-US"/>
           </a:p>
@@ -1359,7 +1795,7 @@
           <a:p>
             <a:fld id="{B45A4778-A22A-446A-9ABB-989FC66F7673}" type="datetimeFigureOut">
               <a:rPr lang="en-US" smtClean="0"/>
-              <a:t>10/3/2019</a:t>
+              <a:t>10/7/2019</a:t>
             </a:fld>
             <a:endParaRPr lang="en-US"/>
           </a:p>
@@ -1745,7 +2181,7 @@
           <a:p>
             <a:fld id="{B45A4778-A22A-446A-9ABB-989FC66F7673}" type="datetimeFigureOut">
               <a:rPr lang="en-US" smtClean="0"/>
-              <a:t>10/3/2019</a:t>
+              <a:t>10/7/2019</a:t>
             </a:fld>
             <a:endParaRPr lang="en-US"/>
           </a:p>
@@ -2184,7 +2620,7 @@
           <a:p>
             <a:fld id="{B45A4778-A22A-446A-9ABB-989FC66F7673}" type="datetimeFigureOut">
               <a:rPr lang="en-US" smtClean="0"/>
-              <a:t>10/3/2019</a:t>
+              <a:t>10/7/2019</a:t>
             </a:fld>
             <a:endParaRPr lang="en-US"/>
           </a:p>
@@ -2307,7 +2743,7 @@
           <a:p>
             <a:fld id="{B45A4778-A22A-446A-9ABB-989FC66F7673}" type="datetimeFigureOut">
               <a:rPr lang="en-US" smtClean="0"/>
-              <a:t>10/3/2019</a:t>
+              <a:t>10/7/2019</a:t>
             </a:fld>
             <a:endParaRPr lang="en-US"/>
           </a:p>
@@ -2402,7 +2838,7 @@
           <a:p>
             <a:fld id="{B45A4778-A22A-446A-9ABB-989FC66F7673}" type="datetimeFigureOut">
               <a:rPr lang="en-US" smtClean="0"/>
-              <a:t>10/3/2019</a:t>
+              <a:t>10/7/2019</a:t>
             </a:fld>
             <a:endParaRPr lang="en-US"/>
           </a:p>
@@ -2752,7 +3188,7 @@
           <a:p>
             <a:fld id="{B45A4778-A22A-446A-9ABB-989FC66F7673}" type="datetimeFigureOut">
               <a:rPr lang="en-US" smtClean="0"/>
-              <a:t>10/3/2019</a:t>
+              <a:t>10/7/2019</a:t>
             </a:fld>
             <a:endParaRPr lang="en-US"/>
           </a:p>
@@ -3182,7 +3618,7 @@
           <a:p>
             <a:fld id="{B45A4778-A22A-446A-9ABB-989FC66F7673}" type="datetimeFigureOut">
               <a:rPr lang="en-US" smtClean="0"/>
-              <a:t>10/3/2019</a:t>
+              <a:t>10/7/2019</a:t>
             </a:fld>
             <a:endParaRPr lang="en-US"/>
           </a:p>
@@ -3463,7 +3899,7 @@
           <a:p>
             <a:fld id="{B45A4778-A22A-446A-9ABB-989FC66F7673}" type="datetimeFigureOut">
               <a:rPr lang="en-US" smtClean="0"/>
-              <a:t>10/3/2019</a:t>
+              <a:t>10/7/2019</a:t>
             </a:fld>
             <a:endParaRPr lang="en-US"/>
           </a:p>
@@ -4593,38 +5029,10 @@
       </p:grpSpPr>
       <p:sp>
         <p:nvSpPr>
-          <p:cNvPr id="2" name="Title 1">
+          <p:cNvPr id="9" name="Rectangle: Rounded Corners 8">
             <a:extLst>
               <a:ext uri="{FF2B5EF4-FFF2-40B4-BE49-F238E27FC236}">
-                <a16:creationId xmlns:a16="http://schemas.microsoft.com/office/drawing/2014/main" id="{5822ACC3-F0A6-4DB6-A379-E8D57E8673D0}"/>
-              </a:ext>
-            </a:extLst>
-          </p:cNvPr>
-          <p:cNvSpPr>
-            <a:spLocks noGrp="1"/>
-          </p:cNvSpPr>
-          <p:nvPr>
-            <p:ph type="title"/>
-          </p:nvPr>
-        </p:nvSpPr>
-        <p:spPr/>
-        <p:txBody>
-          <a:bodyPr/>
-          <a:lstStyle/>
-          <a:p>
-            <a:r>
-              <a:rPr lang="en-US" dirty="0"/>
-              <a:t>Application Structure</a:t>
-            </a:r>
-          </a:p>
-        </p:txBody>
-      </p:sp>
-      <p:sp>
-        <p:nvSpPr>
-          <p:cNvPr id="4" name="Rectangle 3">
-            <a:extLst>
-              <a:ext uri="{FF2B5EF4-FFF2-40B4-BE49-F238E27FC236}">
-                <a16:creationId xmlns:a16="http://schemas.microsoft.com/office/drawing/2014/main" id="{A1235E23-B560-4422-83FE-62DECB014EFE}"/>
+                <a16:creationId xmlns:a16="http://schemas.microsoft.com/office/drawing/2014/main" id="{91561CEB-6504-4A97-8C7D-82EF8377B60A}"/>
               </a:ext>
             </a:extLst>
           </p:cNvPr>
@@ -4633,10 +5041,10 @@
         </p:nvSpPr>
         <p:spPr>
           <a:xfrm>
-            <a:off x="8202967" y="2574524"/>
-            <a:ext cx="2121763" cy="1367161"/>
+            <a:off x="765102" y="2332193"/>
+            <a:ext cx="4329034" cy="2629378"/>
           </a:xfrm>
-          <a:prstGeom prst="rect">
+          <a:prstGeom prst="roundRect">
             <a:avLst/>
           </a:prstGeom>
         </p:spPr>
@@ -4661,24 +5069,16 @@
           <a:lstStyle/>
           <a:p>
             <a:pPr algn="ctr"/>
-            <a:r>
-              <a:rPr lang="en-US" dirty="0"/>
-              <a:t>Import </a:t>
-            </a:r>
-            <a:r>
-              <a:rPr lang="en-US" dirty="0" err="1"/>
-              <a:t>CronJob</a:t>
-            </a:r>
             <a:endParaRPr lang="en-US" dirty="0"/>
           </a:p>
         </p:txBody>
       </p:sp>
       <p:sp>
         <p:nvSpPr>
-          <p:cNvPr id="6" name="Rectangle 5">
+          <p:cNvPr id="3" name="Rectangle: Rounded Corners 2">
             <a:extLst>
               <a:ext uri="{FF2B5EF4-FFF2-40B4-BE49-F238E27FC236}">
-                <a16:creationId xmlns:a16="http://schemas.microsoft.com/office/drawing/2014/main" id="{4F8EFD7C-E468-4AFE-9E01-F581A118CFD6}"/>
+                <a16:creationId xmlns:a16="http://schemas.microsoft.com/office/drawing/2014/main" id="{8AB065DF-AE2A-43C2-9A7C-FCEBA460AB8D}"/>
               </a:ext>
             </a:extLst>
           </p:cNvPr>
@@ -4687,10 +5087,10 @@
         </p:nvSpPr>
         <p:spPr>
           <a:xfrm>
-            <a:off x="8202967" y="4246484"/>
-            <a:ext cx="2121763" cy="1367161"/>
+            <a:off x="7627434" y="1851102"/>
+            <a:ext cx="3267307" cy="4204010"/>
           </a:xfrm>
-          <a:prstGeom prst="rect">
+          <a:prstGeom prst="roundRect">
             <a:avLst/>
           </a:prstGeom>
         </p:spPr>
@@ -4715,24 +5115,44 @@
           <a:lstStyle/>
           <a:p>
             <a:pPr algn="ctr"/>
-            <a:r>
-              <a:rPr lang="en-US" dirty="0"/>
-              <a:t>Convert </a:t>
-            </a:r>
-            <a:r>
-              <a:rPr lang="en-US" dirty="0" err="1"/>
-              <a:t>CronJob</a:t>
-            </a:r>
             <a:endParaRPr lang="en-US" dirty="0"/>
           </a:p>
         </p:txBody>
       </p:sp>
       <p:sp>
         <p:nvSpPr>
-          <p:cNvPr id="7" name="Rectangle 6">
+          <p:cNvPr id="2" name="Title 1">
             <a:extLst>
               <a:ext uri="{FF2B5EF4-FFF2-40B4-BE49-F238E27FC236}">
-                <a16:creationId xmlns:a16="http://schemas.microsoft.com/office/drawing/2014/main" id="{B385D399-0333-4A13-8F2C-FAC910170E57}"/>
+                <a16:creationId xmlns:a16="http://schemas.microsoft.com/office/drawing/2014/main" id="{5822ACC3-F0A6-4DB6-A379-E8D57E8673D0}"/>
+              </a:ext>
+            </a:extLst>
+          </p:cNvPr>
+          <p:cNvSpPr>
+            <a:spLocks noGrp="1"/>
+          </p:cNvSpPr>
+          <p:nvPr>
+            <p:ph type="title"/>
+          </p:nvPr>
+        </p:nvSpPr>
+        <p:spPr/>
+        <p:txBody>
+          <a:bodyPr/>
+          <a:lstStyle/>
+          <a:p>
+            <a:r>
+              <a:rPr lang="en-US" dirty="0"/>
+              <a:t>Application Structure</a:t>
+            </a:r>
+          </a:p>
+        </p:txBody>
+      </p:sp>
+      <p:sp>
+        <p:nvSpPr>
+          <p:cNvPr id="4" name="Rectangle 3">
+            <a:extLst>
+              <a:ext uri="{FF2B5EF4-FFF2-40B4-BE49-F238E27FC236}">
+                <a16:creationId xmlns:a16="http://schemas.microsoft.com/office/drawing/2014/main" id="{A1235E23-B560-4422-83FE-62DECB014EFE}"/>
               </a:ext>
             </a:extLst>
           </p:cNvPr>
@@ -4741,12 +5161,17 @@
         </p:nvSpPr>
         <p:spPr>
           <a:xfrm>
-            <a:off x="1574308" y="3191522"/>
-            <a:ext cx="2414726" cy="1500326"/>
+            <a:off x="8202967" y="2574524"/>
+            <a:ext cx="2121763" cy="1367161"/>
           </a:xfrm>
           <a:prstGeom prst="rect">
             <a:avLst/>
           </a:prstGeom>
+          <a:solidFill>
+            <a:schemeClr val="bg2">
+              <a:lumMod val="75000"/>
+            </a:schemeClr>
+          </a:solidFill>
         </p:spPr>
         <p:style>
           <a:lnRef idx="2">
@@ -4770,6 +5195,124 @@
           <a:p>
             <a:pPr algn="ctr"/>
             <a:r>
+              <a:rPr lang="en-US" dirty="0"/>
+              <a:t>Import </a:t>
+            </a:r>
+            <a:r>
+              <a:rPr lang="en-US" dirty="0" err="1"/>
+              <a:t>CronJob</a:t>
+            </a:r>
+            <a:endParaRPr lang="en-US" dirty="0"/>
+          </a:p>
+        </p:txBody>
+      </p:sp>
+      <p:sp>
+        <p:nvSpPr>
+          <p:cNvPr id="6" name="Rectangle 5">
+            <a:extLst>
+              <a:ext uri="{FF2B5EF4-FFF2-40B4-BE49-F238E27FC236}">
+                <a16:creationId xmlns:a16="http://schemas.microsoft.com/office/drawing/2014/main" id="{4F8EFD7C-E468-4AFE-9E01-F581A118CFD6}"/>
+              </a:ext>
+            </a:extLst>
+          </p:cNvPr>
+          <p:cNvSpPr/>
+          <p:nvPr/>
+        </p:nvSpPr>
+        <p:spPr>
+          <a:xfrm>
+            <a:off x="8202967" y="4246484"/>
+            <a:ext cx="2121763" cy="1367161"/>
+          </a:xfrm>
+          <a:prstGeom prst="rect">
+            <a:avLst/>
+          </a:prstGeom>
+          <a:solidFill>
+            <a:schemeClr val="bg2">
+              <a:lumMod val="75000"/>
+            </a:schemeClr>
+          </a:solidFill>
+        </p:spPr>
+        <p:style>
+          <a:lnRef idx="2">
+            <a:schemeClr val="accent1">
+              <a:shade val="50000"/>
+            </a:schemeClr>
+          </a:lnRef>
+          <a:fillRef idx="1">
+            <a:schemeClr val="accent1"/>
+          </a:fillRef>
+          <a:effectRef idx="0">
+            <a:schemeClr val="accent1"/>
+          </a:effectRef>
+          <a:fontRef idx="minor">
+            <a:schemeClr val="lt1"/>
+          </a:fontRef>
+        </p:style>
+        <p:txBody>
+          <a:bodyPr rtlCol="0" anchor="ctr"/>
+          <a:lstStyle/>
+          <a:p>
+            <a:pPr algn="ctr"/>
+            <a:r>
+              <a:rPr lang="en-US" dirty="0"/>
+              <a:t>Convert </a:t>
+            </a:r>
+            <a:r>
+              <a:rPr lang="en-US" dirty="0" err="1"/>
+              <a:t>CronJob</a:t>
+            </a:r>
+            <a:endParaRPr lang="en-US" dirty="0"/>
+          </a:p>
+        </p:txBody>
+      </p:sp>
+      <p:sp>
+        <p:nvSpPr>
+          <p:cNvPr id="7" name="Rectangle 6">
+            <a:extLst>
+              <a:ext uri="{FF2B5EF4-FFF2-40B4-BE49-F238E27FC236}">
+                <a16:creationId xmlns:a16="http://schemas.microsoft.com/office/drawing/2014/main" id="{B385D399-0333-4A13-8F2C-FAC910170E57}"/>
+              </a:ext>
+            </a:extLst>
+          </p:cNvPr>
+          <p:cNvSpPr/>
+          <p:nvPr/>
+        </p:nvSpPr>
+        <p:spPr>
+          <a:xfrm>
+            <a:off x="1574308" y="3191522"/>
+            <a:ext cx="2414726" cy="1500326"/>
+          </a:xfrm>
+          <a:prstGeom prst="rect">
+            <a:avLst/>
+          </a:prstGeom>
+          <a:solidFill>
+            <a:schemeClr val="bg2">
+              <a:lumMod val="50000"/>
+            </a:schemeClr>
+          </a:solidFill>
+        </p:spPr>
+        <p:style>
+          <a:lnRef idx="2">
+            <a:schemeClr val="accent1">
+              <a:shade val="50000"/>
+            </a:schemeClr>
+          </a:lnRef>
+          <a:fillRef idx="1">
+            <a:schemeClr val="accent1"/>
+          </a:fillRef>
+          <a:effectRef idx="0">
+            <a:schemeClr val="accent1"/>
+          </a:effectRef>
+          <a:fontRef idx="minor">
+            <a:schemeClr val="lt1"/>
+          </a:fontRef>
+        </p:style>
+        <p:txBody>
+          <a:bodyPr rtlCol="0" anchor="ctr"/>
+          <a:lstStyle/>
+          <a:p>
+            <a:pPr algn="ctr"/>
+            <a:r>
               <a:rPr lang="en-US" dirty="0" err="1"/>
               <a:t>FrontEnd</a:t>
             </a:r>
@@ -4799,7 +5342,7 @@
         </p:nvSpPr>
         <p:spPr>
           <a:xfrm>
-            <a:off x="1442293" y="4930065"/>
+            <a:off x="844529" y="5171919"/>
             <a:ext cx="5251471" cy="369332"/>
           </a:xfrm>
           <a:prstGeom prst="rect">
@@ -4815,6 +5358,84 @@
             <a:r>
               <a:rPr lang="en-US" dirty="0"/>
               <a:t>http://k8-frontend-app.local/weatherforecast</a:t>
+            </a:r>
+          </a:p>
+        </p:txBody>
+      </p:sp>
+      <p:sp>
+        <p:nvSpPr>
+          <p:cNvPr id="5" name="TextBox 4">
+            <a:extLst>
+              <a:ext uri="{FF2B5EF4-FFF2-40B4-BE49-F238E27FC236}">
+                <a16:creationId xmlns:a16="http://schemas.microsoft.com/office/drawing/2014/main" id="{50444092-AB60-4BEC-9358-DBC58FC675E8}"/>
+              </a:ext>
+            </a:extLst>
+          </p:cNvPr>
+          <p:cNvSpPr txBox="1"/>
+          <p:nvPr/>
+        </p:nvSpPr>
+        <p:spPr>
+          <a:xfrm>
+            <a:off x="7963712" y="2072861"/>
+            <a:ext cx="2594749" cy="369332"/>
+          </a:xfrm>
+          <a:prstGeom prst="rect">
+            <a:avLst/>
+          </a:prstGeom>
+          <a:noFill/>
+        </p:spPr>
+        <p:txBody>
+          <a:bodyPr wrap="none" rtlCol="0">
+            <a:spAutoFit/>
+          </a:bodyPr>
+          <a:lstStyle/>
+          <a:p>
+            <a:r>
+              <a:rPr lang="en-US" dirty="0">
+                <a:solidFill>
+                  <a:schemeClr val="bg1"/>
+                </a:solidFill>
+              </a:rPr>
+              <a:t>K8.LongProcess.csproj</a:t>
+            </a:r>
+          </a:p>
+        </p:txBody>
+      </p:sp>
+      <p:sp>
+        <p:nvSpPr>
+          <p:cNvPr id="10" name="TextBox 9">
+            <a:extLst>
+              <a:ext uri="{FF2B5EF4-FFF2-40B4-BE49-F238E27FC236}">
+                <a16:creationId xmlns:a16="http://schemas.microsoft.com/office/drawing/2014/main" id="{A907C63D-012B-4BB0-A371-F44CE5D3AD13}"/>
+              </a:ext>
+            </a:extLst>
+          </p:cNvPr>
+          <p:cNvSpPr txBox="1"/>
+          <p:nvPr/>
+        </p:nvSpPr>
+        <p:spPr>
+          <a:xfrm>
+            <a:off x="1574308" y="2669030"/>
+            <a:ext cx="2216441" cy="369332"/>
+          </a:xfrm>
+          <a:prstGeom prst="rect">
+            <a:avLst/>
+          </a:prstGeom>
+          <a:noFill/>
+        </p:spPr>
+        <p:txBody>
+          <a:bodyPr wrap="none" rtlCol="0">
+            <a:spAutoFit/>
+          </a:bodyPr>
+          <a:lstStyle/>
+          <a:p>
+            <a:r>
+              <a:rPr lang="en-US" dirty="0">
+                <a:solidFill>
+                  <a:schemeClr val="bg1"/>
+                </a:solidFill>
+              </a:rPr>
+              <a:t>K8.FrontEnd.csproj</a:t>
             </a:r>
           </a:p>
         </p:txBody>
@@ -5143,7 +5764,7 @@
         <p:spPr>
           <a:xfrm>
             <a:off x="745723" y="4292655"/>
-            <a:ext cx="2974020" cy="923330"/>
+            <a:ext cx="2974020" cy="1477328"/>
           </a:xfrm>
           <a:prstGeom prst="rect">
             <a:avLst/>
@@ -5178,7 +5799,24 @@
             </a:pPr>
             <a:r>
               <a:rPr lang="en-US" dirty="0"/>
-              <a:t>CUSTOM NUGET FEED </a:t>
+              <a:t>CUSTOM NUGET FEED</a:t>
+            </a:r>
+          </a:p>
+          <a:p>
+            <a:pPr marL="742950" lvl="1" indent="-285750">
+              <a:buFontTx/>
+              <a:buChar char="-"/>
+            </a:pPr>
+            <a:r>
+              <a:rPr lang="en-US" dirty="0"/>
+              <a:t>$PAT</a:t>
+            </a:r>
+          </a:p>
+          <a:p>
+            <a:pPr lvl="1"/>
+            <a:r>
+              <a:rPr lang="en-US" dirty="0"/>
+              <a:t>-   $FEED </a:t>
             </a:r>
           </a:p>
         </p:txBody>
@@ -5526,4 +6164,299 @@
     </a:ext>
   </a:extLst>
 </a:theme>
+</file>
+
+<file path=ppt/theme/theme2.xml><?xml version="1.0" encoding="utf-8"?>
+<a:theme xmlns:a="http://schemas.openxmlformats.org/drawingml/2006/main" name="Office Theme">
+  <a:themeElements>
+    <a:clrScheme name="Office">
+      <a:dk1>
+        <a:sysClr val="windowText" lastClr="000000"/>
+      </a:dk1>
+      <a:lt1>
+        <a:sysClr val="window" lastClr="FFFFFF"/>
+      </a:lt1>
+      <a:dk2>
+        <a:srgbClr val="44546A"/>
+      </a:dk2>
+      <a:lt2>
+        <a:srgbClr val="E7E6E6"/>
+      </a:lt2>
+      <a:accent1>
+        <a:srgbClr val="4472C4"/>
+      </a:accent1>
+      <a:accent2>
+        <a:srgbClr val="ED7D31"/>
+      </a:accent2>
+      <a:accent3>
+        <a:srgbClr val="A5A5A5"/>
+      </a:accent3>
+      <a:accent4>
+        <a:srgbClr val="FFC000"/>
+      </a:accent4>
+      <a:accent5>
+        <a:srgbClr val="5B9BD5"/>
+      </a:accent5>
+      <a:accent6>
+        <a:srgbClr val="70AD47"/>
+      </a:accent6>
+      <a:hlink>
+        <a:srgbClr val="0563C1"/>
+      </a:hlink>
+      <a:folHlink>
+        <a:srgbClr val="954F72"/>
+      </a:folHlink>
+    </a:clrScheme>
+    <a:fontScheme name="Office">
+      <a:majorFont>
+        <a:latin typeface="Calibri Light" panose="020F0302020204030204"/>
+        <a:ea typeface=""/>
+        <a:cs typeface=""/>
+        <a:font script="Jpan" typeface="游ゴシック Light"/>
+        <a:font script="Hang" typeface="맑은 고딕"/>
+        <a:font script="Hans" typeface="等线 Light"/>
+        <a:font script="Hant" typeface="新細明體"/>
+        <a:font script="Arab" typeface="Times New Roman"/>
+        <a:font script="Hebr" typeface="Times New Roman"/>
+        <a:font script="Thai" typeface="Angsana New"/>
+        <a:font script="Ethi" typeface="Nyala"/>
+        <a:font script="Beng" typeface="Vrinda"/>
+        <a:font script="Gujr" typeface="Shruti"/>
+        <a:font script="Khmr" typeface="MoolBoran"/>
+        <a:font script="Knda" typeface="Tunga"/>
+        <a:font script="Guru" typeface="Raavi"/>
+        <a:font script="Cans" typeface="Euphemia"/>
+        <a:font script="Cher" typeface="Plantagenet Cherokee"/>
+        <a:font script="Yiii" typeface="Microsoft Yi Baiti"/>
+        <a:font script="Tibt" typeface="Microsoft Himalaya"/>
+        <a:font script="Thaa" typeface="MV Boli"/>
+        <a:font script="Deva" typeface="Mangal"/>
+        <a:font script="Telu" typeface="Gautami"/>
+        <a:font script="Taml" typeface="Latha"/>
+        <a:font script="Syrc" typeface="Estrangelo Edessa"/>
+        <a:font script="Orya" typeface="Kalinga"/>
+        <a:font script="Mlym" typeface="Kartika"/>
+        <a:font script="Laoo" typeface="DokChampa"/>
+        <a:font script="Sinh" typeface="Iskoola Pota"/>
+        <a:font script="Mong" typeface="Mongolian Baiti"/>
+        <a:font script="Viet" typeface="Times New Roman"/>
+        <a:font script="Uigh" typeface="Microsoft Uighur"/>
+        <a:font script="Geor" typeface="Sylfaen"/>
+        <a:font script="Armn" typeface="Arial"/>
+        <a:font script="Bugi" typeface="Leelawadee UI"/>
+        <a:font script="Bopo" typeface="Microsoft JhengHei"/>
+        <a:font script="Java" typeface="Javanese Text"/>
+        <a:font script="Lisu" typeface="Segoe UI"/>
+        <a:font script="Mymr" typeface="Myanmar Text"/>
+        <a:font script="Nkoo" typeface="Ebrima"/>
+        <a:font script="Olck" typeface="Nirmala UI"/>
+        <a:font script="Osma" typeface="Ebrima"/>
+        <a:font script="Phag" typeface="Phagspa"/>
+        <a:font script="Syrn" typeface="Estrangelo Edessa"/>
+        <a:font script="Syrj" typeface="Estrangelo Edessa"/>
+        <a:font script="Syre" typeface="Estrangelo Edessa"/>
+        <a:font script="Sora" typeface="Nirmala UI"/>
+        <a:font script="Tale" typeface="Microsoft Tai Le"/>
+        <a:font script="Talu" typeface="Microsoft New Tai Lue"/>
+        <a:font script="Tfng" typeface="Ebrima"/>
+      </a:majorFont>
+      <a:minorFont>
+        <a:latin typeface="Calibri" panose="020F0502020204030204"/>
+        <a:ea typeface=""/>
+        <a:cs typeface=""/>
+        <a:font script="Jpan" typeface="游ゴシック"/>
+        <a:font script="Hang" typeface="맑은 고딕"/>
+        <a:font script="Hans" typeface="等线"/>
+        <a:font script="Hant" typeface="新細明體"/>
+        <a:font script="Arab" typeface="Arial"/>
+        <a:font script="Hebr" typeface="Arial"/>
+        <a:font script="Thai" typeface="Cordia New"/>
+        <a:font script="Ethi" typeface="Nyala"/>
+        <a:font script="Beng" typeface="Vrinda"/>
+        <a:font script="Gujr" typeface="Shruti"/>
+        <a:font script="Khmr" typeface="DaunPenh"/>
+        <a:font script="Knda" typeface="Tunga"/>
+        <a:font script="Guru" typeface="Raavi"/>
+        <a:font script="Cans" typeface="Euphemia"/>
+        <a:font script="Cher" typeface="Plantagenet Cherokee"/>
+        <a:font script="Yiii" typeface="Microsoft Yi Baiti"/>
+        <a:font script="Tibt" typeface="Microsoft Himalaya"/>
+        <a:font script="Thaa" typeface="MV Boli"/>
+        <a:font script="Deva" typeface="Mangal"/>
+        <a:font script="Telu" typeface="Gautami"/>
+        <a:font script="Taml" typeface="Latha"/>
+        <a:font script="Syrc" typeface="Estrangelo Edessa"/>
+        <a:font script="Orya" typeface="Kalinga"/>
+        <a:font script="Mlym" typeface="Kartika"/>
+        <a:font script="Laoo" typeface="DokChampa"/>
+        <a:font script="Sinh" typeface="Iskoola Pota"/>
+        <a:font script="Mong" typeface="Mongolian Baiti"/>
+        <a:font script="Viet" typeface="Arial"/>
+        <a:font script="Uigh" typeface="Microsoft Uighur"/>
+        <a:font script="Geor" typeface="Sylfaen"/>
+        <a:font script="Armn" typeface="Arial"/>
+        <a:font script="Bugi" typeface="Leelawadee UI"/>
+        <a:font script="Bopo" typeface="Microsoft JhengHei"/>
+        <a:font script="Java" typeface="Javanese Text"/>
+        <a:font script="Lisu" typeface="Segoe UI"/>
+        <a:font script="Mymr" typeface="Myanmar Text"/>
+        <a:font script="Nkoo" typeface="Ebrima"/>
+        <a:font script="Olck" typeface="Nirmala UI"/>
+        <a:font script="Osma" typeface="Ebrima"/>
+        <a:font script="Phag" typeface="Phagspa"/>
+        <a:font script="Syrn" typeface="Estrangelo Edessa"/>
+        <a:font script="Syrj" typeface="Estrangelo Edessa"/>
+        <a:font script="Syre" typeface="Estrangelo Edessa"/>
+        <a:font script="Sora" typeface="Nirmala UI"/>
+        <a:font script="Tale" typeface="Microsoft Tai Le"/>
+        <a:font script="Talu" typeface="Microsoft New Tai Lue"/>
+        <a:font script="Tfng" typeface="Ebrima"/>
+      </a:minorFont>
+    </a:fontScheme>
+    <a:fmtScheme name="Office">
+      <a:fillStyleLst>
+        <a:solidFill>
+          <a:schemeClr val="phClr"/>
+        </a:solidFill>
+        <a:gradFill rotWithShape="1">
+          <a:gsLst>
+            <a:gs pos="0">
+              <a:schemeClr val="phClr">
+                <a:lumMod val="110000"/>
+                <a:satMod val="105000"/>
+                <a:tint val="67000"/>
+              </a:schemeClr>
+            </a:gs>
+            <a:gs pos="50000">
+              <a:schemeClr val="phClr">
+                <a:lumMod val="105000"/>
+                <a:satMod val="103000"/>
+                <a:tint val="73000"/>
+              </a:schemeClr>
+            </a:gs>
+            <a:gs pos="100000">
+              <a:schemeClr val="phClr">
+                <a:lumMod val="105000"/>
+                <a:satMod val="109000"/>
+                <a:tint val="81000"/>
+              </a:schemeClr>
+            </a:gs>
+          </a:gsLst>
+          <a:lin ang="5400000" scaled="0"/>
+        </a:gradFill>
+        <a:gradFill rotWithShape="1">
+          <a:gsLst>
+            <a:gs pos="0">
+              <a:schemeClr val="phClr">
+                <a:satMod val="103000"/>
+                <a:lumMod val="102000"/>
+                <a:tint val="94000"/>
+              </a:schemeClr>
+            </a:gs>
+            <a:gs pos="50000">
+              <a:schemeClr val="phClr">
+                <a:satMod val="110000"/>
+                <a:lumMod val="100000"/>
+                <a:shade val="100000"/>
+              </a:schemeClr>
+            </a:gs>
+            <a:gs pos="100000">
+              <a:schemeClr val="phClr">
+                <a:lumMod val="99000"/>
+                <a:satMod val="120000"/>
+                <a:shade val="78000"/>
+              </a:schemeClr>
+            </a:gs>
+          </a:gsLst>
+          <a:lin ang="5400000" scaled="0"/>
+        </a:gradFill>
+      </a:fillStyleLst>
+      <a:lnStyleLst>
+        <a:ln w="6350" cap="flat" cmpd="sng" algn="ctr">
+          <a:solidFill>
+            <a:schemeClr val="phClr"/>
+          </a:solidFill>
+          <a:prstDash val="solid"/>
+          <a:miter lim="800000"/>
+        </a:ln>
+        <a:ln w="12700" cap="flat" cmpd="sng" algn="ctr">
+          <a:solidFill>
+            <a:schemeClr val="phClr"/>
+          </a:solidFill>
+          <a:prstDash val="solid"/>
+          <a:miter lim="800000"/>
+        </a:ln>
+        <a:ln w="19050" cap="flat" cmpd="sng" algn="ctr">
+          <a:solidFill>
+            <a:schemeClr val="phClr"/>
+          </a:solidFill>
+          <a:prstDash val="solid"/>
+          <a:miter lim="800000"/>
+        </a:ln>
+      </a:lnStyleLst>
+      <a:effectStyleLst>
+        <a:effectStyle>
+          <a:effectLst/>
+        </a:effectStyle>
+        <a:effectStyle>
+          <a:effectLst/>
+        </a:effectStyle>
+        <a:effectStyle>
+          <a:effectLst>
+            <a:outerShdw blurRad="57150" dist="19050" dir="5400000" algn="ctr" rotWithShape="0">
+              <a:srgbClr val="000000">
+                <a:alpha val="63000"/>
+              </a:srgbClr>
+            </a:outerShdw>
+          </a:effectLst>
+        </a:effectStyle>
+      </a:effectStyleLst>
+      <a:bgFillStyleLst>
+        <a:solidFill>
+          <a:schemeClr val="phClr"/>
+        </a:solidFill>
+        <a:solidFill>
+          <a:schemeClr val="phClr">
+            <a:tint val="95000"/>
+            <a:satMod val="170000"/>
+          </a:schemeClr>
+        </a:solidFill>
+        <a:gradFill rotWithShape="1">
+          <a:gsLst>
+            <a:gs pos="0">
+              <a:schemeClr val="phClr">
+                <a:tint val="93000"/>
+                <a:satMod val="150000"/>
+                <a:shade val="98000"/>
+                <a:lumMod val="102000"/>
+              </a:schemeClr>
+            </a:gs>
+            <a:gs pos="50000">
+              <a:schemeClr val="phClr">
+                <a:tint val="98000"/>
+                <a:satMod val="130000"/>
+                <a:shade val="90000"/>
+                <a:lumMod val="103000"/>
+              </a:schemeClr>
+            </a:gs>
+            <a:gs pos="100000">
+              <a:schemeClr val="phClr">
+                <a:shade val="63000"/>
+                <a:satMod val="120000"/>
+              </a:schemeClr>
+            </a:gs>
+          </a:gsLst>
+          <a:lin ang="5400000" scaled="0"/>
+        </a:gradFill>
+      </a:bgFillStyleLst>
+    </a:fmtScheme>
+  </a:themeElements>
+  <a:objectDefaults/>
+  <a:extraClrSchemeLst/>
+  <a:extLst>
+    <a:ext uri="{05A4C25C-085E-4340-85A3-A5531E510DB2}">
+      <thm15:themeFamily xmlns:thm15="http://schemas.microsoft.com/office/thememl/2012/main" name="Office Theme" id="{62F939B6-93AF-4DB8-9C6B-D6C7DFDC589F}" vid="{4A3C46E8-61CC-4603-A589-7422A47A8E4A}"/>
+    </a:ext>
+  </a:extLst>
+</a:theme>
 </file>
--- a/K8.DotNetCore.Workshop.pptx
+++ b/K8.DotNetCore.Workshop.pptx
@@ -5,12 +5,19 @@
     <p:sldMasterId id="2147483731" r:id="rId1"/>
   </p:sldMasterIdLst>
   <p:notesMasterIdLst>
-    <p:notesMasterId r:id="rId5"/>
+    <p:notesMasterId r:id="rId12"/>
   </p:notesMasterIdLst>
   <p:sldIdLst>
     <p:sldId id="256" r:id="rId2"/>
     <p:sldId id="257" r:id="rId3"/>
-    <p:sldId id="258" r:id="rId4"/>
+    <p:sldId id="261" r:id="rId4"/>
+    <p:sldId id="262" r:id="rId5"/>
+    <p:sldId id="264" r:id="rId6"/>
+    <p:sldId id="258" r:id="rId7"/>
+    <p:sldId id="265" r:id="rId8"/>
+    <p:sldId id="266" r:id="rId9"/>
+    <p:sldId id="263" r:id="rId10"/>
+    <p:sldId id="259" r:id="rId11"/>
   </p:sldIdLst>
   <p:sldSz cx="12192000" cy="6858000"/>
   <p:notesSz cx="6858000" cy="9144000"/>
@@ -199,7 +206,7 @@
           <a:p>
             <a:fld id="{3FFCC7C2-EBDE-4124-A303-EACF9896B4D6}" type="datetimeFigureOut">
               <a:rPr lang="en-US" smtClean="0"/>
-              <a:t>10/7/2019</a:t>
+              <a:t>10/10/2019</a:t>
             </a:fld>
             <a:endParaRPr lang="en-US"/>
           </a:p>
@@ -540,7 +547,343 @@
     </p:spTree>
     <p:extLst>
       <p:ext uri="{BB962C8B-B14F-4D97-AF65-F5344CB8AC3E}">
+        <p14:creationId xmlns:p14="http://schemas.microsoft.com/office/powerpoint/2010/main" val="2709170037"/>
+      </p:ext>
+    </p:extLst>
+  </p:cSld>
+  <p:clrMapOvr>
+    <a:masterClrMapping/>
+  </p:clrMapOvr>
+</p:notes>
+</file>
+
+<file path=ppt/notesSlides/notesSlide2.xml><?xml version="1.0" encoding="utf-8"?>
+<p:notes xmlns:a="http://schemas.openxmlformats.org/drawingml/2006/main" xmlns:r="http://schemas.openxmlformats.org/officeDocument/2006/relationships" xmlns:p="http://schemas.openxmlformats.org/presentationml/2006/main">
+  <p:cSld>
+    <p:spTree>
+      <p:nvGrpSpPr>
+        <p:cNvPr id="1" name=""/>
+        <p:cNvGrpSpPr/>
+        <p:nvPr/>
+      </p:nvGrpSpPr>
+      <p:grpSpPr>
+        <a:xfrm>
+          <a:off x="0" y="0"/>
+          <a:ext cx="0" cy="0"/>
+          <a:chOff x="0" y="0"/>
+          <a:chExt cx="0" cy="0"/>
+        </a:xfrm>
+      </p:grpSpPr>
+      <p:sp>
+        <p:nvSpPr>
+          <p:cNvPr id="2" name="Slide Image Placeholder 1"/>
+          <p:cNvSpPr>
+            <a:spLocks noGrp="1" noRot="1" noChangeAspect="1"/>
+          </p:cNvSpPr>
+          <p:nvPr>
+            <p:ph type="sldImg"/>
+          </p:nvPr>
+        </p:nvSpPr>
+        <p:spPr/>
+      </p:sp>
+      <p:sp>
+        <p:nvSpPr>
+          <p:cNvPr id="3" name="Notes Placeholder 2"/>
+          <p:cNvSpPr>
+            <a:spLocks noGrp="1"/>
+          </p:cNvSpPr>
+          <p:nvPr>
+            <p:ph type="body" idx="1"/>
+          </p:nvPr>
+        </p:nvSpPr>
+        <p:spPr/>
+        <p:txBody>
+          <a:bodyPr/>
+          <a:lstStyle/>
+          <a:p>
+            <a:endParaRPr lang="en-US" dirty="0"/>
+          </a:p>
+        </p:txBody>
+      </p:sp>
+      <p:sp>
+        <p:nvSpPr>
+          <p:cNvPr id="4" name="Slide Number Placeholder 3"/>
+          <p:cNvSpPr>
+            <a:spLocks noGrp="1"/>
+          </p:cNvSpPr>
+          <p:nvPr>
+            <p:ph type="sldNum" sz="quarter" idx="5"/>
+          </p:nvPr>
+        </p:nvSpPr>
+        <p:spPr/>
+        <p:txBody>
+          <a:bodyPr/>
+          <a:lstStyle/>
+          <a:p>
+            <a:fld id="{90E08E8A-CCC4-468B-8AAB-1EB36BC4A82E}" type="slidenum">
+              <a:rPr lang="en-US" smtClean="0"/>
+              <a:t>4</a:t>
+            </a:fld>
+            <a:endParaRPr lang="en-US"/>
+          </a:p>
+        </p:txBody>
+      </p:sp>
+    </p:spTree>
+    <p:extLst>
+      <p:ext uri="{BB962C8B-B14F-4D97-AF65-F5344CB8AC3E}">
+        <p14:creationId xmlns:p14="http://schemas.microsoft.com/office/powerpoint/2010/main" val="4209082731"/>
+      </p:ext>
+    </p:extLst>
+  </p:cSld>
+  <p:clrMapOvr>
+    <a:masterClrMapping/>
+  </p:clrMapOvr>
+</p:notes>
+</file>
+
+<file path=ppt/notesSlides/notesSlide3.xml><?xml version="1.0" encoding="utf-8"?>
+<p:notes xmlns:a="http://schemas.openxmlformats.org/drawingml/2006/main" xmlns:r="http://schemas.openxmlformats.org/officeDocument/2006/relationships" xmlns:p="http://schemas.openxmlformats.org/presentationml/2006/main">
+  <p:cSld>
+    <p:spTree>
+      <p:nvGrpSpPr>
+        <p:cNvPr id="1" name=""/>
+        <p:cNvGrpSpPr/>
+        <p:nvPr/>
+      </p:nvGrpSpPr>
+      <p:grpSpPr>
+        <a:xfrm>
+          <a:off x="0" y="0"/>
+          <a:ext cx="0" cy="0"/>
+          <a:chOff x="0" y="0"/>
+          <a:chExt cx="0" cy="0"/>
+        </a:xfrm>
+      </p:grpSpPr>
+      <p:sp>
+        <p:nvSpPr>
+          <p:cNvPr id="2" name="Slide Image Placeholder 1"/>
+          <p:cNvSpPr>
+            <a:spLocks noGrp="1" noRot="1" noChangeAspect="1"/>
+          </p:cNvSpPr>
+          <p:nvPr>
+            <p:ph type="sldImg"/>
+          </p:nvPr>
+        </p:nvSpPr>
+        <p:spPr/>
+      </p:sp>
+      <p:sp>
+        <p:nvSpPr>
+          <p:cNvPr id="3" name="Notes Placeholder 2"/>
+          <p:cNvSpPr>
+            <a:spLocks noGrp="1"/>
+          </p:cNvSpPr>
+          <p:nvPr>
+            <p:ph type="body" idx="1"/>
+          </p:nvPr>
+        </p:nvSpPr>
+        <p:spPr/>
+        <p:txBody>
+          <a:bodyPr/>
+          <a:lstStyle/>
+          <a:p>
+            <a:endParaRPr lang="en-US" dirty="0"/>
+          </a:p>
+        </p:txBody>
+      </p:sp>
+      <p:sp>
+        <p:nvSpPr>
+          <p:cNvPr id="4" name="Slide Number Placeholder 3"/>
+          <p:cNvSpPr>
+            <a:spLocks noGrp="1"/>
+          </p:cNvSpPr>
+          <p:nvPr>
+            <p:ph type="sldNum" sz="quarter" idx="5"/>
+          </p:nvPr>
+        </p:nvSpPr>
+        <p:spPr/>
+        <p:txBody>
+          <a:bodyPr/>
+          <a:lstStyle/>
+          <a:p>
+            <a:fld id="{90E08E8A-CCC4-468B-8AAB-1EB36BC4A82E}" type="slidenum">
+              <a:rPr lang="en-US" smtClean="0"/>
+              <a:t>6</a:t>
+            </a:fld>
+            <a:endParaRPr lang="en-US"/>
+          </a:p>
+        </p:txBody>
+      </p:sp>
+    </p:spTree>
+    <p:extLst>
+      <p:ext uri="{BB962C8B-B14F-4D97-AF65-F5344CB8AC3E}">
         <p14:creationId xmlns:p14="http://schemas.microsoft.com/office/powerpoint/2010/main" val="2250984595"/>
+      </p:ext>
+    </p:extLst>
+  </p:cSld>
+  <p:clrMapOvr>
+    <a:masterClrMapping/>
+  </p:clrMapOvr>
+</p:notes>
+</file>
+
+<file path=ppt/notesSlides/notesSlide4.xml><?xml version="1.0" encoding="utf-8"?>
+<p:notes xmlns:a="http://schemas.openxmlformats.org/drawingml/2006/main" xmlns:r="http://schemas.openxmlformats.org/officeDocument/2006/relationships" xmlns:p="http://schemas.openxmlformats.org/presentationml/2006/main">
+  <p:cSld>
+    <p:spTree>
+      <p:nvGrpSpPr>
+        <p:cNvPr id="1" name=""/>
+        <p:cNvGrpSpPr/>
+        <p:nvPr/>
+      </p:nvGrpSpPr>
+      <p:grpSpPr>
+        <a:xfrm>
+          <a:off x="0" y="0"/>
+          <a:ext cx="0" cy="0"/>
+          <a:chOff x="0" y="0"/>
+          <a:chExt cx="0" cy="0"/>
+        </a:xfrm>
+      </p:grpSpPr>
+      <p:sp>
+        <p:nvSpPr>
+          <p:cNvPr id="2" name="Slide Image Placeholder 1"/>
+          <p:cNvSpPr>
+            <a:spLocks noGrp="1" noRot="1" noChangeAspect="1"/>
+          </p:cNvSpPr>
+          <p:nvPr>
+            <p:ph type="sldImg"/>
+          </p:nvPr>
+        </p:nvSpPr>
+        <p:spPr/>
+      </p:sp>
+      <p:sp>
+        <p:nvSpPr>
+          <p:cNvPr id="3" name="Notes Placeholder 2"/>
+          <p:cNvSpPr>
+            <a:spLocks noGrp="1"/>
+          </p:cNvSpPr>
+          <p:nvPr>
+            <p:ph type="body" idx="1"/>
+          </p:nvPr>
+        </p:nvSpPr>
+        <p:spPr/>
+        <p:txBody>
+          <a:bodyPr/>
+          <a:lstStyle/>
+          <a:p>
+            <a:endParaRPr lang="en-US" dirty="0"/>
+          </a:p>
+        </p:txBody>
+      </p:sp>
+      <p:sp>
+        <p:nvSpPr>
+          <p:cNvPr id="4" name="Slide Number Placeholder 3"/>
+          <p:cNvSpPr>
+            <a:spLocks noGrp="1"/>
+          </p:cNvSpPr>
+          <p:nvPr>
+            <p:ph type="sldNum" sz="quarter" idx="5"/>
+          </p:nvPr>
+        </p:nvSpPr>
+        <p:spPr/>
+        <p:txBody>
+          <a:bodyPr/>
+          <a:lstStyle/>
+          <a:p>
+            <a:fld id="{90E08E8A-CCC4-468B-8AAB-1EB36BC4A82E}" type="slidenum">
+              <a:rPr lang="en-US" smtClean="0"/>
+              <a:t>7</a:t>
+            </a:fld>
+            <a:endParaRPr lang="en-US"/>
+          </a:p>
+        </p:txBody>
+      </p:sp>
+    </p:spTree>
+    <p:extLst>
+      <p:ext uri="{BB962C8B-B14F-4D97-AF65-F5344CB8AC3E}">
+        <p14:creationId xmlns:p14="http://schemas.microsoft.com/office/powerpoint/2010/main" val="157315510"/>
+      </p:ext>
+    </p:extLst>
+  </p:cSld>
+  <p:clrMapOvr>
+    <a:masterClrMapping/>
+  </p:clrMapOvr>
+</p:notes>
+</file>
+
+<file path=ppt/notesSlides/notesSlide5.xml><?xml version="1.0" encoding="utf-8"?>
+<p:notes xmlns:a="http://schemas.openxmlformats.org/drawingml/2006/main" xmlns:r="http://schemas.openxmlformats.org/officeDocument/2006/relationships" xmlns:p="http://schemas.openxmlformats.org/presentationml/2006/main">
+  <p:cSld>
+    <p:spTree>
+      <p:nvGrpSpPr>
+        <p:cNvPr id="1" name=""/>
+        <p:cNvGrpSpPr/>
+        <p:nvPr/>
+      </p:nvGrpSpPr>
+      <p:grpSpPr>
+        <a:xfrm>
+          <a:off x="0" y="0"/>
+          <a:ext cx="0" cy="0"/>
+          <a:chOff x="0" y="0"/>
+          <a:chExt cx="0" cy="0"/>
+        </a:xfrm>
+      </p:grpSpPr>
+      <p:sp>
+        <p:nvSpPr>
+          <p:cNvPr id="2" name="Slide Image Placeholder 1"/>
+          <p:cNvSpPr>
+            <a:spLocks noGrp="1" noRot="1" noChangeAspect="1"/>
+          </p:cNvSpPr>
+          <p:nvPr>
+            <p:ph type="sldImg"/>
+          </p:nvPr>
+        </p:nvSpPr>
+        <p:spPr/>
+      </p:sp>
+      <p:sp>
+        <p:nvSpPr>
+          <p:cNvPr id="3" name="Notes Placeholder 2"/>
+          <p:cNvSpPr>
+            <a:spLocks noGrp="1"/>
+          </p:cNvSpPr>
+          <p:nvPr>
+            <p:ph type="body" idx="1"/>
+          </p:nvPr>
+        </p:nvSpPr>
+        <p:spPr/>
+        <p:txBody>
+          <a:bodyPr/>
+          <a:lstStyle/>
+          <a:p>
+            <a:endParaRPr lang="en-US" dirty="0"/>
+          </a:p>
+        </p:txBody>
+      </p:sp>
+      <p:sp>
+        <p:nvSpPr>
+          <p:cNvPr id="4" name="Slide Number Placeholder 3"/>
+          <p:cNvSpPr>
+            <a:spLocks noGrp="1"/>
+          </p:cNvSpPr>
+          <p:nvPr>
+            <p:ph type="sldNum" sz="quarter" idx="5"/>
+          </p:nvPr>
+        </p:nvSpPr>
+        <p:spPr/>
+        <p:txBody>
+          <a:bodyPr/>
+          <a:lstStyle/>
+          <a:p>
+            <a:fld id="{90E08E8A-CCC4-468B-8AAB-1EB36BC4A82E}" type="slidenum">
+              <a:rPr lang="en-US" smtClean="0"/>
+              <a:t>10</a:t>
+            </a:fld>
+            <a:endParaRPr lang="en-US"/>
+          </a:p>
+        </p:txBody>
+      </p:sp>
+    </p:spTree>
+    <p:extLst>
+      <p:ext uri="{BB962C8B-B14F-4D97-AF65-F5344CB8AC3E}">
+        <p14:creationId xmlns:p14="http://schemas.microsoft.com/office/powerpoint/2010/main" val="3518014867"/>
       </p:ext>
     </p:extLst>
   </p:cSld>
@@ -953,7 +1296,7 @@
           <a:p>
             <a:fld id="{B45A4778-A22A-446A-9ABB-989FC66F7673}" type="datetimeFigureOut">
               <a:rPr lang="en-US" smtClean="0"/>
-              <a:t>10/7/2019</a:t>
+              <a:t>10/10/2019</a:t>
             </a:fld>
             <a:endParaRPr lang="en-US"/>
           </a:p>
@@ -1132,7 +1475,7 @@
           <a:p>
             <a:fld id="{B45A4778-A22A-446A-9ABB-989FC66F7673}" type="datetimeFigureOut">
               <a:rPr lang="en-US" smtClean="0"/>
-              <a:t>10/7/2019</a:t>
+              <a:t>10/10/2019</a:t>
             </a:fld>
             <a:endParaRPr lang="en-US"/>
           </a:p>
@@ -1312,7 +1655,7 @@
           <a:p>
             <a:fld id="{B45A4778-A22A-446A-9ABB-989FC66F7673}" type="datetimeFigureOut">
               <a:rPr lang="en-US" smtClean="0"/>
-              <a:t>10/7/2019</a:t>
+              <a:t>10/10/2019</a:t>
             </a:fld>
             <a:endParaRPr lang="en-US"/>
           </a:p>
@@ -1482,7 +1825,7 @@
           <a:p>
             <a:fld id="{B45A4778-A22A-446A-9ABB-989FC66F7673}" type="datetimeFigureOut">
               <a:rPr lang="en-US" smtClean="0"/>
-              <a:t>10/7/2019</a:t>
+              <a:t>10/10/2019</a:t>
             </a:fld>
             <a:endParaRPr lang="en-US"/>
           </a:p>
@@ -1795,7 +2138,7 @@
           <a:p>
             <a:fld id="{B45A4778-A22A-446A-9ABB-989FC66F7673}" type="datetimeFigureOut">
               <a:rPr lang="en-US" smtClean="0"/>
-              <a:t>10/7/2019</a:t>
+              <a:t>10/10/2019</a:t>
             </a:fld>
             <a:endParaRPr lang="en-US"/>
           </a:p>
@@ -2181,7 +2524,7 @@
           <a:p>
             <a:fld id="{B45A4778-A22A-446A-9ABB-989FC66F7673}" type="datetimeFigureOut">
               <a:rPr lang="en-US" smtClean="0"/>
-              <a:t>10/7/2019</a:t>
+              <a:t>10/10/2019</a:t>
             </a:fld>
             <a:endParaRPr lang="en-US"/>
           </a:p>
@@ -2620,7 +2963,7 @@
           <a:p>
             <a:fld id="{B45A4778-A22A-446A-9ABB-989FC66F7673}" type="datetimeFigureOut">
               <a:rPr lang="en-US" smtClean="0"/>
-              <a:t>10/7/2019</a:t>
+              <a:t>10/10/2019</a:t>
             </a:fld>
             <a:endParaRPr lang="en-US"/>
           </a:p>
@@ -2743,7 +3086,7 @@
           <a:p>
             <a:fld id="{B45A4778-A22A-446A-9ABB-989FC66F7673}" type="datetimeFigureOut">
               <a:rPr lang="en-US" smtClean="0"/>
-              <a:t>10/7/2019</a:t>
+              <a:t>10/10/2019</a:t>
             </a:fld>
             <a:endParaRPr lang="en-US"/>
           </a:p>
@@ -2838,7 +3181,7 @@
           <a:p>
             <a:fld id="{B45A4778-A22A-446A-9ABB-989FC66F7673}" type="datetimeFigureOut">
               <a:rPr lang="en-US" smtClean="0"/>
-              <a:t>10/7/2019</a:t>
+              <a:t>10/10/2019</a:t>
             </a:fld>
             <a:endParaRPr lang="en-US"/>
           </a:p>
@@ -3188,7 +3531,7 @@
           <a:p>
             <a:fld id="{B45A4778-A22A-446A-9ABB-989FC66F7673}" type="datetimeFigureOut">
               <a:rPr lang="en-US" smtClean="0"/>
-              <a:t>10/7/2019</a:t>
+              <a:t>10/10/2019</a:t>
             </a:fld>
             <a:endParaRPr lang="en-US"/>
           </a:p>
@@ -3618,7 +3961,7 @@
           <a:p>
             <a:fld id="{B45A4778-A22A-446A-9ABB-989FC66F7673}" type="datetimeFigureOut">
               <a:rPr lang="en-US" smtClean="0"/>
-              <a:t>10/7/2019</a:t>
+              <a:t>10/10/2019</a:t>
             </a:fld>
             <a:endParaRPr lang="en-US"/>
           </a:p>
@@ -3899,7 +4242,7 @@
           <a:p>
             <a:fld id="{B45A4778-A22A-446A-9ABB-989FC66F7673}" type="datetimeFigureOut">
               <a:rPr lang="en-US" smtClean="0"/>
-              <a:t>10/7/2019</a:t>
+              <a:t>10/10/2019</a:t>
             </a:fld>
             <a:endParaRPr lang="en-US"/>
           </a:p>
@@ -5010,6 +5353,732 @@
 </p:sld>
 </file>
 
+<file path=ppt/slides/slide10.xml><?xml version="1.0" encoding="utf-8"?>
+<p:sld xmlns:a="http://schemas.openxmlformats.org/drawingml/2006/main" xmlns:r="http://schemas.openxmlformats.org/officeDocument/2006/relationships" xmlns:p="http://schemas.openxmlformats.org/presentationml/2006/main">
+  <p:cSld>
+    <p:spTree>
+      <p:nvGrpSpPr>
+        <p:cNvPr id="1" name=""/>
+        <p:cNvGrpSpPr/>
+        <p:nvPr/>
+      </p:nvGrpSpPr>
+      <p:grpSpPr>
+        <a:xfrm>
+          <a:off x="0" y="0"/>
+          <a:ext cx="0" cy="0"/>
+          <a:chOff x="0" y="0"/>
+          <a:chExt cx="0" cy="0"/>
+        </a:xfrm>
+      </p:grpSpPr>
+      <p:sp>
+        <p:nvSpPr>
+          <p:cNvPr id="2" name="Title 1">
+            <a:extLst>
+              <a:ext uri="{FF2B5EF4-FFF2-40B4-BE49-F238E27FC236}">
+                <a16:creationId xmlns:a16="http://schemas.microsoft.com/office/drawing/2014/main" id="{6321E1BF-1842-4B13-89EA-5537E29F3A36}"/>
+              </a:ext>
+            </a:extLst>
+          </p:cNvPr>
+          <p:cNvSpPr>
+            <a:spLocks noGrp="1"/>
+          </p:cNvSpPr>
+          <p:nvPr>
+            <p:ph type="title"/>
+          </p:nvPr>
+        </p:nvSpPr>
+        <p:spPr/>
+        <p:txBody>
+          <a:bodyPr/>
+          <a:lstStyle/>
+          <a:p>
+            <a:r>
+              <a:rPr lang="en-US" dirty="0"/>
+              <a:t>Managed Identity</a:t>
+            </a:r>
+          </a:p>
+        </p:txBody>
+      </p:sp>
+      <p:pic>
+        <p:nvPicPr>
+          <p:cNvPr id="15" name="Graphic 14">
+            <a:extLst>
+              <a:ext uri="{FF2B5EF4-FFF2-40B4-BE49-F238E27FC236}">
+                <a16:creationId xmlns:a16="http://schemas.microsoft.com/office/drawing/2014/main" id="{43A2D4CB-4233-4309-955A-2AC89BB03A45}"/>
+              </a:ext>
+            </a:extLst>
+          </p:cNvPr>
+          <p:cNvPicPr>
+            <a:picLocks noChangeAspect="1"/>
+          </p:cNvPicPr>
+          <p:nvPr/>
+        </p:nvPicPr>
+        <p:blipFill>
+          <a:blip r:embed="rId3">
+            <a:extLst>
+              <a:ext uri="{28A0092B-C50C-407E-A947-70E740481C1C}">
+                <a14:useLocalDpi xmlns:a14="http://schemas.microsoft.com/office/drawing/2010/main" val="0"/>
+              </a:ext>
+              <a:ext uri="{96DAC541-7B7A-43D3-8B79-37D633B846F1}">
+                <asvg:svgBlip xmlns:asvg="http://schemas.microsoft.com/office/drawing/2016/SVG/main" r:embed="rId4"/>
+              </a:ext>
+            </a:extLst>
+          </a:blip>
+          <a:stretch>
+            <a:fillRect/>
+          </a:stretch>
+        </p:blipFill>
+        <p:spPr>
+          <a:xfrm>
+            <a:off x="1069848" y="2154618"/>
+            <a:ext cx="1102412" cy="1102412"/>
+          </a:xfrm>
+          <a:prstGeom prst="rect">
+            <a:avLst/>
+          </a:prstGeom>
+        </p:spPr>
+      </p:pic>
+      <p:grpSp>
+        <p:nvGrpSpPr>
+          <p:cNvPr id="16" name="Group 15">
+            <a:extLst>
+              <a:ext uri="{FF2B5EF4-FFF2-40B4-BE49-F238E27FC236}">
+                <a16:creationId xmlns:a16="http://schemas.microsoft.com/office/drawing/2014/main" id="{3EC800C3-2C31-4A90-8800-C90DF85B3995}"/>
+              </a:ext>
+            </a:extLst>
+          </p:cNvPr>
+          <p:cNvGrpSpPr/>
+          <p:nvPr/>
+        </p:nvGrpSpPr>
+        <p:grpSpPr>
+          <a:xfrm>
+            <a:off x="7072197" y="964237"/>
+            <a:ext cx="1896360" cy="1277239"/>
+            <a:chOff x="6492333" y="2093976"/>
+            <a:chExt cx="1896360" cy="1277239"/>
+          </a:xfrm>
+        </p:grpSpPr>
+        <p:pic>
+          <p:nvPicPr>
+            <p:cNvPr id="5" name="Graphic 4">
+              <a:extLst>
+                <a:ext uri="{FF2B5EF4-FFF2-40B4-BE49-F238E27FC236}">
+                  <a16:creationId xmlns:a16="http://schemas.microsoft.com/office/drawing/2014/main" id="{86CF3B3D-707F-4ACA-83D7-60C2C806FE22}"/>
+                </a:ext>
+              </a:extLst>
+            </p:cNvPr>
+            <p:cNvPicPr>
+              <a:picLocks noChangeAspect="1"/>
+            </p:cNvPicPr>
+            <p:nvPr/>
+          </p:nvPicPr>
+          <p:blipFill>
+            <a:blip r:embed="rId5">
+              <a:extLst>
+                <a:ext uri="{28A0092B-C50C-407E-A947-70E740481C1C}">
+                  <a14:useLocalDpi xmlns:a14="http://schemas.microsoft.com/office/drawing/2010/main" val="0"/>
+                </a:ext>
+                <a:ext uri="{96DAC541-7B7A-43D3-8B79-37D633B846F1}">
+                  <asvg:svgBlip xmlns:asvg="http://schemas.microsoft.com/office/drawing/2016/SVG/main" r:embed="rId6"/>
+                </a:ext>
+              </a:extLst>
+            </a:blip>
+            <a:stretch>
+              <a:fillRect/>
+            </a:stretch>
+          </p:blipFill>
+          <p:spPr>
+            <a:xfrm>
+              <a:off x="6492333" y="2093976"/>
+              <a:ext cx="723900" cy="952500"/>
+            </a:xfrm>
+            <a:prstGeom prst="rect">
+              <a:avLst/>
+            </a:prstGeom>
+          </p:spPr>
+        </p:pic>
+        <p:sp>
+          <p:nvSpPr>
+            <p:cNvPr id="12" name="TextBox 11">
+              <a:extLst>
+                <a:ext uri="{FF2B5EF4-FFF2-40B4-BE49-F238E27FC236}">
+                  <a16:creationId xmlns:a16="http://schemas.microsoft.com/office/drawing/2014/main" id="{75E60CB4-E927-4DDA-B42A-FB43A2B39767}"/>
+                </a:ext>
+              </a:extLst>
+            </p:cNvPr>
+            <p:cNvSpPr txBox="1"/>
+            <p:nvPr/>
+          </p:nvSpPr>
+          <p:spPr>
+            <a:xfrm>
+              <a:off x="6575183" y="3001883"/>
+              <a:ext cx="1813510" cy="369332"/>
+            </a:xfrm>
+            <a:prstGeom prst="rect">
+              <a:avLst/>
+            </a:prstGeom>
+            <a:noFill/>
+          </p:spPr>
+          <p:txBody>
+            <a:bodyPr wrap="none" rtlCol="0">
+              <a:spAutoFit/>
+            </a:bodyPr>
+            <a:lstStyle/>
+            <a:p>
+              <a:r>
+                <a:rPr lang="en-US" dirty="0"/>
+                <a:t>Azure Key Vault</a:t>
+              </a:r>
+            </a:p>
+          </p:txBody>
+        </p:sp>
+      </p:grpSp>
+      <p:grpSp>
+        <p:nvGrpSpPr>
+          <p:cNvPr id="23" name="Group 22">
+            <a:extLst>
+              <a:ext uri="{FF2B5EF4-FFF2-40B4-BE49-F238E27FC236}">
+                <a16:creationId xmlns:a16="http://schemas.microsoft.com/office/drawing/2014/main" id="{1803AAAE-07FC-483F-9280-E1DA847245FD}"/>
+              </a:ext>
+            </a:extLst>
+          </p:cNvPr>
+          <p:cNvGrpSpPr/>
+          <p:nvPr/>
+        </p:nvGrpSpPr>
+        <p:grpSpPr>
+          <a:xfrm>
+            <a:off x="7220892" y="2636420"/>
+            <a:ext cx="1747665" cy="1284605"/>
+            <a:chOff x="6492333" y="3666215"/>
+            <a:chExt cx="1747665" cy="1284605"/>
+          </a:xfrm>
+        </p:grpSpPr>
+        <p:pic>
+          <p:nvPicPr>
+            <p:cNvPr id="13" name="Graphic 12">
+              <a:extLst>
+                <a:ext uri="{FF2B5EF4-FFF2-40B4-BE49-F238E27FC236}">
+                  <a16:creationId xmlns:a16="http://schemas.microsoft.com/office/drawing/2014/main" id="{F4F00EED-4863-41C1-B8D0-D92C4F03055A}"/>
+                </a:ext>
+              </a:extLst>
+            </p:cNvPr>
+            <p:cNvPicPr>
+              <a:picLocks noChangeAspect="1"/>
+            </p:cNvPicPr>
+            <p:nvPr/>
+          </p:nvPicPr>
+          <p:blipFill>
+            <a:blip r:embed="rId7">
+              <a:extLst>
+                <a:ext uri="{28A0092B-C50C-407E-A947-70E740481C1C}">
+                  <a14:useLocalDpi xmlns:a14="http://schemas.microsoft.com/office/drawing/2010/main" val="0"/>
+                </a:ext>
+                <a:ext uri="{96DAC541-7B7A-43D3-8B79-37D633B846F1}">
+                  <asvg:svgBlip xmlns:asvg="http://schemas.microsoft.com/office/drawing/2016/SVG/main" r:embed="rId8"/>
+                </a:ext>
+              </a:extLst>
+            </a:blip>
+            <a:stretch>
+              <a:fillRect/>
+            </a:stretch>
+          </p:blipFill>
+          <p:spPr>
+            <a:xfrm>
+              <a:off x="6492333" y="3666215"/>
+              <a:ext cx="989605" cy="989605"/>
+            </a:xfrm>
+            <a:prstGeom prst="rect">
+              <a:avLst/>
+            </a:prstGeom>
+          </p:spPr>
+        </p:pic>
+        <p:sp>
+          <p:nvSpPr>
+            <p:cNvPr id="18" name="TextBox 17">
+              <a:extLst>
+                <a:ext uri="{FF2B5EF4-FFF2-40B4-BE49-F238E27FC236}">
+                  <a16:creationId xmlns:a16="http://schemas.microsoft.com/office/drawing/2014/main" id="{66BB3E02-9248-421C-9E54-50474A9036A8}"/>
+                </a:ext>
+              </a:extLst>
+            </p:cNvPr>
+            <p:cNvSpPr txBox="1"/>
+            <p:nvPr/>
+          </p:nvSpPr>
+          <p:spPr>
+            <a:xfrm>
+              <a:off x="6575183" y="4581488"/>
+              <a:ext cx="1664815" cy="369332"/>
+            </a:xfrm>
+            <a:prstGeom prst="rect">
+              <a:avLst/>
+            </a:prstGeom>
+            <a:noFill/>
+          </p:spPr>
+          <p:txBody>
+            <a:bodyPr wrap="none" rtlCol="0">
+              <a:spAutoFit/>
+            </a:bodyPr>
+            <a:lstStyle/>
+            <a:p>
+              <a:r>
+                <a:rPr lang="en-US" dirty="0"/>
+                <a:t>Azure Storage</a:t>
+              </a:r>
+            </a:p>
+          </p:txBody>
+        </p:sp>
+      </p:grpSp>
+      <p:grpSp>
+        <p:nvGrpSpPr>
+          <p:cNvPr id="24" name="Group 23">
+            <a:extLst>
+              <a:ext uri="{FF2B5EF4-FFF2-40B4-BE49-F238E27FC236}">
+                <a16:creationId xmlns:a16="http://schemas.microsoft.com/office/drawing/2014/main" id="{51257A8F-E97F-43AD-9C4A-DC3C75CE907D}"/>
+              </a:ext>
+            </a:extLst>
+          </p:cNvPr>
+          <p:cNvGrpSpPr/>
+          <p:nvPr/>
+        </p:nvGrpSpPr>
+        <p:grpSpPr>
+          <a:xfrm>
+            <a:off x="7155047" y="4536156"/>
+            <a:ext cx="3813064" cy="1443579"/>
+            <a:chOff x="6327710" y="5100451"/>
+            <a:chExt cx="3813064" cy="1443579"/>
+          </a:xfrm>
+        </p:grpSpPr>
+        <p:pic>
+          <p:nvPicPr>
+            <p:cNvPr id="17" name="Graphic 16">
+              <a:extLst>
+                <a:ext uri="{FF2B5EF4-FFF2-40B4-BE49-F238E27FC236}">
+                  <a16:creationId xmlns:a16="http://schemas.microsoft.com/office/drawing/2014/main" id="{400D27B3-15C4-44A2-B0DD-82AD19349F42}"/>
+                </a:ext>
+              </a:extLst>
+            </p:cNvPr>
+            <p:cNvPicPr>
+              <a:picLocks noChangeAspect="1"/>
+            </p:cNvPicPr>
+            <p:nvPr/>
+          </p:nvPicPr>
+          <p:blipFill>
+            <a:blip r:embed="rId9">
+              <a:extLst>
+                <a:ext uri="{28A0092B-C50C-407E-A947-70E740481C1C}">
+                  <a14:useLocalDpi xmlns:a14="http://schemas.microsoft.com/office/drawing/2010/main" val="0"/>
+                </a:ext>
+                <a:ext uri="{96DAC541-7B7A-43D3-8B79-37D633B846F1}">
+                  <asvg:svgBlip xmlns:asvg="http://schemas.microsoft.com/office/drawing/2016/SVG/main" r:embed="rId10"/>
+                </a:ext>
+              </a:extLst>
+            </a:blip>
+            <a:stretch>
+              <a:fillRect/>
+            </a:stretch>
+          </p:blipFill>
+          <p:spPr>
+            <a:xfrm>
+              <a:off x="6327710" y="5100451"/>
+              <a:ext cx="1079880" cy="1079880"/>
+            </a:xfrm>
+            <a:prstGeom prst="rect">
+              <a:avLst/>
+            </a:prstGeom>
+          </p:spPr>
+        </p:pic>
+        <p:sp>
+          <p:nvSpPr>
+            <p:cNvPr id="20" name="TextBox 19">
+              <a:extLst>
+                <a:ext uri="{FF2B5EF4-FFF2-40B4-BE49-F238E27FC236}">
+                  <a16:creationId xmlns:a16="http://schemas.microsoft.com/office/drawing/2014/main" id="{7C4DDD96-E413-4C0F-A3CB-9C5672913F98}"/>
+                </a:ext>
+              </a:extLst>
+            </p:cNvPr>
+            <p:cNvSpPr txBox="1"/>
+            <p:nvPr/>
+          </p:nvSpPr>
+          <p:spPr>
+            <a:xfrm>
+              <a:off x="6575183" y="6174698"/>
+              <a:ext cx="3565591" cy="369332"/>
+            </a:xfrm>
+            <a:prstGeom prst="rect">
+              <a:avLst/>
+            </a:prstGeom>
+            <a:noFill/>
+          </p:spPr>
+          <p:txBody>
+            <a:bodyPr wrap="none" rtlCol="0">
+              <a:spAutoFit/>
+            </a:bodyPr>
+            <a:lstStyle/>
+            <a:p>
+              <a:r>
+                <a:rPr lang="en-US" dirty="0"/>
+                <a:t>Azure Container Registry (ACR)</a:t>
+              </a:r>
+            </a:p>
+          </p:txBody>
+        </p:sp>
+      </p:grpSp>
+      <p:grpSp>
+        <p:nvGrpSpPr>
+          <p:cNvPr id="14" name="Group 13">
+            <a:extLst>
+              <a:ext uri="{FF2B5EF4-FFF2-40B4-BE49-F238E27FC236}">
+                <a16:creationId xmlns:a16="http://schemas.microsoft.com/office/drawing/2014/main" id="{61F70719-17C0-43A8-AC9C-72A9AC39C369}"/>
+              </a:ext>
+            </a:extLst>
+          </p:cNvPr>
+          <p:cNvGrpSpPr/>
+          <p:nvPr/>
+        </p:nvGrpSpPr>
+        <p:grpSpPr>
+          <a:xfrm>
+            <a:off x="3338262" y="3429000"/>
+            <a:ext cx="2584938" cy="1547849"/>
+            <a:chOff x="3163768" y="2988307"/>
+            <a:chExt cx="2584938" cy="1547849"/>
+          </a:xfrm>
+        </p:grpSpPr>
+        <p:pic>
+          <p:nvPicPr>
+            <p:cNvPr id="10" name="Graphic 9">
+              <a:extLst>
+                <a:ext uri="{FF2B5EF4-FFF2-40B4-BE49-F238E27FC236}">
+                  <a16:creationId xmlns:a16="http://schemas.microsoft.com/office/drawing/2014/main" id="{6BF3F959-23B4-4853-8547-E7A52F783A24}"/>
+                </a:ext>
+              </a:extLst>
+            </p:cNvPr>
+            <p:cNvPicPr>
+              <a:picLocks noChangeAspect="1"/>
+            </p:cNvPicPr>
+            <p:nvPr/>
+          </p:nvPicPr>
+          <p:blipFill>
+            <a:blip r:embed="rId11">
+              <a:extLst>
+                <a:ext uri="{28A0092B-C50C-407E-A947-70E740481C1C}">
+                  <a14:useLocalDpi xmlns:a14="http://schemas.microsoft.com/office/drawing/2010/main" val="0"/>
+                </a:ext>
+                <a:ext uri="{96DAC541-7B7A-43D3-8B79-37D633B846F1}">
+                  <asvg:svgBlip xmlns:asvg="http://schemas.microsoft.com/office/drawing/2016/SVG/main" r:embed="rId12"/>
+                </a:ext>
+              </a:extLst>
+            </a:blip>
+            <a:stretch>
+              <a:fillRect/>
+            </a:stretch>
+          </p:blipFill>
+          <p:spPr>
+            <a:xfrm>
+              <a:off x="3659515" y="2988307"/>
+              <a:ext cx="1345563" cy="1172710"/>
+            </a:xfrm>
+            <a:prstGeom prst="rect">
+              <a:avLst/>
+            </a:prstGeom>
+          </p:spPr>
+        </p:pic>
+        <p:sp>
+          <p:nvSpPr>
+            <p:cNvPr id="22" name="TextBox 21">
+              <a:extLst>
+                <a:ext uri="{FF2B5EF4-FFF2-40B4-BE49-F238E27FC236}">
+                  <a16:creationId xmlns:a16="http://schemas.microsoft.com/office/drawing/2014/main" id="{BD28C82F-F8C4-4BF7-A780-AAC10863782E}"/>
+                </a:ext>
+              </a:extLst>
+            </p:cNvPr>
+            <p:cNvSpPr txBox="1"/>
+            <p:nvPr/>
+          </p:nvSpPr>
+          <p:spPr>
+            <a:xfrm>
+              <a:off x="3163768" y="4166824"/>
+              <a:ext cx="2584938" cy="369332"/>
+            </a:xfrm>
+            <a:prstGeom prst="rect">
+              <a:avLst/>
+            </a:prstGeom>
+            <a:noFill/>
+          </p:spPr>
+          <p:txBody>
+            <a:bodyPr wrap="none" rtlCol="0">
+              <a:spAutoFit/>
+            </a:bodyPr>
+            <a:lstStyle/>
+            <a:p>
+              <a:r>
+                <a:rPr lang="en-US" dirty="0"/>
+                <a:t>Azure Active Directory</a:t>
+              </a:r>
+            </a:p>
+          </p:txBody>
+        </p:sp>
+      </p:grpSp>
+      <p:sp>
+        <p:nvSpPr>
+          <p:cNvPr id="28" name="TextBox 27">
+            <a:extLst>
+              <a:ext uri="{FF2B5EF4-FFF2-40B4-BE49-F238E27FC236}">
+                <a16:creationId xmlns:a16="http://schemas.microsoft.com/office/drawing/2014/main" id="{DA2978F8-2EC4-4CCA-BB73-75DC9DDC8981}"/>
+              </a:ext>
+            </a:extLst>
+          </p:cNvPr>
+          <p:cNvSpPr txBox="1"/>
+          <p:nvPr/>
+        </p:nvSpPr>
+        <p:spPr>
+          <a:xfrm>
+            <a:off x="1012597" y="3256693"/>
+            <a:ext cx="1463414" cy="369332"/>
+          </a:xfrm>
+          <a:prstGeom prst="rect">
+            <a:avLst/>
+          </a:prstGeom>
+          <a:noFill/>
+        </p:spPr>
+        <p:txBody>
+          <a:bodyPr wrap="none" rtlCol="0">
+            <a:spAutoFit/>
+          </a:bodyPr>
+          <a:lstStyle/>
+          <a:p>
+            <a:r>
+              <a:rPr lang="en-US" dirty="0"/>
+              <a:t>Pod Identity</a:t>
+            </a:r>
+          </a:p>
+        </p:txBody>
+      </p:sp>
+      <p:cxnSp>
+        <p:nvCxnSpPr>
+          <p:cNvPr id="30" name="Straight Arrow Connector 29">
+            <a:extLst>
+              <a:ext uri="{FF2B5EF4-FFF2-40B4-BE49-F238E27FC236}">
+                <a16:creationId xmlns:a16="http://schemas.microsoft.com/office/drawing/2014/main" id="{B483CCB8-D382-4E9F-A3A3-0994CCB75D15}"/>
+              </a:ext>
+            </a:extLst>
+          </p:cNvPr>
+          <p:cNvCxnSpPr>
+            <a:endCxn id="10" idx="1"/>
+          </p:cNvCxnSpPr>
+          <p:nvPr/>
+        </p:nvCxnSpPr>
+        <p:spPr>
+          <a:xfrm>
+            <a:off x="2085278" y="2955073"/>
+            <a:ext cx="1748731" cy="1060282"/>
+          </a:xfrm>
+          <a:prstGeom prst="straightConnector1">
+            <a:avLst/>
+          </a:prstGeom>
+          <a:ln>
+            <a:tailEnd type="triangle"/>
+          </a:ln>
+        </p:spPr>
+        <p:style>
+          <a:lnRef idx="1">
+            <a:schemeClr val="accent1"/>
+          </a:lnRef>
+          <a:fillRef idx="0">
+            <a:schemeClr val="accent1"/>
+          </a:fillRef>
+          <a:effectRef idx="0">
+            <a:schemeClr val="accent1"/>
+          </a:effectRef>
+          <a:fontRef idx="minor">
+            <a:schemeClr val="tx1"/>
+          </a:fontRef>
+        </p:style>
+      </p:cxnSp>
+      <p:cxnSp>
+        <p:nvCxnSpPr>
+          <p:cNvPr id="32" name="Straight Arrow Connector 31">
+            <a:extLst>
+              <a:ext uri="{FF2B5EF4-FFF2-40B4-BE49-F238E27FC236}">
+                <a16:creationId xmlns:a16="http://schemas.microsoft.com/office/drawing/2014/main" id="{CB3928A1-DE3F-4199-8213-E2FE09428AB9}"/>
+              </a:ext>
+            </a:extLst>
+          </p:cNvPr>
+          <p:cNvCxnSpPr>
+            <a:cxnSpLocks/>
+            <a:stCxn id="10" idx="0"/>
+            <a:endCxn id="15" idx="0"/>
+          </p:cNvCxnSpPr>
+          <p:nvPr/>
+        </p:nvCxnSpPr>
+        <p:spPr>
+          <a:xfrm flipH="1" flipV="1">
+            <a:off x="1621054" y="2154618"/>
+            <a:ext cx="2885737" cy="1274382"/>
+          </a:xfrm>
+          <a:prstGeom prst="straightConnector1">
+            <a:avLst/>
+          </a:prstGeom>
+          <a:ln>
+            <a:tailEnd type="triangle"/>
+          </a:ln>
+        </p:spPr>
+        <p:style>
+          <a:lnRef idx="1">
+            <a:schemeClr val="accent1"/>
+          </a:lnRef>
+          <a:fillRef idx="0">
+            <a:schemeClr val="accent1"/>
+          </a:fillRef>
+          <a:effectRef idx="0">
+            <a:schemeClr val="accent1"/>
+          </a:effectRef>
+          <a:fontRef idx="minor">
+            <a:schemeClr val="tx1"/>
+          </a:fontRef>
+        </p:style>
+      </p:cxnSp>
+      <p:cxnSp>
+        <p:nvCxnSpPr>
+          <p:cNvPr id="43" name="Connector: Elbow 42">
+            <a:extLst>
+              <a:ext uri="{FF2B5EF4-FFF2-40B4-BE49-F238E27FC236}">
+                <a16:creationId xmlns:a16="http://schemas.microsoft.com/office/drawing/2014/main" id="{72575DF4-3FB7-494F-8B11-3A468C0C69EB}"/>
+              </a:ext>
+            </a:extLst>
+          </p:cNvPr>
+          <p:cNvCxnSpPr>
+            <a:stCxn id="15" idx="0"/>
+            <a:endCxn id="13" idx="1"/>
+          </p:cNvCxnSpPr>
+          <p:nvPr/>
+        </p:nvCxnSpPr>
+        <p:spPr>
+          <a:xfrm rot="16200000" flipH="1">
+            <a:off x="3932670" y="-156999"/>
+            <a:ext cx="976605" cy="5599838"/>
+          </a:xfrm>
+          <a:prstGeom prst="bentConnector4">
+            <a:avLst>
+              <a:gd name="adj1" fmla="val -23408"/>
+              <a:gd name="adj2" fmla="val 54922"/>
+            </a:avLst>
+          </a:prstGeom>
+          <a:ln>
+            <a:tailEnd type="triangle"/>
+          </a:ln>
+        </p:spPr>
+        <p:style>
+          <a:lnRef idx="1">
+            <a:schemeClr val="accent1"/>
+          </a:lnRef>
+          <a:fillRef idx="0">
+            <a:schemeClr val="accent1"/>
+          </a:fillRef>
+          <a:effectRef idx="0">
+            <a:schemeClr val="accent1"/>
+          </a:effectRef>
+          <a:fontRef idx="minor">
+            <a:schemeClr val="tx1"/>
+          </a:fontRef>
+        </p:style>
+      </p:cxnSp>
+      <p:cxnSp>
+        <p:nvCxnSpPr>
+          <p:cNvPr id="45" name="Connector: Elbow 44">
+            <a:extLst>
+              <a:ext uri="{FF2B5EF4-FFF2-40B4-BE49-F238E27FC236}">
+                <a16:creationId xmlns:a16="http://schemas.microsoft.com/office/drawing/2014/main" id="{E8002E5F-8D3A-4C1C-A836-0A25810CE212}"/>
+              </a:ext>
+            </a:extLst>
+          </p:cNvPr>
+          <p:cNvCxnSpPr>
+            <a:cxnSpLocks/>
+          </p:cNvCxnSpPr>
+          <p:nvPr/>
+        </p:nvCxnSpPr>
+        <p:spPr>
+          <a:xfrm flipV="1">
+            <a:off x="1641254" y="1453596"/>
+            <a:ext cx="5327893" cy="714130"/>
+          </a:xfrm>
+          <a:prstGeom prst="bentConnector3">
+            <a:avLst>
+              <a:gd name="adj1" fmla="val 92713"/>
+            </a:avLst>
+          </a:prstGeom>
+          <a:ln>
+            <a:tailEnd type="triangle"/>
+          </a:ln>
+        </p:spPr>
+        <p:style>
+          <a:lnRef idx="1">
+            <a:schemeClr val="accent1"/>
+          </a:lnRef>
+          <a:fillRef idx="0">
+            <a:schemeClr val="accent1"/>
+          </a:fillRef>
+          <a:effectRef idx="0">
+            <a:schemeClr val="accent1"/>
+          </a:effectRef>
+          <a:fontRef idx="minor">
+            <a:schemeClr val="tx1"/>
+          </a:fontRef>
+        </p:style>
+      </p:cxnSp>
+      <p:cxnSp>
+        <p:nvCxnSpPr>
+          <p:cNvPr id="49" name="Connector: Elbow 48">
+            <a:extLst>
+              <a:ext uri="{FF2B5EF4-FFF2-40B4-BE49-F238E27FC236}">
+                <a16:creationId xmlns:a16="http://schemas.microsoft.com/office/drawing/2014/main" id="{6DF0705A-1213-4A0F-BCC1-86AC7B840C47}"/>
+              </a:ext>
+            </a:extLst>
+          </p:cNvPr>
+          <p:cNvCxnSpPr>
+            <a:stCxn id="15" idx="2"/>
+            <a:endCxn id="17" idx="1"/>
+          </p:cNvCxnSpPr>
+          <p:nvPr/>
+        </p:nvCxnSpPr>
+        <p:spPr>
+          <a:xfrm rot="16200000" flipH="1">
+            <a:off x="3478517" y="1399566"/>
+            <a:ext cx="1819066" cy="5533993"/>
+          </a:xfrm>
+          <a:prstGeom prst="bentConnector2">
+            <a:avLst/>
+          </a:prstGeom>
+          <a:ln>
+            <a:tailEnd type="triangle"/>
+          </a:ln>
+        </p:spPr>
+        <p:style>
+          <a:lnRef idx="1">
+            <a:schemeClr val="accent1"/>
+          </a:lnRef>
+          <a:fillRef idx="0">
+            <a:schemeClr val="accent1"/>
+          </a:fillRef>
+          <a:effectRef idx="0">
+            <a:schemeClr val="accent1"/>
+          </a:effectRef>
+          <a:fontRef idx="minor">
+            <a:schemeClr val="tx1"/>
+          </a:fontRef>
+        </p:style>
+      </p:cxnSp>
+    </p:spTree>
+    <p:extLst>
+      <p:ext uri="{BB962C8B-B14F-4D97-AF65-F5344CB8AC3E}">
+        <p14:creationId xmlns:p14="http://schemas.microsoft.com/office/powerpoint/2010/main" val="3818296158"/>
+      </p:ext>
+    </p:extLst>
+  </p:cSld>
+  <p:clrMapOvr>
+    <a:masterClrMapping/>
+  </p:clrMapOvr>
+</p:sld>
+</file>
+
 <file path=ppt/slides/slide2.xml><?xml version="1.0" encoding="utf-8"?>
 <p:sld xmlns:a="http://schemas.openxmlformats.org/drawingml/2006/main" xmlns:r="http://schemas.openxmlformats.org/officeDocument/2006/relationships" xmlns:p="http://schemas.openxmlformats.org/presentationml/2006/main">
   <p:cSld>
@@ -5041,7 +6110,7 @@
         </p:nvSpPr>
         <p:spPr>
           <a:xfrm>
-            <a:off x="765102" y="2332193"/>
+            <a:off x="419806" y="2093976"/>
             <a:ext cx="4329034" cy="2629378"/>
           </a:xfrm>
           <a:prstGeom prst="roundRect">
@@ -5087,7 +6156,7 @@
         </p:nvSpPr>
         <p:spPr>
           <a:xfrm>
-            <a:off x="7627434" y="1851102"/>
+            <a:off x="8391223" y="1151671"/>
             <a:ext cx="3267307" cy="4204010"/>
           </a:xfrm>
           <a:prstGeom prst="roundRect">
@@ -5161,7 +6230,7 @@
         </p:nvSpPr>
         <p:spPr>
           <a:xfrm>
-            <a:off x="8202967" y="2574524"/>
+            <a:off x="8966756" y="1875093"/>
             <a:ext cx="2121763" cy="1367161"/>
           </a:xfrm>
           <a:prstGeom prst="rect">
@@ -5220,7 +6289,7 @@
         </p:nvSpPr>
         <p:spPr>
           <a:xfrm>
-            <a:off x="8202967" y="4246484"/>
+            <a:off x="8966756" y="3547053"/>
             <a:ext cx="2121763" cy="1367161"/>
           </a:xfrm>
           <a:prstGeom prst="rect">
@@ -5279,7 +6348,7 @@
         </p:nvSpPr>
         <p:spPr>
           <a:xfrm>
-            <a:off x="1574308" y="3191522"/>
+            <a:off x="1229012" y="2953305"/>
             <a:ext cx="2414726" cy="1500326"/>
           </a:xfrm>
           <a:prstGeom prst="rect">
@@ -5330,40 +6399,6 @@
       </p:sp>
       <p:sp>
         <p:nvSpPr>
-          <p:cNvPr id="8" name="Rectangle 7">
-            <a:extLst>
-              <a:ext uri="{FF2B5EF4-FFF2-40B4-BE49-F238E27FC236}">
-                <a16:creationId xmlns:a16="http://schemas.microsoft.com/office/drawing/2014/main" id="{15FF8BAE-1380-44BC-9E0D-BE13BA667F0B}"/>
-              </a:ext>
-            </a:extLst>
-          </p:cNvPr>
-          <p:cNvSpPr/>
-          <p:nvPr/>
-        </p:nvSpPr>
-        <p:spPr>
-          <a:xfrm>
-            <a:off x="844529" y="5171919"/>
-            <a:ext cx="5251471" cy="369332"/>
-          </a:xfrm>
-          <a:prstGeom prst="rect">
-            <a:avLst/>
-          </a:prstGeom>
-        </p:spPr>
-        <p:txBody>
-          <a:bodyPr wrap="square">
-            <a:spAutoFit/>
-          </a:bodyPr>
-          <a:lstStyle/>
-          <a:p>
-            <a:r>
-              <a:rPr lang="en-US" dirty="0"/>
-              <a:t>http://k8-frontend-app.local/weatherforecast</a:t>
-            </a:r>
-          </a:p>
-        </p:txBody>
-      </p:sp>
-      <p:sp>
-        <p:nvSpPr>
           <p:cNvPr id="5" name="TextBox 4">
             <a:extLst>
               <a:ext uri="{FF2B5EF4-FFF2-40B4-BE49-F238E27FC236}">
@@ -5376,7 +6411,7 @@
         </p:nvSpPr>
         <p:spPr>
           <a:xfrm>
-            <a:off x="7963712" y="2072861"/>
+            <a:off x="8727501" y="1373430"/>
             <a:ext cx="2594749" cy="369332"/>
           </a:xfrm>
           <a:prstGeom prst="rect">
@@ -5415,7 +6450,7 @@
         </p:nvSpPr>
         <p:spPr>
           <a:xfrm>
-            <a:off x="1574308" y="2669030"/>
+            <a:off x="1229012" y="2430813"/>
             <a:ext cx="2216441" cy="369332"/>
           </a:xfrm>
           <a:prstGeom prst="rect">
@@ -5437,6 +6472,365 @@
               </a:rPr>
               <a:t>K8.FrontEnd.csproj</a:t>
             </a:r>
+          </a:p>
+        </p:txBody>
+      </p:sp>
+      <p:grpSp>
+        <p:nvGrpSpPr>
+          <p:cNvPr id="19" name="Group 18">
+            <a:extLst>
+              <a:ext uri="{FF2B5EF4-FFF2-40B4-BE49-F238E27FC236}">
+                <a16:creationId xmlns:a16="http://schemas.microsoft.com/office/drawing/2014/main" id="{C5315A00-8433-46E9-BDDD-8387B76EB5BC}"/>
+              </a:ext>
+            </a:extLst>
+          </p:cNvPr>
+          <p:cNvGrpSpPr/>
+          <p:nvPr/>
+        </p:nvGrpSpPr>
+        <p:grpSpPr>
+          <a:xfrm>
+            <a:off x="397112" y="4914214"/>
+            <a:ext cx="6462975" cy="1669152"/>
+            <a:chOff x="151785" y="4489087"/>
+            <a:chExt cx="6462975" cy="1669152"/>
+          </a:xfrm>
+        </p:grpSpPr>
+        <p:sp>
+          <p:nvSpPr>
+            <p:cNvPr id="8" name="Rectangle 7">
+              <a:extLst>
+                <a:ext uri="{FF2B5EF4-FFF2-40B4-BE49-F238E27FC236}">
+                  <a16:creationId xmlns:a16="http://schemas.microsoft.com/office/drawing/2014/main" id="{15FF8BAE-1380-44BC-9E0D-BE13BA667F0B}"/>
+                </a:ext>
+              </a:extLst>
+            </p:cNvPr>
+            <p:cNvSpPr/>
+            <p:nvPr/>
+          </p:nvSpPr>
+          <p:spPr>
+            <a:xfrm>
+              <a:off x="151785" y="4516637"/>
+              <a:ext cx="4926957" cy="369332"/>
+            </a:xfrm>
+            <a:prstGeom prst="rect">
+              <a:avLst/>
+            </a:prstGeom>
+          </p:spPr>
+          <p:txBody>
+            <a:bodyPr wrap="square">
+              <a:spAutoFit/>
+            </a:bodyPr>
+            <a:lstStyle/>
+            <a:p>
+              <a:r>
+                <a:rPr lang="en-US" dirty="0"/>
+                <a:t>http://k8-frontend-app.local/weatherforecast</a:t>
+              </a:r>
+            </a:p>
+          </p:txBody>
+        </p:sp>
+        <p:sp>
+          <p:nvSpPr>
+            <p:cNvPr id="11" name="Rectangle 10">
+              <a:extLst>
+                <a:ext uri="{FF2B5EF4-FFF2-40B4-BE49-F238E27FC236}">
+                  <a16:creationId xmlns:a16="http://schemas.microsoft.com/office/drawing/2014/main" id="{1CBE3BFC-A967-42CF-A312-43730469835D}"/>
+                </a:ext>
+              </a:extLst>
+            </p:cNvPr>
+            <p:cNvSpPr/>
+            <p:nvPr/>
+          </p:nvSpPr>
+          <p:spPr>
+            <a:xfrm>
+              <a:off x="151786" y="5361626"/>
+              <a:ext cx="4329034" cy="369332"/>
+            </a:xfrm>
+            <a:prstGeom prst="rect">
+              <a:avLst/>
+            </a:prstGeom>
+          </p:spPr>
+          <p:txBody>
+            <a:bodyPr wrap="square">
+              <a:spAutoFit/>
+            </a:bodyPr>
+            <a:lstStyle/>
+            <a:p>
+              <a:r>
+                <a:rPr lang="en-US" dirty="0"/>
+                <a:t>http://k8-frontend-app.local/liveness</a:t>
+              </a:r>
+            </a:p>
+          </p:txBody>
+        </p:sp>
+        <p:sp>
+          <p:nvSpPr>
+            <p:cNvPr id="12" name="Rectangle 11">
+              <a:extLst>
+                <a:ext uri="{FF2B5EF4-FFF2-40B4-BE49-F238E27FC236}">
+                  <a16:creationId xmlns:a16="http://schemas.microsoft.com/office/drawing/2014/main" id="{748AA73C-C93B-4F44-A64A-EE0FDAE07E9C}"/>
+                </a:ext>
+              </a:extLst>
+            </p:cNvPr>
+            <p:cNvSpPr/>
+            <p:nvPr/>
+          </p:nvSpPr>
+          <p:spPr>
+            <a:xfrm>
+              <a:off x="151786" y="5788907"/>
+              <a:ext cx="4329034" cy="369332"/>
+            </a:xfrm>
+            <a:prstGeom prst="rect">
+              <a:avLst/>
+            </a:prstGeom>
+          </p:spPr>
+          <p:txBody>
+            <a:bodyPr wrap="square">
+              <a:spAutoFit/>
+            </a:bodyPr>
+            <a:lstStyle/>
+            <a:p>
+              <a:r>
+                <a:rPr lang="en-US" dirty="0"/>
+                <a:t>http://k8-frontend-app.local/healthy</a:t>
+              </a:r>
+            </a:p>
+          </p:txBody>
+        </p:sp>
+        <p:sp>
+          <p:nvSpPr>
+            <p:cNvPr id="13" name="Rectangle 12">
+              <a:extLst>
+                <a:ext uri="{FF2B5EF4-FFF2-40B4-BE49-F238E27FC236}">
+                  <a16:creationId xmlns:a16="http://schemas.microsoft.com/office/drawing/2014/main" id="{7C30A86F-E2FE-45C7-8E64-D850F7F0A4F6}"/>
+                </a:ext>
+              </a:extLst>
+            </p:cNvPr>
+            <p:cNvSpPr/>
+            <p:nvPr/>
+          </p:nvSpPr>
+          <p:spPr>
+            <a:xfrm>
+              <a:off x="4785714" y="5376490"/>
+              <a:ext cx="1679883" cy="369332"/>
+            </a:xfrm>
+            <a:prstGeom prst="rect">
+              <a:avLst/>
+            </a:prstGeom>
+          </p:spPr>
+          <p:txBody>
+            <a:bodyPr wrap="none">
+              <a:spAutoFit/>
+            </a:bodyPr>
+            <a:lstStyle/>
+            <a:p>
+              <a:r>
+                <a:rPr lang="en-US" dirty="0" err="1">
+                  <a:solidFill>
+                    <a:srgbClr val="FF0000"/>
+                  </a:solidFill>
+                </a:rPr>
+                <a:t>livenessProbe</a:t>
+              </a:r>
+              <a:endParaRPr lang="en-US" dirty="0">
+                <a:solidFill>
+                  <a:srgbClr val="FF0000"/>
+                </a:solidFill>
+              </a:endParaRPr>
+            </a:p>
+          </p:txBody>
+        </p:sp>
+        <p:sp>
+          <p:nvSpPr>
+            <p:cNvPr id="14" name="Rectangle 13">
+              <a:extLst>
+                <a:ext uri="{FF2B5EF4-FFF2-40B4-BE49-F238E27FC236}">
+                  <a16:creationId xmlns:a16="http://schemas.microsoft.com/office/drawing/2014/main" id="{0D48A780-25A5-4D1C-A386-6AE8054EC18F}"/>
+                </a:ext>
+              </a:extLst>
+            </p:cNvPr>
+            <p:cNvSpPr/>
+            <p:nvPr/>
+          </p:nvSpPr>
+          <p:spPr>
+            <a:xfrm>
+              <a:off x="4766049" y="5788907"/>
+              <a:ext cx="1848711" cy="369332"/>
+            </a:xfrm>
+            <a:prstGeom prst="rect">
+              <a:avLst/>
+            </a:prstGeom>
+          </p:spPr>
+          <p:txBody>
+            <a:bodyPr wrap="none">
+              <a:spAutoFit/>
+            </a:bodyPr>
+            <a:lstStyle/>
+            <a:p>
+              <a:r>
+                <a:rPr lang="en-US" dirty="0" err="1">
+                  <a:solidFill>
+                    <a:schemeClr val="accent1"/>
+                  </a:solidFill>
+                </a:rPr>
+                <a:t>readinessProbe</a:t>
+              </a:r>
+              <a:endParaRPr lang="en-US" dirty="0">
+                <a:solidFill>
+                  <a:schemeClr val="accent1"/>
+                </a:solidFill>
+              </a:endParaRPr>
+            </a:p>
+          </p:txBody>
+        </p:sp>
+        <p:sp>
+          <p:nvSpPr>
+            <p:cNvPr id="15" name="Rectangle 14">
+              <a:extLst>
+                <a:ext uri="{FF2B5EF4-FFF2-40B4-BE49-F238E27FC236}">
+                  <a16:creationId xmlns:a16="http://schemas.microsoft.com/office/drawing/2014/main" id="{FD9A91C2-62B6-4AB4-A3D4-D24920C6A388}"/>
+                </a:ext>
+              </a:extLst>
+            </p:cNvPr>
+            <p:cNvSpPr/>
+            <p:nvPr/>
+          </p:nvSpPr>
+          <p:spPr>
+            <a:xfrm>
+              <a:off x="151785" y="4901388"/>
+              <a:ext cx="4420215" cy="369332"/>
+            </a:xfrm>
+            <a:prstGeom prst="rect">
+              <a:avLst/>
+            </a:prstGeom>
+          </p:spPr>
+          <p:txBody>
+            <a:bodyPr wrap="square">
+              <a:spAutoFit/>
+            </a:bodyPr>
+            <a:lstStyle/>
+            <a:p>
+              <a:r>
+                <a:rPr lang="en-US" dirty="0"/>
+                <a:t>http://k8-frontend-app.local/swagger</a:t>
+              </a:r>
+            </a:p>
+          </p:txBody>
+        </p:sp>
+        <p:sp>
+          <p:nvSpPr>
+            <p:cNvPr id="16" name="Rectangle 15">
+              <a:extLst>
+                <a:ext uri="{FF2B5EF4-FFF2-40B4-BE49-F238E27FC236}">
+                  <a16:creationId xmlns:a16="http://schemas.microsoft.com/office/drawing/2014/main" id="{1DF8CE09-A2C2-40DC-BEE2-873C1F2C6BAD}"/>
+                </a:ext>
+              </a:extLst>
+            </p:cNvPr>
+            <p:cNvSpPr/>
+            <p:nvPr/>
+          </p:nvSpPr>
+          <p:spPr>
+            <a:xfrm>
+              <a:off x="5312249" y="4489087"/>
+              <a:ext cx="626815" cy="369332"/>
+            </a:xfrm>
+            <a:prstGeom prst="rect">
+              <a:avLst/>
+            </a:prstGeom>
+          </p:spPr>
+          <p:txBody>
+            <a:bodyPr wrap="square">
+              <a:spAutoFit/>
+            </a:bodyPr>
+            <a:lstStyle/>
+            <a:p>
+              <a:r>
+                <a:rPr lang="en-US" dirty="0" err="1"/>
+                <a:t>api</a:t>
+              </a:r>
+              <a:endParaRPr lang="en-US" dirty="0"/>
+            </a:p>
+          </p:txBody>
+        </p:sp>
+        <p:sp>
+          <p:nvSpPr>
+            <p:cNvPr id="17" name="Rectangle 16">
+              <a:extLst>
+                <a:ext uri="{FF2B5EF4-FFF2-40B4-BE49-F238E27FC236}">
+                  <a16:creationId xmlns:a16="http://schemas.microsoft.com/office/drawing/2014/main" id="{22C61532-269D-416D-BDCD-857A9CFCFB25}"/>
+                </a:ext>
+              </a:extLst>
+            </p:cNvPr>
+            <p:cNvSpPr/>
+            <p:nvPr/>
+          </p:nvSpPr>
+          <p:spPr>
+            <a:xfrm>
+              <a:off x="5256948" y="4901388"/>
+              <a:ext cx="866914" cy="369332"/>
+            </a:xfrm>
+            <a:prstGeom prst="rect">
+              <a:avLst/>
+            </a:prstGeom>
+          </p:spPr>
+          <p:txBody>
+            <a:bodyPr wrap="square">
+              <a:spAutoFit/>
+            </a:bodyPr>
+            <a:lstStyle/>
+            <a:p>
+              <a:r>
+                <a:rPr lang="en-US" dirty="0"/>
+                <a:t>docs</a:t>
+              </a:r>
+            </a:p>
+          </p:txBody>
+        </p:sp>
+      </p:grpSp>
+      <p:sp>
+        <p:nvSpPr>
+          <p:cNvPr id="18" name="Rectangle 17">
+            <a:extLst>
+              <a:ext uri="{FF2B5EF4-FFF2-40B4-BE49-F238E27FC236}">
+                <a16:creationId xmlns:a16="http://schemas.microsoft.com/office/drawing/2014/main" id="{C8A47BC6-D6EA-4E30-A3BF-CB9ED933A841}"/>
+              </a:ext>
+            </a:extLst>
+          </p:cNvPr>
+          <p:cNvSpPr/>
+          <p:nvPr/>
+        </p:nvSpPr>
+        <p:spPr>
+          <a:xfrm>
+            <a:off x="8181091" y="5660480"/>
+            <a:ext cx="3802836" cy="369332"/>
+          </a:xfrm>
+          <a:prstGeom prst="rect">
+            <a:avLst/>
+          </a:prstGeom>
+        </p:spPr>
+        <p:txBody>
+          <a:bodyPr wrap="none">
+            <a:spAutoFit/>
+          </a:bodyPr>
+          <a:lstStyle/>
+          <a:p>
+            <a:r>
+              <a:rPr lang="fr-FR" dirty="0" err="1"/>
+              <a:t>dotnet</a:t>
+            </a:r>
+            <a:r>
+              <a:rPr lang="fr-FR" dirty="0"/>
+              <a:t> run  -- -t </a:t>
+            </a:r>
+            <a:r>
+              <a:rPr lang="fr-FR" dirty="0" err="1"/>
+              <a:t>Convert</a:t>
+            </a:r>
+            <a:r>
+              <a:rPr lang="fr-FR" dirty="0"/>
+              <a:t> -d 10 -c 5</a:t>
+            </a:r>
+            <a:endParaRPr lang="en-US" dirty="0"/>
           </a:p>
         </p:txBody>
       </p:sp>
@@ -5475,7 +6869,7 @@
           <p:cNvPr id="2" name="Title 1">
             <a:extLst>
               <a:ext uri="{FF2B5EF4-FFF2-40B4-BE49-F238E27FC236}">
-                <a16:creationId xmlns:a16="http://schemas.microsoft.com/office/drawing/2014/main" id="{122FB90B-8716-4A7F-A48E-1D46239E8DED}"/>
+                <a16:creationId xmlns:a16="http://schemas.microsoft.com/office/drawing/2014/main" id="{5DA3F1B5-A29D-40D1-A631-66F7C5753C57}"/>
               </a:ext>
             </a:extLst>
           </p:cNvPr>
@@ -5493,17 +6887,219 @@
           <a:p>
             <a:r>
               <a:rPr lang="en-US" dirty="0"/>
-              <a:t>Docker Images</a:t>
-            </a:r>
-          </a:p>
-        </p:txBody>
-      </p:sp>
-      <p:sp>
-        <p:nvSpPr>
-          <p:cNvPr id="4" name="Rectangle 3">
-            <a:extLst>
-              <a:ext uri="{FF2B5EF4-FFF2-40B4-BE49-F238E27FC236}">
-                <a16:creationId xmlns:a16="http://schemas.microsoft.com/office/drawing/2014/main" id="{660BA86D-1B4E-4851-BE54-448F2BABD93D}"/>
+              <a:t>Problem statement #1</a:t>
+            </a:r>
+          </a:p>
+        </p:txBody>
+      </p:sp>
+      <p:grpSp>
+        <p:nvGrpSpPr>
+          <p:cNvPr id="8" name="Group 7">
+            <a:extLst>
+              <a:ext uri="{FF2B5EF4-FFF2-40B4-BE49-F238E27FC236}">
+                <a16:creationId xmlns:a16="http://schemas.microsoft.com/office/drawing/2014/main" id="{DB6D4765-0AD2-4F2E-8FCA-F655762C0230}"/>
+              </a:ext>
+            </a:extLst>
+          </p:cNvPr>
+          <p:cNvGrpSpPr/>
+          <p:nvPr/>
+        </p:nvGrpSpPr>
+        <p:grpSpPr>
+          <a:xfrm>
+            <a:off x="1063752" y="3602290"/>
+            <a:ext cx="3423424" cy="2771078"/>
+            <a:chOff x="8090209" y="2367517"/>
+            <a:chExt cx="3423424" cy="2771078"/>
+          </a:xfrm>
+        </p:grpSpPr>
+        <p:sp>
+          <p:nvSpPr>
+            <p:cNvPr id="5" name="Flowchart: Predefined Process 4">
+              <a:extLst>
+                <a:ext uri="{FF2B5EF4-FFF2-40B4-BE49-F238E27FC236}">
+                  <a16:creationId xmlns:a16="http://schemas.microsoft.com/office/drawing/2014/main" id="{D3A905AF-2351-4B76-A253-0BB04E441E32}"/>
+                </a:ext>
+              </a:extLst>
+            </p:cNvPr>
+            <p:cNvSpPr/>
+            <p:nvPr/>
+          </p:nvSpPr>
+          <p:spPr>
+            <a:xfrm>
+              <a:off x="8090209" y="2367517"/>
+              <a:ext cx="3423424" cy="2771078"/>
+            </a:xfrm>
+            <a:prstGeom prst="flowChartPredefinedProcess">
+              <a:avLst/>
+            </a:prstGeom>
+            <a:solidFill>
+              <a:schemeClr val="accent6">
+                <a:lumMod val="60000"/>
+                <a:lumOff val="40000"/>
+              </a:schemeClr>
+            </a:solidFill>
+          </p:spPr>
+          <p:style>
+            <a:lnRef idx="2">
+              <a:schemeClr val="accent1">
+                <a:shade val="50000"/>
+              </a:schemeClr>
+            </a:lnRef>
+            <a:fillRef idx="1">
+              <a:schemeClr val="accent1"/>
+            </a:fillRef>
+            <a:effectRef idx="0">
+              <a:schemeClr val="accent1"/>
+            </a:effectRef>
+            <a:fontRef idx="minor">
+              <a:schemeClr val="lt1"/>
+            </a:fontRef>
+          </p:style>
+          <p:txBody>
+            <a:bodyPr rtlCol="0" anchor="ctr"/>
+            <a:lstStyle/>
+            <a:p>
+              <a:pPr algn="ctr"/>
+              <a:endParaRPr lang="en-US" dirty="0"/>
+            </a:p>
+          </p:txBody>
+        </p:sp>
+        <p:sp>
+          <p:nvSpPr>
+            <p:cNvPr id="4" name="Rectangle 3">
+              <a:extLst>
+                <a:ext uri="{FF2B5EF4-FFF2-40B4-BE49-F238E27FC236}">
+                  <a16:creationId xmlns:a16="http://schemas.microsoft.com/office/drawing/2014/main" id="{1229E41E-99FD-4202-8CDB-F4BEE728D7AA}"/>
+                </a:ext>
+              </a:extLst>
+            </p:cNvPr>
+            <p:cNvSpPr/>
+            <p:nvPr/>
+          </p:nvSpPr>
+          <p:spPr>
+            <a:xfrm>
+              <a:off x="8614316" y="2486722"/>
+              <a:ext cx="2375210" cy="1884556"/>
+            </a:xfrm>
+            <a:prstGeom prst="rect">
+              <a:avLst/>
+            </a:prstGeom>
+          </p:spPr>
+          <p:style>
+            <a:lnRef idx="2">
+              <a:schemeClr val="accent1">
+                <a:shade val="50000"/>
+              </a:schemeClr>
+            </a:lnRef>
+            <a:fillRef idx="1">
+              <a:schemeClr val="accent1"/>
+            </a:fillRef>
+            <a:effectRef idx="0">
+              <a:schemeClr val="accent1"/>
+            </a:effectRef>
+            <a:fontRef idx="minor">
+              <a:schemeClr val="lt1"/>
+            </a:fontRef>
+          </p:style>
+          <p:txBody>
+            <a:bodyPr rtlCol="0" anchor="ctr"/>
+            <a:lstStyle/>
+            <a:p>
+              <a:pPr algn="ctr"/>
+              <a:r>
+                <a:rPr lang="en-US" dirty="0"/>
+                <a:t>Application</a:t>
+              </a:r>
+            </a:p>
+          </p:txBody>
+        </p:sp>
+        <p:sp>
+          <p:nvSpPr>
+            <p:cNvPr id="6" name="TextBox 5">
+              <a:extLst>
+                <a:ext uri="{FF2B5EF4-FFF2-40B4-BE49-F238E27FC236}">
+                  <a16:creationId xmlns:a16="http://schemas.microsoft.com/office/drawing/2014/main" id="{9E61C93F-C42D-4B5B-81DA-4CB96D714807}"/>
+                </a:ext>
+              </a:extLst>
+            </p:cNvPr>
+            <p:cNvSpPr txBox="1"/>
+            <p:nvPr/>
+          </p:nvSpPr>
+          <p:spPr>
+            <a:xfrm>
+              <a:off x="9556501" y="4561573"/>
+              <a:ext cx="490840" cy="369332"/>
+            </a:xfrm>
+            <a:prstGeom prst="rect">
+              <a:avLst/>
+            </a:prstGeom>
+            <a:noFill/>
+          </p:spPr>
+          <p:txBody>
+            <a:bodyPr wrap="none" rtlCol="0">
+              <a:spAutoFit/>
+            </a:bodyPr>
+            <a:lstStyle/>
+            <a:p>
+              <a:r>
+                <a:rPr lang="en-US" dirty="0"/>
+                <a:t>OS</a:t>
+              </a:r>
+            </a:p>
+          </p:txBody>
+        </p:sp>
+      </p:grpSp>
+      <p:sp>
+        <p:nvSpPr>
+          <p:cNvPr id="9" name="Content Placeholder 2">
+            <a:extLst>
+              <a:ext uri="{FF2B5EF4-FFF2-40B4-BE49-F238E27FC236}">
+                <a16:creationId xmlns:a16="http://schemas.microsoft.com/office/drawing/2014/main" id="{79761D12-30E5-4EDE-89CC-94E03AF6479F}"/>
+              </a:ext>
+            </a:extLst>
+          </p:cNvPr>
+          <p:cNvSpPr>
+            <a:spLocks noGrp="1"/>
+          </p:cNvSpPr>
+          <p:nvPr>
+            <p:ph idx="1"/>
+          </p:nvPr>
+        </p:nvSpPr>
+        <p:spPr>
+          <a:xfrm>
+            <a:off x="1069848" y="2121408"/>
+            <a:ext cx="10058400" cy="4050792"/>
+          </a:xfrm>
+        </p:spPr>
+        <p:txBody>
+          <a:bodyPr/>
+          <a:lstStyle/>
+          <a:p>
+            <a:r>
+              <a:rPr lang="en-US" dirty="0"/>
+              <a:t>It works on my machine!</a:t>
+            </a:r>
+          </a:p>
+          <a:p>
+            <a:r>
+              <a:rPr lang="en-US" dirty="0"/>
+              <a:t>Install OS dependencies breaks other apps.</a:t>
+            </a:r>
+          </a:p>
+          <a:p>
+            <a:r>
+              <a:rPr lang="en-US" dirty="0"/>
+              <a:t>Unable to upgrade the Application</a:t>
+            </a:r>
+          </a:p>
+        </p:txBody>
+      </p:sp>
+      <p:sp>
+        <p:nvSpPr>
+          <p:cNvPr id="10" name="Rectangle 9">
+            <a:extLst>
+              <a:ext uri="{FF2B5EF4-FFF2-40B4-BE49-F238E27FC236}">
+                <a16:creationId xmlns:a16="http://schemas.microsoft.com/office/drawing/2014/main" id="{0AA68F1F-AED7-46FD-8E75-FB854B974C7E}"/>
               </a:ext>
             </a:extLst>
           </p:cNvPr>
@@ -5512,8 +7108,8 @@
         </p:nvSpPr>
         <p:spPr>
           <a:xfrm>
-            <a:off x="745723" y="2475716"/>
-            <a:ext cx="2823099" cy="1731147"/>
+            <a:off x="7326351" y="5657627"/>
+            <a:ext cx="3618422" cy="646770"/>
           </a:xfrm>
           <a:prstGeom prst="rect">
             <a:avLst/>
@@ -5541,19 +7137,18 @@
           <a:p>
             <a:pPr algn="ctr"/>
             <a:r>
-              <a:rPr lang="en-US" dirty="0" err="1"/>
-              <a:t>Dockerfile.base</a:t>
-            </a:r>
-            <a:endParaRPr lang="en-US" dirty="0"/>
-          </a:p>
-        </p:txBody>
-      </p:sp>
-      <p:sp>
-        <p:nvSpPr>
-          <p:cNvPr id="5" name="Rectangle 4">
-            <a:extLst>
-              <a:ext uri="{FF2B5EF4-FFF2-40B4-BE49-F238E27FC236}">
-                <a16:creationId xmlns:a16="http://schemas.microsoft.com/office/drawing/2014/main" id="{2DCF867F-9617-456A-B10C-FA5A81590C1A}"/>
+              <a:rPr lang="en-US" dirty="0"/>
+              <a:t>Hardware</a:t>
+            </a:r>
+          </a:p>
+        </p:txBody>
+      </p:sp>
+      <p:sp>
+        <p:nvSpPr>
+          <p:cNvPr id="11" name="Rectangle 10">
+            <a:extLst>
+              <a:ext uri="{FF2B5EF4-FFF2-40B4-BE49-F238E27FC236}">
+                <a16:creationId xmlns:a16="http://schemas.microsoft.com/office/drawing/2014/main" id="{2D38FF45-D6E9-4964-AD1D-29E86E357B96}"/>
               </a:ext>
             </a:extLst>
           </p:cNvPr>
@@ -5562,8 +7157,8 @@
         </p:nvSpPr>
         <p:spPr>
           <a:xfrm>
-            <a:off x="7022237" y="1314194"/>
-            <a:ext cx="3426780" cy="1731147"/>
+            <a:off x="7326351" y="4815488"/>
+            <a:ext cx="3618422" cy="646770"/>
           </a:xfrm>
           <a:prstGeom prst="rect">
             <a:avLst/>
@@ -5591,27 +7186,18 @@
           <a:p>
             <a:pPr algn="ctr"/>
             <a:r>
-              <a:rPr lang="en-US" dirty="0" err="1"/>
-              <a:t>src</a:t>
-            </a:r>
-            <a:r>
               <a:rPr lang="en-US" dirty="0"/>
-              <a:t>/K8.FrontEnd/</a:t>
-            </a:r>
-            <a:r>
-              <a:rPr lang="en-US" dirty="0" err="1"/>
-              <a:t>Dockerfile</a:t>
-            </a:r>
-            <a:endParaRPr lang="en-US" dirty="0"/>
-          </a:p>
-        </p:txBody>
-      </p:sp>
-      <p:sp>
-        <p:nvSpPr>
-          <p:cNvPr id="7" name="Rectangle 6">
-            <a:extLst>
-              <a:ext uri="{FF2B5EF4-FFF2-40B4-BE49-F238E27FC236}">
-                <a16:creationId xmlns:a16="http://schemas.microsoft.com/office/drawing/2014/main" id="{7890AD21-F40C-45FD-A1A1-EE2377E2BC2E}"/>
+              <a:t>Host OS /Linux</a:t>
+            </a:r>
+          </a:p>
+        </p:txBody>
+      </p:sp>
+      <p:sp>
+        <p:nvSpPr>
+          <p:cNvPr id="12" name="Rectangle 11">
+            <a:extLst>
+              <a:ext uri="{FF2B5EF4-FFF2-40B4-BE49-F238E27FC236}">
+                <a16:creationId xmlns:a16="http://schemas.microsoft.com/office/drawing/2014/main" id="{183552B8-4896-415F-A603-1EA10C66EF3D}"/>
               </a:ext>
             </a:extLst>
           </p:cNvPr>
@@ -5620,8 +7206,8 @@
         </p:nvSpPr>
         <p:spPr>
           <a:xfrm>
-            <a:off x="7022237" y="3898451"/>
-            <a:ext cx="3519906" cy="1731147"/>
+            <a:off x="7326351" y="4010619"/>
+            <a:ext cx="3618422" cy="646770"/>
           </a:xfrm>
           <a:prstGeom prst="rect">
             <a:avLst/>
@@ -5649,6 +7235,2786 @@
           <a:p>
             <a:pPr algn="ctr"/>
             <a:r>
+              <a:rPr lang="en-US" dirty="0"/>
+              <a:t>Container Engine/ Docker</a:t>
+            </a:r>
+          </a:p>
+        </p:txBody>
+      </p:sp>
+      <p:sp>
+        <p:nvSpPr>
+          <p:cNvPr id="13" name="Rectangle 12">
+            <a:extLst>
+              <a:ext uri="{FF2B5EF4-FFF2-40B4-BE49-F238E27FC236}">
+                <a16:creationId xmlns:a16="http://schemas.microsoft.com/office/drawing/2014/main" id="{36BB3EDB-0299-4E0B-9BEA-344AEC1B5DAF}"/>
+              </a:ext>
+            </a:extLst>
+          </p:cNvPr>
+          <p:cNvSpPr/>
+          <p:nvPr/>
+        </p:nvSpPr>
+        <p:spPr>
+          <a:xfrm>
+            <a:off x="7326351" y="3147706"/>
+            <a:ext cx="1717288" cy="646770"/>
+          </a:xfrm>
+          <a:prstGeom prst="rect">
+            <a:avLst/>
+          </a:prstGeom>
+        </p:spPr>
+        <p:style>
+          <a:lnRef idx="2">
+            <a:schemeClr val="accent1">
+              <a:shade val="50000"/>
+            </a:schemeClr>
+          </a:lnRef>
+          <a:fillRef idx="1">
+            <a:schemeClr val="accent1"/>
+          </a:fillRef>
+          <a:effectRef idx="0">
+            <a:schemeClr val="accent1"/>
+          </a:effectRef>
+          <a:fontRef idx="minor">
+            <a:schemeClr val="lt1"/>
+          </a:fontRef>
+        </p:style>
+        <p:txBody>
+          <a:bodyPr rtlCol="0" anchor="ctr"/>
+          <a:lstStyle/>
+          <a:p>
+            <a:pPr algn="ctr"/>
+            <a:r>
+              <a:rPr lang="en-US" dirty="0"/>
+              <a:t>App1</a:t>
+            </a:r>
+          </a:p>
+        </p:txBody>
+      </p:sp>
+      <p:sp>
+        <p:nvSpPr>
+          <p:cNvPr id="14" name="Rectangle 13">
+            <a:extLst>
+              <a:ext uri="{FF2B5EF4-FFF2-40B4-BE49-F238E27FC236}">
+                <a16:creationId xmlns:a16="http://schemas.microsoft.com/office/drawing/2014/main" id="{AA9D4972-E83C-459F-9E72-CE7753700D42}"/>
+              </a:ext>
+            </a:extLst>
+          </p:cNvPr>
+          <p:cNvSpPr/>
+          <p:nvPr/>
+        </p:nvSpPr>
+        <p:spPr>
+          <a:xfrm>
+            <a:off x="9227485" y="3128572"/>
+            <a:ext cx="1717288" cy="646770"/>
+          </a:xfrm>
+          <a:prstGeom prst="rect">
+            <a:avLst/>
+          </a:prstGeom>
+        </p:spPr>
+        <p:style>
+          <a:lnRef idx="2">
+            <a:schemeClr val="accent1">
+              <a:shade val="50000"/>
+            </a:schemeClr>
+          </a:lnRef>
+          <a:fillRef idx="1">
+            <a:schemeClr val="accent1"/>
+          </a:fillRef>
+          <a:effectRef idx="0">
+            <a:schemeClr val="accent1"/>
+          </a:effectRef>
+          <a:fontRef idx="minor">
+            <a:schemeClr val="lt1"/>
+          </a:fontRef>
+        </p:style>
+        <p:txBody>
+          <a:bodyPr rtlCol="0" anchor="ctr"/>
+          <a:lstStyle/>
+          <a:p>
+            <a:pPr algn="ctr"/>
+            <a:r>
+              <a:rPr lang="en-US" dirty="0"/>
+              <a:t>App2</a:t>
+            </a:r>
+          </a:p>
+        </p:txBody>
+      </p:sp>
+      <p:sp>
+        <p:nvSpPr>
+          <p:cNvPr id="15" name="TextBox 14">
+            <a:extLst>
+              <a:ext uri="{FF2B5EF4-FFF2-40B4-BE49-F238E27FC236}">
+                <a16:creationId xmlns:a16="http://schemas.microsoft.com/office/drawing/2014/main" id="{2B77E17B-6143-4277-A4E2-07C785021246}"/>
+              </a:ext>
+            </a:extLst>
+          </p:cNvPr>
+          <p:cNvSpPr txBox="1"/>
+          <p:nvPr/>
+        </p:nvSpPr>
+        <p:spPr>
+          <a:xfrm>
+            <a:off x="8459736" y="2430757"/>
+            <a:ext cx="1351652" cy="369332"/>
+          </a:xfrm>
+          <a:prstGeom prst="rect">
+            <a:avLst/>
+          </a:prstGeom>
+          <a:noFill/>
+        </p:spPr>
+        <p:txBody>
+          <a:bodyPr wrap="none" rtlCol="0">
+            <a:spAutoFit/>
+          </a:bodyPr>
+          <a:lstStyle/>
+          <a:p>
+            <a:r>
+              <a:rPr lang="en-US" dirty="0"/>
+              <a:t>Containers</a:t>
+            </a:r>
+          </a:p>
+        </p:txBody>
+      </p:sp>
+    </p:spTree>
+    <p:extLst>
+      <p:ext uri="{BB962C8B-B14F-4D97-AF65-F5344CB8AC3E}">
+        <p14:creationId xmlns:p14="http://schemas.microsoft.com/office/powerpoint/2010/main" val="1501516053"/>
+      </p:ext>
+    </p:extLst>
+  </p:cSld>
+  <p:clrMapOvr>
+    <a:masterClrMapping/>
+  </p:clrMapOvr>
+</p:sld>
+</file>
+
+<file path=ppt/slides/slide4.xml><?xml version="1.0" encoding="utf-8"?>
+<p:sld xmlns:a="http://schemas.openxmlformats.org/drawingml/2006/main" xmlns:r="http://schemas.openxmlformats.org/officeDocument/2006/relationships" xmlns:p="http://schemas.openxmlformats.org/presentationml/2006/main">
+  <p:cSld>
+    <p:spTree>
+      <p:nvGrpSpPr>
+        <p:cNvPr id="1" name=""/>
+        <p:cNvGrpSpPr/>
+        <p:nvPr/>
+      </p:nvGrpSpPr>
+      <p:grpSpPr>
+        <a:xfrm>
+          <a:off x="0" y="0"/>
+          <a:ext cx="0" cy="0"/>
+          <a:chOff x="0" y="0"/>
+          <a:chExt cx="0" cy="0"/>
+        </a:xfrm>
+      </p:grpSpPr>
+      <p:pic>
+        <p:nvPicPr>
+          <p:cNvPr id="1026" name="Picture 2" descr="Image result for docker icon">
+            <a:extLst>
+              <a:ext uri="{FF2B5EF4-FFF2-40B4-BE49-F238E27FC236}">
+                <a16:creationId xmlns:a16="http://schemas.microsoft.com/office/drawing/2014/main" id="{59DEBC37-E83E-4898-9BE6-C532B74510FD}"/>
+              </a:ext>
+            </a:extLst>
+          </p:cNvPr>
+          <p:cNvPicPr>
+            <a:picLocks noChangeAspect="1" noChangeArrowheads="1"/>
+          </p:cNvPicPr>
+          <p:nvPr/>
+        </p:nvPicPr>
+        <p:blipFill>
+          <a:blip r:embed="rId3">
+            <a:extLst>
+              <a:ext uri="{28A0092B-C50C-407E-A947-70E740481C1C}">
+                <a14:useLocalDpi xmlns:a14="http://schemas.microsoft.com/office/drawing/2010/main" val="0"/>
+              </a:ext>
+            </a:extLst>
+          </a:blip>
+          <a:srcRect/>
+          <a:stretch>
+            <a:fillRect/>
+          </a:stretch>
+        </p:blipFill>
+        <p:spPr bwMode="auto">
+          <a:xfrm>
+            <a:off x="905142" y="238714"/>
+            <a:ext cx="2143125" cy="2133600"/>
+          </a:xfrm>
+          <a:prstGeom prst="rect">
+            <a:avLst/>
+          </a:prstGeom>
+          <a:noFill/>
+          <a:extLst>
+            <a:ext uri="{909E8E84-426E-40DD-AFC4-6F175D3DCCD1}">
+              <a14:hiddenFill xmlns:a14="http://schemas.microsoft.com/office/drawing/2010/main">
+                <a:solidFill>
+                  <a:srgbClr val="FFFFFF"/>
+                </a:solidFill>
+              </a14:hiddenFill>
+            </a:ext>
+          </a:extLst>
+        </p:spPr>
+      </p:pic>
+      <p:pic>
+        <p:nvPicPr>
+          <p:cNvPr id="1028" name="Picture 4" descr="Image result for docker icon">
+            <a:extLst>
+              <a:ext uri="{FF2B5EF4-FFF2-40B4-BE49-F238E27FC236}">
+                <a16:creationId xmlns:a16="http://schemas.microsoft.com/office/drawing/2014/main" id="{399A4587-3CE4-46EA-AAF8-B06FEBD70523}"/>
+              </a:ext>
+            </a:extLst>
+          </p:cNvPr>
+          <p:cNvPicPr>
+            <a:picLocks noChangeAspect="1" noChangeArrowheads="1"/>
+          </p:cNvPicPr>
+          <p:nvPr/>
+        </p:nvPicPr>
+        <p:blipFill>
+          <a:blip r:embed="rId4">
+            <a:extLst>
+              <a:ext uri="{28A0092B-C50C-407E-A947-70E740481C1C}">
+                <a14:useLocalDpi xmlns:a14="http://schemas.microsoft.com/office/drawing/2010/main" val="0"/>
+              </a:ext>
+            </a:extLst>
+          </a:blip>
+          <a:srcRect/>
+          <a:stretch>
+            <a:fillRect/>
+          </a:stretch>
+        </p:blipFill>
+        <p:spPr bwMode="auto">
+          <a:xfrm>
+            <a:off x="5232117" y="299536"/>
+            <a:ext cx="2143125" cy="2011956"/>
+          </a:xfrm>
+          <a:prstGeom prst="rect">
+            <a:avLst/>
+          </a:prstGeom>
+          <a:noFill/>
+          <a:extLst>
+            <a:ext uri="{909E8E84-426E-40DD-AFC4-6F175D3DCCD1}">
+              <a14:hiddenFill xmlns:a14="http://schemas.microsoft.com/office/drawing/2010/main">
+                <a:solidFill>
+                  <a:srgbClr val="FFFFFF"/>
+                </a:solidFill>
+              </a14:hiddenFill>
+            </a:ext>
+          </a:extLst>
+        </p:spPr>
+      </p:pic>
+      <p:pic>
+        <p:nvPicPr>
+          <p:cNvPr id="1030" name="Picture 6" descr="Image result for docker icon">
+            <a:extLst>
+              <a:ext uri="{FF2B5EF4-FFF2-40B4-BE49-F238E27FC236}">
+                <a16:creationId xmlns:a16="http://schemas.microsoft.com/office/drawing/2014/main" id="{F0F6F9E3-C0B1-4135-816D-292B6E835ACE}"/>
+              </a:ext>
+            </a:extLst>
+          </p:cNvPr>
+          <p:cNvPicPr>
+            <a:picLocks noChangeAspect="1" noChangeArrowheads="1"/>
+          </p:cNvPicPr>
+          <p:nvPr/>
+        </p:nvPicPr>
+        <p:blipFill>
+          <a:blip r:embed="rId5">
+            <a:extLst>
+              <a:ext uri="{28A0092B-C50C-407E-A947-70E740481C1C}">
+                <a14:useLocalDpi xmlns:a14="http://schemas.microsoft.com/office/drawing/2010/main" val="0"/>
+              </a:ext>
+            </a:extLst>
+          </a:blip>
+          <a:srcRect/>
+          <a:stretch>
+            <a:fillRect/>
+          </a:stretch>
+        </p:blipFill>
+        <p:spPr bwMode="auto">
+          <a:xfrm>
+            <a:off x="5073330" y="2556396"/>
+            <a:ext cx="2301912" cy="2301912"/>
+          </a:xfrm>
+          <a:prstGeom prst="rect">
+            <a:avLst/>
+          </a:prstGeom>
+          <a:noFill/>
+          <a:extLst>
+            <a:ext uri="{909E8E84-426E-40DD-AFC4-6F175D3DCCD1}">
+              <a14:hiddenFill xmlns:a14="http://schemas.microsoft.com/office/drawing/2010/main">
+                <a:solidFill>
+                  <a:srgbClr val="FFFFFF"/>
+                </a:solidFill>
+              </a14:hiddenFill>
+            </a:ext>
+          </a:extLst>
+        </p:spPr>
+      </p:pic>
+      <p:sp>
+        <p:nvSpPr>
+          <p:cNvPr id="4" name="Parallelogram 3">
+            <a:extLst>
+              <a:ext uri="{FF2B5EF4-FFF2-40B4-BE49-F238E27FC236}">
+                <a16:creationId xmlns:a16="http://schemas.microsoft.com/office/drawing/2014/main" id="{BA571917-1C04-45E1-8A95-F2F5E5F470FA}"/>
+              </a:ext>
+            </a:extLst>
+          </p:cNvPr>
+          <p:cNvSpPr/>
+          <p:nvPr/>
+        </p:nvSpPr>
+        <p:spPr>
+          <a:xfrm>
+            <a:off x="251624" y="2317699"/>
+            <a:ext cx="3088999" cy="2795530"/>
+          </a:xfrm>
+          <a:prstGeom prst="parallelogram">
+            <a:avLst>
+              <a:gd name="adj" fmla="val 15252"/>
+            </a:avLst>
+          </a:prstGeom>
+          <a:solidFill>
+            <a:srgbClr val="0070C0"/>
+          </a:solidFill>
+        </p:spPr>
+        <p:style>
+          <a:lnRef idx="2">
+            <a:schemeClr val="accent1">
+              <a:shade val="50000"/>
+            </a:schemeClr>
+          </a:lnRef>
+          <a:fillRef idx="1">
+            <a:schemeClr val="accent1"/>
+          </a:fillRef>
+          <a:effectRef idx="0">
+            <a:schemeClr val="accent1"/>
+          </a:effectRef>
+          <a:fontRef idx="minor">
+            <a:schemeClr val="lt1"/>
+          </a:fontRef>
+        </p:style>
+        <p:txBody>
+          <a:bodyPr rtlCol="0" anchor="ctr"/>
+          <a:lstStyle/>
+          <a:p>
+            <a:pPr algn="just"/>
+            <a:r>
+              <a:rPr lang="en-US" dirty="0"/>
+              <a:t>FROM mcr.microsoft.com/dotnet/core/sdk:3.0-alpine AS build</a:t>
+            </a:r>
+          </a:p>
+          <a:p>
+            <a:pPr algn="ctr"/>
+            <a:endParaRPr lang="en-US" dirty="0"/>
+          </a:p>
+        </p:txBody>
+      </p:sp>
+      <p:pic>
+        <p:nvPicPr>
+          <p:cNvPr id="1034" name="Picture 10" descr="Image result for docker icon">
+            <a:extLst>
+              <a:ext uri="{FF2B5EF4-FFF2-40B4-BE49-F238E27FC236}">
+                <a16:creationId xmlns:a16="http://schemas.microsoft.com/office/drawing/2014/main" id="{D2D166C0-8BFE-4155-B761-7860E19E114D}"/>
+              </a:ext>
+            </a:extLst>
+          </p:cNvPr>
+          <p:cNvPicPr>
+            <a:picLocks noChangeAspect="1" noChangeArrowheads="1"/>
+          </p:cNvPicPr>
+          <p:nvPr/>
+        </p:nvPicPr>
+        <p:blipFill>
+          <a:blip r:embed="rId6">
+            <a:extLst>
+              <a:ext uri="{28A0092B-C50C-407E-A947-70E740481C1C}">
+                <a14:useLocalDpi xmlns:a14="http://schemas.microsoft.com/office/drawing/2010/main" val="0"/>
+              </a:ext>
+            </a:extLst>
+          </a:blip>
+          <a:srcRect/>
+          <a:stretch>
+            <a:fillRect/>
+          </a:stretch>
+        </p:blipFill>
+        <p:spPr bwMode="auto">
+          <a:xfrm>
+            <a:off x="8859964" y="2101283"/>
+            <a:ext cx="1436973" cy="1436973"/>
+          </a:xfrm>
+          <a:prstGeom prst="rect">
+            <a:avLst/>
+          </a:prstGeom>
+          <a:noFill/>
+          <a:extLst>
+            <a:ext uri="{909E8E84-426E-40DD-AFC4-6F175D3DCCD1}">
+              <a14:hiddenFill xmlns:a14="http://schemas.microsoft.com/office/drawing/2010/main">
+                <a:solidFill>
+                  <a:srgbClr val="FFFFFF"/>
+                </a:solidFill>
+              </a14:hiddenFill>
+            </a:ext>
+          </a:extLst>
+        </p:spPr>
+      </p:pic>
+      <p:pic>
+        <p:nvPicPr>
+          <p:cNvPr id="16" name="Picture 10" descr="Image result for docker icon">
+            <a:extLst>
+              <a:ext uri="{FF2B5EF4-FFF2-40B4-BE49-F238E27FC236}">
+                <a16:creationId xmlns:a16="http://schemas.microsoft.com/office/drawing/2014/main" id="{5875FB84-2774-4B9D-A35C-832505C13B16}"/>
+              </a:ext>
+            </a:extLst>
+          </p:cNvPr>
+          <p:cNvPicPr>
+            <a:picLocks noChangeAspect="1" noChangeArrowheads="1"/>
+          </p:cNvPicPr>
+          <p:nvPr/>
+        </p:nvPicPr>
+        <p:blipFill>
+          <a:blip r:embed="rId6">
+            <a:extLst>
+              <a:ext uri="{28A0092B-C50C-407E-A947-70E740481C1C}">
+                <a14:useLocalDpi xmlns:a14="http://schemas.microsoft.com/office/drawing/2010/main" val="0"/>
+              </a:ext>
+            </a:extLst>
+          </a:blip>
+          <a:srcRect/>
+          <a:stretch>
+            <a:fillRect/>
+          </a:stretch>
+        </p:blipFill>
+        <p:spPr bwMode="auto">
+          <a:xfrm>
+            <a:off x="9236380" y="2971187"/>
+            <a:ext cx="1436973" cy="1436973"/>
+          </a:xfrm>
+          <a:prstGeom prst="rect">
+            <a:avLst/>
+          </a:prstGeom>
+          <a:noFill/>
+          <a:extLst>
+            <a:ext uri="{909E8E84-426E-40DD-AFC4-6F175D3DCCD1}">
+              <a14:hiddenFill xmlns:a14="http://schemas.microsoft.com/office/drawing/2010/main">
+                <a:solidFill>
+                  <a:srgbClr val="FFFFFF"/>
+                </a:solidFill>
+              </a14:hiddenFill>
+            </a:ext>
+          </a:extLst>
+        </p:spPr>
+      </p:pic>
+      <p:sp>
+        <p:nvSpPr>
+          <p:cNvPr id="5" name="TextBox 4">
+            <a:extLst>
+              <a:ext uri="{FF2B5EF4-FFF2-40B4-BE49-F238E27FC236}">
+                <a16:creationId xmlns:a16="http://schemas.microsoft.com/office/drawing/2014/main" id="{FFC49FBD-093F-4181-ABBE-EDC765BF5D9F}"/>
+              </a:ext>
+            </a:extLst>
+          </p:cNvPr>
+          <p:cNvSpPr txBox="1"/>
+          <p:nvPr/>
+        </p:nvSpPr>
+        <p:spPr>
+          <a:xfrm>
+            <a:off x="1055106" y="5495970"/>
+            <a:ext cx="1298945" cy="369332"/>
+          </a:xfrm>
+          <a:prstGeom prst="rect">
+            <a:avLst/>
+          </a:prstGeom>
+          <a:noFill/>
+        </p:spPr>
+        <p:txBody>
+          <a:bodyPr wrap="square" rtlCol="0">
+            <a:spAutoFit/>
+          </a:bodyPr>
+          <a:lstStyle/>
+          <a:p>
+            <a:r>
+              <a:rPr lang="en-US" dirty="0" err="1"/>
+              <a:t>Dockerfile</a:t>
+            </a:r>
+            <a:endParaRPr lang="en-US" dirty="0"/>
+          </a:p>
+        </p:txBody>
+      </p:sp>
+      <p:sp>
+        <p:nvSpPr>
+          <p:cNvPr id="24" name="TextBox 23">
+            <a:extLst>
+              <a:ext uri="{FF2B5EF4-FFF2-40B4-BE49-F238E27FC236}">
+                <a16:creationId xmlns:a16="http://schemas.microsoft.com/office/drawing/2014/main" id="{5D745D16-A319-44E8-A71F-84421B38C17F}"/>
+              </a:ext>
+            </a:extLst>
+          </p:cNvPr>
+          <p:cNvSpPr txBox="1"/>
+          <p:nvPr/>
+        </p:nvSpPr>
+        <p:spPr>
+          <a:xfrm>
+            <a:off x="5424163" y="5495970"/>
+            <a:ext cx="1600246" cy="369332"/>
+          </a:xfrm>
+          <a:prstGeom prst="rect">
+            <a:avLst/>
+          </a:prstGeom>
+          <a:noFill/>
+        </p:spPr>
+        <p:txBody>
+          <a:bodyPr wrap="none" rtlCol="0">
+            <a:spAutoFit/>
+          </a:bodyPr>
+          <a:lstStyle/>
+          <a:p>
+            <a:r>
+              <a:rPr lang="en-US" dirty="0"/>
+              <a:t>Image Layers</a:t>
+            </a:r>
+          </a:p>
+        </p:txBody>
+      </p:sp>
+      <p:sp>
+        <p:nvSpPr>
+          <p:cNvPr id="25" name="TextBox 24">
+            <a:extLst>
+              <a:ext uri="{FF2B5EF4-FFF2-40B4-BE49-F238E27FC236}">
+                <a16:creationId xmlns:a16="http://schemas.microsoft.com/office/drawing/2014/main" id="{7894FA9C-D61F-438D-89AD-C5729F6549D0}"/>
+              </a:ext>
+            </a:extLst>
+          </p:cNvPr>
+          <p:cNvSpPr txBox="1"/>
+          <p:nvPr/>
+        </p:nvSpPr>
+        <p:spPr>
+          <a:xfrm>
+            <a:off x="3982659" y="6078628"/>
+            <a:ext cx="1550937" cy="369332"/>
+          </a:xfrm>
+          <a:prstGeom prst="rect">
+            <a:avLst/>
+          </a:prstGeom>
+          <a:noFill/>
+        </p:spPr>
+        <p:txBody>
+          <a:bodyPr wrap="none" rtlCol="0">
+            <a:spAutoFit/>
+          </a:bodyPr>
+          <a:lstStyle/>
+          <a:p>
+            <a:r>
+              <a:rPr lang="en-US" dirty="0"/>
+              <a:t>docker build</a:t>
+            </a:r>
+          </a:p>
+        </p:txBody>
+      </p:sp>
+      <p:sp>
+        <p:nvSpPr>
+          <p:cNvPr id="26" name="TextBox 25">
+            <a:extLst>
+              <a:ext uri="{FF2B5EF4-FFF2-40B4-BE49-F238E27FC236}">
+                <a16:creationId xmlns:a16="http://schemas.microsoft.com/office/drawing/2014/main" id="{DE03868B-7D4A-4E33-85CF-72CB84185A53}"/>
+              </a:ext>
+            </a:extLst>
+          </p:cNvPr>
+          <p:cNvSpPr txBox="1"/>
+          <p:nvPr/>
+        </p:nvSpPr>
+        <p:spPr>
+          <a:xfrm>
+            <a:off x="3982659" y="6396800"/>
+            <a:ext cx="3821174" cy="369332"/>
+          </a:xfrm>
+          <a:prstGeom prst="rect">
+            <a:avLst/>
+          </a:prstGeom>
+          <a:noFill/>
+        </p:spPr>
+        <p:txBody>
+          <a:bodyPr wrap="none" rtlCol="0">
+            <a:spAutoFit/>
+          </a:bodyPr>
+          <a:lstStyle/>
+          <a:p>
+            <a:r>
+              <a:rPr lang="en-US" dirty="0"/>
+              <a:t>docker-compose up –d –no-create</a:t>
+            </a:r>
+          </a:p>
+        </p:txBody>
+      </p:sp>
+      <p:cxnSp>
+        <p:nvCxnSpPr>
+          <p:cNvPr id="18" name="Straight Connector 17">
+            <a:extLst>
+              <a:ext uri="{FF2B5EF4-FFF2-40B4-BE49-F238E27FC236}">
+                <a16:creationId xmlns:a16="http://schemas.microsoft.com/office/drawing/2014/main" id="{F9CF0746-0DE8-4572-B035-0862C4E5D3C3}"/>
+              </a:ext>
+            </a:extLst>
+          </p:cNvPr>
+          <p:cNvCxnSpPr>
+            <a:cxnSpLocks/>
+          </p:cNvCxnSpPr>
+          <p:nvPr/>
+        </p:nvCxnSpPr>
+        <p:spPr>
+          <a:xfrm>
+            <a:off x="4025590" y="219482"/>
+            <a:ext cx="0" cy="5724981"/>
+          </a:xfrm>
+          <a:prstGeom prst="line">
+            <a:avLst/>
+          </a:prstGeom>
+        </p:spPr>
+        <p:style>
+          <a:lnRef idx="1">
+            <a:schemeClr val="accent1"/>
+          </a:lnRef>
+          <a:fillRef idx="0">
+            <a:schemeClr val="accent1"/>
+          </a:fillRef>
+          <a:effectRef idx="0">
+            <a:schemeClr val="accent1"/>
+          </a:effectRef>
+          <a:fontRef idx="minor">
+            <a:schemeClr val="tx1"/>
+          </a:fontRef>
+        </p:style>
+      </p:cxnSp>
+      <p:pic>
+        <p:nvPicPr>
+          <p:cNvPr id="1040" name="Picture 16" descr="Image result for docker icon">
+            <a:extLst>
+              <a:ext uri="{FF2B5EF4-FFF2-40B4-BE49-F238E27FC236}">
+                <a16:creationId xmlns:a16="http://schemas.microsoft.com/office/drawing/2014/main" id="{284BEDC6-BAA8-49B7-80B9-F7D6DD9E6A6F}"/>
+              </a:ext>
+            </a:extLst>
+          </p:cNvPr>
+          <p:cNvPicPr>
+            <a:picLocks noChangeAspect="1" noChangeArrowheads="1"/>
+          </p:cNvPicPr>
+          <p:nvPr/>
+        </p:nvPicPr>
+        <p:blipFill>
+          <a:blip r:embed="rId7">
+            <a:extLst>
+              <a:ext uri="{28A0092B-C50C-407E-A947-70E740481C1C}">
+                <a14:useLocalDpi xmlns:a14="http://schemas.microsoft.com/office/drawing/2010/main" val="0"/>
+              </a:ext>
+            </a:extLst>
+          </a:blip>
+          <a:srcRect/>
+          <a:stretch>
+            <a:fillRect/>
+          </a:stretch>
+        </p:blipFill>
+        <p:spPr bwMode="auto">
+          <a:xfrm>
+            <a:off x="8859964" y="404460"/>
+            <a:ext cx="2613242" cy="1513839"/>
+          </a:xfrm>
+          <a:prstGeom prst="rect">
+            <a:avLst/>
+          </a:prstGeom>
+          <a:noFill/>
+          <a:extLst>
+            <a:ext uri="{909E8E84-426E-40DD-AFC4-6F175D3DCCD1}">
+              <a14:hiddenFill xmlns:a14="http://schemas.microsoft.com/office/drawing/2010/main">
+                <a:solidFill>
+                  <a:srgbClr val="FFFFFF"/>
+                </a:solidFill>
+              </a14:hiddenFill>
+            </a:ext>
+          </a:extLst>
+        </p:spPr>
+      </p:pic>
+      <p:sp>
+        <p:nvSpPr>
+          <p:cNvPr id="38" name="TextBox 37">
+            <a:extLst>
+              <a:ext uri="{FF2B5EF4-FFF2-40B4-BE49-F238E27FC236}">
+                <a16:creationId xmlns:a16="http://schemas.microsoft.com/office/drawing/2014/main" id="{75F20652-0762-47C0-BC73-FEC3782F14B9}"/>
+              </a:ext>
+            </a:extLst>
+          </p:cNvPr>
+          <p:cNvSpPr txBox="1"/>
+          <p:nvPr/>
+        </p:nvSpPr>
+        <p:spPr>
+          <a:xfrm>
+            <a:off x="9621111" y="5495970"/>
+            <a:ext cx="1351652" cy="369332"/>
+          </a:xfrm>
+          <a:prstGeom prst="rect">
+            <a:avLst/>
+          </a:prstGeom>
+          <a:noFill/>
+        </p:spPr>
+        <p:txBody>
+          <a:bodyPr wrap="none" rtlCol="0">
+            <a:spAutoFit/>
+          </a:bodyPr>
+          <a:lstStyle/>
+          <a:p>
+            <a:r>
+              <a:rPr lang="en-US" dirty="0"/>
+              <a:t>Containers</a:t>
+            </a:r>
+          </a:p>
+        </p:txBody>
+      </p:sp>
+      <p:cxnSp>
+        <p:nvCxnSpPr>
+          <p:cNvPr id="39" name="Straight Connector 38">
+            <a:extLst>
+              <a:ext uri="{FF2B5EF4-FFF2-40B4-BE49-F238E27FC236}">
+                <a16:creationId xmlns:a16="http://schemas.microsoft.com/office/drawing/2014/main" id="{A978F819-2443-4F5D-A813-557EEF4F3965}"/>
+              </a:ext>
+            </a:extLst>
+          </p:cNvPr>
+          <p:cNvCxnSpPr>
+            <a:cxnSpLocks/>
+          </p:cNvCxnSpPr>
+          <p:nvPr/>
+        </p:nvCxnSpPr>
+        <p:spPr>
+          <a:xfrm>
+            <a:off x="8192430" y="238714"/>
+            <a:ext cx="0" cy="5724981"/>
+          </a:xfrm>
+          <a:prstGeom prst="line">
+            <a:avLst/>
+          </a:prstGeom>
+        </p:spPr>
+        <p:style>
+          <a:lnRef idx="1">
+            <a:schemeClr val="accent1"/>
+          </a:lnRef>
+          <a:fillRef idx="0">
+            <a:schemeClr val="accent1"/>
+          </a:fillRef>
+          <a:effectRef idx="0">
+            <a:schemeClr val="accent1"/>
+          </a:effectRef>
+          <a:fontRef idx="minor">
+            <a:schemeClr val="tx1"/>
+          </a:fontRef>
+        </p:style>
+      </p:cxnSp>
+      <p:pic>
+        <p:nvPicPr>
+          <p:cNvPr id="44" name="Picture 10" descr="Image result for docker icon">
+            <a:extLst>
+              <a:ext uri="{FF2B5EF4-FFF2-40B4-BE49-F238E27FC236}">
+                <a16:creationId xmlns:a16="http://schemas.microsoft.com/office/drawing/2014/main" id="{AEF737F2-8800-4E2B-9401-614EA18515E9}"/>
+              </a:ext>
+            </a:extLst>
+          </p:cNvPr>
+          <p:cNvPicPr>
+            <a:picLocks noChangeAspect="1" noChangeArrowheads="1"/>
+          </p:cNvPicPr>
+          <p:nvPr/>
+        </p:nvPicPr>
+        <p:blipFill>
+          <a:blip r:embed="rId6">
+            <a:extLst>
+              <a:ext uri="{28A0092B-C50C-407E-A947-70E740481C1C}">
+                <a14:useLocalDpi xmlns:a14="http://schemas.microsoft.com/office/drawing/2010/main" val="0"/>
+              </a:ext>
+            </a:extLst>
+          </a:blip>
+          <a:srcRect/>
+          <a:stretch>
+            <a:fillRect/>
+          </a:stretch>
+        </p:blipFill>
+        <p:spPr bwMode="auto">
+          <a:xfrm>
+            <a:off x="9863970" y="3785047"/>
+            <a:ext cx="1436973" cy="1436973"/>
+          </a:xfrm>
+          <a:prstGeom prst="rect">
+            <a:avLst/>
+          </a:prstGeom>
+          <a:noFill/>
+          <a:extLst>
+            <a:ext uri="{909E8E84-426E-40DD-AFC4-6F175D3DCCD1}">
+              <a14:hiddenFill xmlns:a14="http://schemas.microsoft.com/office/drawing/2010/main">
+                <a:solidFill>
+                  <a:srgbClr val="FFFFFF"/>
+                </a:solidFill>
+              </a14:hiddenFill>
+            </a:ext>
+          </a:extLst>
+        </p:spPr>
+      </p:pic>
+      <p:cxnSp>
+        <p:nvCxnSpPr>
+          <p:cNvPr id="35" name="Straight Connector 34">
+            <a:extLst>
+              <a:ext uri="{FF2B5EF4-FFF2-40B4-BE49-F238E27FC236}">
+                <a16:creationId xmlns:a16="http://schemas.microsoft.com/office/drawing/2014/main" id="{024B551F-66A7-4167-B4FB-8CB8C488B72E}"/>
+              </a:ext>
+            </a:extLst>
+          </p:cNvPr>
+          <p:cNvCxnSpPr/>
+          <p:nvPr/>
+        </p:nvCxnSpPr>
+        <p:spPr>
+          <a:xfrm>
+            <a:off x="216724" y="5963695"/>
+            <a:ext cx="11750775" cy="0"/>
+          </a:xfrm>
+          <a:prstGeom prst="line">
+            <a:avLst/>
+          </a:prstGeom>
+        </p:spPr>
+        <p:style>
+          <a:lnRef idx="1">
+            <a:schemeClr val="accent1"/>
+          </a:lnRef>
+          <a:fillRef idx="0">
+            <a:schemeClr val="accent1"/>
+          </a:fillRef>
+          <a:effectRef idx="0">
+            <a:schemeClr val="accent1"/>
+          </a:effectRef>
+          <a:fontRef idx="minor">
+            <a:schemeClr val="tx1"/>
+          </a:fontRef>
+        </p:style>
+      </p:cxnSp>
+      <p:sp>
+        <p:nvSpPr>
+          <p:cNvPr id="47" name="TextBox 46">
+            <a:extLst>
+              <a:ext uri="{FF2B5EF4-FFF2-40B4-BE49-F238E27FC236}">
+                <a16:creationId xmlns:a16="http://schemas.microsoft.com/office/drawing/2014/main" id="{54459A0B-6604-43C0-B87A-C4DD06E48A08}"/>
+              </a:ext>
+            </a:extLst>
+          </p:cNvPr>
+          <p:cNvSpPr txBox="1"/>
+          <p:nvPr/>
+        </p:nvSpPr>
+        <p:spPr>
+          <a:xfrm>
+            <a:off x="8263239" y="6057915"/>
+            <a:ext cx="1357872" cy="369332"/>
+          </a:xfrm>
+          <a:prstGeom prst="rect">
+            <a:avLst/>
+          </a:prstGeom>
+          <a:noFill/>
+        </p:spPr>
+        <p:txBody>
+          <a:bodyPr wrap="none" rtlCol="0">
+            <a:spAutoFit/>
+          </a:bodyPr>
+          <a:lstStyle/>
+          <a:p>
+            <a:r>
+              <a:rPr lang="en-US" dirty="0"/>
+              <a:t>docker run</a:t>
+            </a:r>
+          </a:p>
+        </p:txBody>
+      </p:sp>
+      <p:sp>
+        <p:nvSpPr>
+          <p:cNvPr id="48" name="TextBox 47">
+            <a:extLst>
+              <a:ext uri="{FF2B5EF4-FFF2-40B4-BE49-F238E27FC236}">
+                <a16:creationId xmlns:a16="http://schemas.microsoft.com/office/drawing/2014/main" id="{DD69658A-AEDC-4683-8C0C-10047190DF15}"/>
+              </a:ext>
+            </a:extLst>
+          </p:cNvPr>
+          <p:cNvSpPr txBox="1"/>
+          <p:nvPr/>
+        </p:nvSpPr>
+        <p:spPr>
+          <a:xfrm>
+            <a:off x="8263239" y="6416042"/>
+            <a:ext cx="2321020" cy="369332"/>
+          </a:xfrm>
+          <a:prstGeom prst="rect">
+            <a:avLst/>
+          </a:prstGeom>
+          <a:noFill/>
+        </p:spPr>
+        <p:txBody>
+          <a:bodyPr wrap="none" rtlCol="0">
+            <a:spAutoFit/>
+          </a:bodyPr>
+          <a:lstStyle/>
+          <a:p>
+            <a:r>
+              <a:rPr lang="en-US" dirty="0"/>
+              <a:t>docker-compose up</a:t>
+            </a:r>
+          </a:p>
+        </p:txBody>
+      </p:sp>
+    </p:spTree>
+    <p:extLst>
+      <p:ext uri="{BB962C8B-B14F-4D97-AF65-F5344CB8AC3E}">
+        <p14:creationId xmlns:p14="http://schemas.microsoft.com/office/powerpoint/2010/main" val="1949616636"/>
+      </p:ext>
+    </p:extLst>
+  </p:cSld>
+  <p:clrMapOvr>
+    <a:masterClrMapping/>
+  </p:clrMapOvr>
+</p:sld>
+</file>
+
+<file path=ppt/slides/slide5.xml><?xml version="1.0" encoding="utf-8"?>
+<p:sld xmlns:a="http://schemas.openxmlformats.org/drawingml/2006/main" xmlns:r="http://schemas.openxmlformats.org/officeDocument/2006/relationships" xmlns:p="http://schemas.openxmlformats.org/presentationml/2006/main">
+  <p:cSld>
+    <p:spTree>
+      <p:nvGrpSpPr>
+        <p:cNvPr id="1" name=""/>
+        <p:cNvGrpSpPr/>
+        <p:nvPr/>
+      </p:nvGrpSpPr>
+      <p:grpSpPr>
+        <a:xfrm>
+          <a:off x="0" y="0"/>
+          <a:ext cx="0" cy="0"/>
+          <a:chOff x="0" y="0"/>
+          <a:chExt cx="0" cy="0"/>
+        </a:xfrm>
+      </p:grpSpPr>
+      <p:sp>
+        <p:nvSpPr>
+          <p:cNvPr id="4" name="TextBox 3">
+            <a:extLst>
+              <a:ext uri="{FF2B5EF4-FFF2-40B4-BE49-F238E27FC236}">
+                <a16:creationId xmlns:a16="http://schemas.microsoft.com/office/drawing/2014/main" id="{4461491E-E0E7-4B6F-AF1F-2DA3CC44FA48}"/>
+              </a:ext>
+            </a:extLst>
+          </p:cNvPr>
+          <p:cNvSpPr txBox="1"/>
+          <p:nvPr/>
+        </p:nvSpPr>
+        <p:spPr>
+          <a:xfrm>
+            <a:off x="669073" y="589673"/>
+            <a:ext cx="1715534" cy="369332"/>
+          </a:xfrm>
+          <a:prstGeom prst="rect">
+            <a:avLst/>
+          </a:prstGeom>
+          <a:noFill/>
+        </p:spPr>
+        <p:txBody>
+          <a:bodyPr wrap="none" rtlCol="0">
+            <a:spAutoFit/>
+          </a:bodyPr>
+          <a:lstStyle/>
+          <a:p>
+            <a:r>
+              <a:rPr lang="en-US" dirty="0"/>
+              <a:t>Local Machine</a:t>
+            </a:r>
+          </a:p>
+        </p:txBody>
+      </p:sp>
+      <p:sp>
+        <p:nvSpPr>
+          <p:cNvPr id="5" name="TextBox 4">
+            <a:extLst>
+              <a:ext uri="{FF2B5EF4-FFF2-40B4-BE49-F238E27FC236}">
+                <a16:creationId xmlns:a16="http://schemas.microsoft.com/office/drawing/2014/main" id="{4F633ABB-0F67-4B4C-B4FE-2C07776DC348}"/>
+              </a:ext>
+            </a:extLst>
+          </p:cNvPr>
+          <p:cNvSpPr txBox="1"/>
+          <p:nvPr/>
+        </p:nvSpPr>
+        <p:spPr>
+          <a:xfrm>
+            <a:off x="5163902" y="589673"/>
+            <a:ext cx="1535317" cy="369332"/>
+          </a:xfrm>
+          <a:prstGeom prst="rect">
+            <a:avLst/>
+          </a:prstGeom>
+          <a:noFill/>
+        </p:spPr>
+        <p:txBody>
+          <a:bodyPr wrap="square" rtlCol="0">
+            <a:spAutoFit/>
+          </a:bodyPr>
+          <a:lstStyle/>
+          <a:p>
+            <a:r>
+              <a:rPr lang="en-US" dirty="0"/>
+              <a:t>Docker Host</a:t>
+            </a:r>
+          </a:p>
+        </p:txBody>
+      </p:sp>
+      <p:sp>
+        <p:nvSpPr>
+          <p:cNvPr id="6" name="TextBox 5">
+            <a:extLst>
+              <a:ext uri="{FF2B5EF4-FFF2-40B4-BE49-F238E27FC236}">
+                <a16:creationId xmlns:a16="http://schemas.microsoft.com/office/drawing/2014/main" id="{D451D073-2B96-4316-8E94-82C0ACE83897}"/>
+              </a:ext>
+            </a:extLst>
+          </p:cNvPr>
+          <p:cNvSpPr txBox="1"/>
+          <p:nvPr/>
+        </p:nvSpPr>
+        <p:spPr>
+          <a:xfrm>
+            <a:off x="10364976" y="589673"/>
+            <a:ext cx="1076176" cy="369332"/>
+          </a:xfrm>
+          <a:prstGeom prst="rect">
+            <a:avLst/>
+          </a:prstGeom>
+          <a:noFill/>
+        </p:spPr>
+        <p:txBody>
+          <a:bodyPr wrap="square" rtlCol="0">
+            <a:spAutoFit/>
+          </a:bodyPr>
+          <a:lstStyle/>
+          <a:p>
+            <a:r>
+              <a:rPr lang="en-US" dirty="0"/>
+              <a:t>Registry</a:t>
+            </a:r>
+          </a:p>
+        </p:txBody>
+      </p:sp>
+      <p:sp>
+        <p:nvSpPr>
+          <p:cNvPr id="7" name="Rectangle: Rounded Corners 6">
+            <a:extLst>
+              <a:ext uri="{FF2B5EF4-FFF2-40B4-BE49-F238E27FC236}">
+                <a16:creationId xmlns:a16="http://schemas.microsoft.com/office/drawing/2014/main" id="{B6342B6A-3666-471F-87D5-B09CF12F5E3F}"/>
+              </a:ext>
+            </a:extLst>
+          </p:cNvPr>
+          <p:cNvSpPr/>
+          <p:nvPr/>
+        </p:nvSpPr>
+        <p:spPr>
+          <a:xfrm>
+            <a:off x="434897" y="1293541"/>
+            <a:ext cx="2185639" cy="2252547"/>
+          </a:xfrm>
+          <a:prstGeom prst="roundRect">
+            <a:avLst/>
+          </a:prstGeom>
+          <a:solidFill>
+            <a:schemeClr val="bg1"/>
+          </a:solidFill>
+          <a:ln w="38100"/>
+        </p:spPr>
+        <p:style>
+          <a:lnRef idx="2">
+            <a:schemeClr val="accent1">
+              <a:shade val="50000"/>
+            </a:schemeClr>
+          </a:lnRef>
+          <a:fillRef idx="1">
+            <a:schemeClr val="accent1"/>
+          </a:fillRef>
+          <a:effectRef idx="0">
+            <a:schemeClr val="accent1"/>
+          </a:effectRef>
+          <a:fontRef idx="minor">
+            <a:schemeClr val="lt1"/>
+          </a:fontRef>
+        </p:style>
+        <p:txBody>
+          <a:bodyPr rtlCol="0" anchor="ctr"/>
+          <a:lstStyle/>
+          <a:p>
+            <a:pPr algn="ctr"/>
+            <a:endParaRPr lang="en-US"/>
+          </a:p>
+        </p:txBody>
+      </p:sp>
+      <p:sp>
+        <p:nvSpPr>
+          <p:cNvPr id="8" name="Rectangle: Rounded Corners 7">
+            <a:extLst>
+              <a:ext uri="{FF2B5EF4-FFF2-40B4-BE49-F238E27FC236}">
+                <a16:creationId xmlns:a16="http://schemas.microsoft.com/office/drawing/2014/main" id="{BA94FC74-4771-4476-9B0F-35FA8197267F}"/>
+              </a:ext>
+            </a:extLst>
+          </p:cNvPr>
+          <p:cNvSpPr/>
+          <p:nvPr/>
+        </p:nvSpPr>
+        <p:spPr>
+          <a:xfrm>
+            <a:off x="3691054" y="1176454"/>
+            <a:ext cx="4783873" cy="5558883"/>
+          </a:xfrm>
+          <a:prstGeom prst="roundRect">
+            <a:avLst/>
+          </a:prstGeom>
+          <a:solidFill>
+            <a:schemeClr val="bg1"/>
+          </a:solidFill>
+          <a:ln w="38100"/>
+        </p:spPr>
+        <p:style>
+          <a:lnRef idx="2">
+            <a:schemeClr val="accent1">
+              <a:shade val="50000"/>
+            </a:schemeClr>
+          </a:lnRef>
+          <a:fillRef idx="1">
+            <a:schemeClr val="accent1"/>
+          </a:fillRef>
+          <a:effectRef idx="0">
+            <a:schemeClr val="accent1"/>
+          </a:effectRef>
+          <a:fontRef idx="minor">
+            <a:schemeClr val="lt1"/>
+          </a:fontRef>
+        </p:style>
+        <p:txBody>
+          <a:bodyPr rtlCol="0" anchor="ctr"/>
+          <a:lstStyle/>
+          <a:p>
+            <a:pPr algn="ctr"/>
+            <a:endParaRPr lang="en-US" dirty="0"/>
+          </a:p>
+        </p:txBody>
+      </p:sp>
+      <p:sp>
+        <p:nvSpPr>
+          <p:cNvPr id="9" name="Rectangle: Rounded Corners 8">
+            <a:extLst>
+              <a:ext uri="{FF2B5EF4-FFF2-40B4-BE49-F238E27FC236}">
+                <a16:creationId xmlns:a16="http://schemas.microsoft.com/office/drawing/2014/main" id="{9BD29CD2-C6D5-4194-9A0D-AB928C0C5D42}"/>
+              </a:ext>
+            </a:extLst>
+          </p:cNvPr>
+          <p:cNvSpPr/>
+          <p:nvPr/>
+        </p:nvSpPr>
+        <p:spPr>
+          <a:xfrm>
+            <a:off x="9794440" y="1459662"/>
+            <a:ext cx="2185639" cy="2252547"/>
+          </a:xfrm>
+          <a:prstGeom prst="roundRect">
+            <a:avLst/>
+          </a:prstGeom>
+          <a:solidFill>
+            <a:schemeClr val="bg1"/>
+          </a:solidFill>
+          <a:ln w="38100">
+            <a:solidFill>
+              <a:schemeClr val="accent1"/>
+            </a:solidFill>
+          </a:ln>
+        </p:spPr>
+        <p:style>
+          <a:lnRef idx="2">
+            <a:schemeClr val="accent1">
+              <a:shade val="50000"/>
+            </a:schemeClr>
+          </a:lnRef>
+          <a:fillRef idx="1">
+            <a:schemeClr val="accent1"/>
+          </a:fillRef>
+          <a:effectRef idx="0">
+            <a:schemeClr val="accent1"/>
+          </a:effectRef>
+          <a:fontRef idx="minor">
+            <a:schemeClr val="lt1"/>
+          </a:fontRef>
+        </p:style>
+        <p:txBody>
+          <a:bodyPr rtlCol="0" anchor="ctr"/>
+          <a:lstStyle/>
+          <a:p>
+            <a:pPr algn="ctr"/>
+            <a:endParaRPr lang="en-US" dirty="0"/>
+          </a:p>
+        </p:txBody>
+      </p:sp>
+      <p:pic>
+        <p:nvPicPr>
+          <p:cNvPr id="10" name="Picture 6" descr="Image result for docker icon">
+            <a:extLst>
+              <a:ext uri="{FF2B5EF4-FFF2-40B4-BE49-F238E27FC236}">
+                <a16:creationId xmlns:a16="http://schemas.microsoft.com/office/drawing/2014/main" id="{CA97F56D-1D60-47E0-A937-E73D0BFEEA53}"/>
+              </a:ext>
+            </a:extLst>
+          </p:cNvPr>
+          <p:cNvPicPr>
+            <a:picLocks noChangeAspect="1" noChangeArrowheads="1"/>
+          </p:cNvPicPr>
+          <p:nvPr/>
+        </p:nvPicPr>
+        <p:blipFill>
+          <a:blip r:embed="rId2">
+            <a:extLst>
+              <a:ext uri="{28A0092B-C50C-407E-A947-70E740481C1C}">
+                <a14:useLocalDpi xmlns:a14="http://schemas.microsoft.com/office/drawing/2010/main" val="0"/>
+              </a:ext>
+            </a:extLst>
+          </a:blip>
+          <a:srcRect/>
+          <a:stretch>
+            <a:fillRect/>
+          </a:stretch>
+        </p:blipFill>
+        <p:spPr bwMode="auto">
+          <a:xfrm>
+            <a:off x="9972670" y="1541635"/>
+            <a:ext cx="687896" cy="687896"/>
+          </a:xfrm>
+          <a:prstGeom prst="rect">
+            <a:avLst/>
+          </a:prstGeom>
+          <a:noFill/>
+          <a:extLst>
+            <a:ext uri="{909E8E84-426E-40DD-AFC4-6F175D3DCCD1}">
+              <a14:hiddenFill xmlns:a14="http://schemas.microsoft.com/office/drawing/2010/main">
+                <a:solidFill>
+                  <a:srgbClr val="FFFFFF"/>
+                </a:solidFill>
+              </a14:hiddenFill>
+            </a:ext>
+          </a:extLst>
+        </p:spPr>
+      </p:pic>
+      <p:pic>
+        <p:nvPicPr>
+          <p:cNvPr id="11" name="Picture 6" descr="Image result for docker icon">
+            <a:extLst>
+              <a:ext uri="{FF2B5EF4-FFF2-40B4-BE49-F238E27FC236}">
+                <a16:creationId xmlns:a16="http://schemas.microsoft.com/office/drawing/2014/main" id="{557DE3D3-594D-4091-8836-6F3762F1FE02}"/>
+              </a:ext>
+            </a:extLst>
+          </p:cNvPr>
+          <p:cNvPicPr>
+            <a:picLocks noChangeAspect="1" noChangeArrowheads="1"/>
+          </p:cNvPicPr>
+          <p:nvPr/>
+        </p:nvPicPr>
+        <p:blipFill>
+          <a:blip r:embed="rId2">
+            <a:extLst>
+              <a:ext uri="{28A0092B-C50C-407E-A947-70E740481C1C}">
+                <a14:useLocalDpi xmlns:a14="http://schemas.microsoft.com/office/drawing/2010/main" val="0"/>
+              </a:ext>
+            </a:extLst>
+          </a:blip>
+          <a:srcRect/>
+          <a:stretch>
+            <a:fillRect/>
+          </a:stretch>
+        </p:blipFill>
+        <p:spPr bwMode="auto">
+          <a:xfrm>
+            <a:off x="10248622" y="2419814"/>
+            <a:ext cx="687896" cy="687896"/>
+          </a:xfrm>
+          <a:prstGeom prst="rect">
+            <a:avLst/>
+          </a:prstGeom>
+          <a:noFill/>
+          <a:extLst>
+            <a:ext uri="{909E8E84-426E-40DD-AFC4-6F175D3DCCD1}">
+              <a14:hiddenFill xmlns:a14="http://schemas.microsoft.com/office/drawing/2010/main">
+                <a:solidFill>
+                  <a:srgbClr val="FFFFFF"/>
+                </a:solidFill>
+              </a14:hiddenFill>
+            </a:ext>
+          </a:extLst>
+        </p:spPr>
+      </p:pic>
+      <p:sp>
+        <p:nvSpPr>
+          <p:cNvPr id="12" name="TextBox 11">
+            <a:extLst>
+              <a:ext uri="{FF2B5EF4-FFF2-40B4-BE49-F238E27FC236}">
+                <a16:creationId xmlns:a16="http://schemas.microsoft.com/office/drawing/2014/main" id="{6F4E3A2F-DF71-4847-997F-A84425F035EC}"/>
+              </a:ext>
+            </a:extLst>
+          </p:cNvPr>
+          <p:cNvSpPr txBox="1"/>
+          <p:nvPr/>
+        </p:nvSpPr>
+        <p:spPr>
+          <a:xfrm>
+            <a:off x="10364089" y="3176756"/>
+            <a:ext cx="1393014" cy="369332"/>
+          </a:xfrm>
+          <a:prstGeom prst="rect">
+            <a:avLst/>
+          </a:prstGeom>
+          <a:noFill/>
+        </p:spPr>
+        <p:txBody>
+          <a:bodyPr wrap="square" rtlCol="0">
+            <a:spAutoFit/>
+          </a:bodyPr>
+          <a:lstStyle/>
+          <a:p>
+            <a:r>
+              <a:rPr lang="en-US" dirty="0">
+                <a:solidFill>
+                  <a:schemeClr val="bg2">
+                    <a:lumMod val="10000"/>
+                  </a:schemeClr>
+                </a:solidFill>
+              </a:rPr>
+              <a:t>Images</a:t>
+            </a:r>
+          </a:p>
+        </p:txBody>
+      </p:sp>
+      <p:sp>
+        <p:nvSpPr>
+          <p:cNvPr id="13" name="TextBox 12">
+            <a:extLst>
+              <a:ext uri="{FF2B5EF4-FFF2-40B4-BE49-F238E27FC236}">
+                <a16:creationId xmlns:a16="http://schemas.microsoft.com/office/drawing/2014/main" id="{5299F7ED-4850-47B6-954B-648A7875CE09}"/>
+              </a:ext>
+            </a:extLst>
+          </p:cNvPr>
+          <p:cNvSpPr txBox="1"/>
+          <p:nvPr/>
+        </p:nvSpPr>
+        <p:spPr>
+          <a:xfrm>
+            <a:off x="2865862" y="3068366"/>
+            <a:ext cx="1617269" cy="369332"/>
+          </a:xfrm>
+          <a:prstGeom prst="rect">
+            <a:avLst/>
+          </a:prstGeom>
+        </p:spPr>
+        <p:style>
+          <a:lnRef idx="2">
+            <a:schemeClr val="accent1">
+              <a:shade val="50000"/>
+            </a:schemeClr>
+          </a:lnRef>
+          <a:fillRef idx="1">
+            <a:schemeClr val="accent1"/>
+          </a:fillRef>
+          <a:effectRef idx="0">
+            <a:schemeClr val="accent1"/>
+          </a:effectRef>
+          <a:fontRef idx="minor">
+            <a:schemeClr val="lt1"/>
+          </a:fontRef>
+        </p:style>
+        <p:txBody>
+          <a:bodyPr wrap="square" rtlCol="0">
+            <a:spAutoFit/>
+          </a:bodyPr>
+          <a:lstStyle/>
+          <a:p>
+            <a:r>
+              <a:rPr lang="en-US" dirty="0">
+                <a:solidFill>
+                  <a:schemeClr val="bg1"/>
+                </a:solidFill>
+              </a:rPr>
+              <a:t>docker build</a:t>
+            </a:r>
+          </a:p>
+        </p:txBody>
+      </p:sp>
+      <p:sp>
+        <p:nvSpPr>
+          <p:cNvPr id="14" name="TextBox 13">
+            <a:extLst>
+              <a:ext uri="{FF2B5EF4-FFF2-40B4-BE49-F238E27FC236}">
+                <a16:creationId xmlns:a16="http://schemas.microsoft.com/office/drawing/2014/main" id="{899F04A2-9E51-4501-BC15-8419B899807D}"/>
+              </a:ext>
+            </a:extLst>
+          </p:cNvPr>
+          <p:cNvSpPr txBox="1"/>
+          <p:nvPr/>
+        </p:nvSpPr>
+        <p:spPr>
+          <a:xfrm>
+            <a:off x="7713563" y="3107710"/>
+            <a:ext cx="1429463" cy="369332"/>
+          </a:xfrm>
+          <a:prstGeom prst="rect">
+            <a:avLst/>
+          </a:prstGeom>
+        </p:spPr>
+        <p:style>
+          <a:lnRef idx="2">
+            <a:schemeClr val="accent1">
+              <a:shade val="50000"/>
+            </a:schemeClr>
+          </a:lnRef>
+          <a:fillRef idx="1">
+            <a:schemeClr val="accent1"/>
+          </a:fillRef>
+          <a:effectRef idx="0">
+            <a:schemeClr val="accent1"/>
+          </a:effectRef>
+          <a:fontRef idx="minor">
+            <a:schemeClr val="lt1"/>
+          </a:fontRef>
+        </p:style>
+        <p:txBody>
+          <a:bodyPr wrap="square" rtlCol="0">
+            <a:spAutoFit/>
+          </a:bodyPr>
+          <a:lstStyle/>
+          <a:p>
+            <a:r>
+              <a:rPr lang="en-US" dirty="0">
+                <a:solidFill>
+                  <a:schemeClr val="bg1"/>
+                </a:solidFill>
+              </a:rPr>
+              <a:t>docker pull</a:t>
+            </a:r>
+          </a:p>
+        </p:txBody>
+      </p:sp>
+      <p:sp>
+        <p:nvSpPr>
+          <p:cNvPr id="15" name="TextBox 14">
+            <a:extLst>
+              <a:ext uri="{FF2B5EF4-FFF2-40B4-BE49-F238E27FC236}">
+                <a16:creationId xmlns:a16="http://schemas.microsoft.com/office/drawing/2014/main" id="{D36A51BD-8245-4CE2-BF68-581936E1C39E}"/>
+              </a:ext>
+            </a:extLst>
+          </p:cNvPr>
+          <p:cNvSpPr txBox="1"/>
+          <p:nvPr/>
+        </p:nvSpPr>
+        <p:spPr>
+          <a:xfrm>
+            <a:off x="669073" y="2275115"/>
+            <a:ext cx="1739590" cy="369332"/>
+          </a:xfrm>
+          <a:prstGeom prst="rect">
+            <a:avLst/>
+          </a:prstGeom>
+        </p:spPr>
+        <p:style>
+          <a:lnRef idx="2">
+            <a:schemeClr val="accent1">
+              <a:shade val="50000"/>
+            </a:schemeClr>
+          </a:lnRef>
+          <a:fillRef idx="1">
+            <a:schemeClr val="accent1"/>
+          </a:fillRef>
+          <a:effectRef idx="0">
+            <a:schemeClr val="accent1"/>
+          </a:effectRef>
+          <a:fontRef idx="minor">
+            <a:schemeClr val="lt1"/>
+          </a:fontRef>
+        </p:style>
+        <p:txBody>
+          <a:bodyPr wrap="square" rtlCol="0">
+            <a:spAutoFit/>
+          </a:bodyPr>
+          <a:lstStyle/>
+          <a:p>
+            <a:r>
+              <a:rPr lang="en-US" dirty="0" err="1">
+                <a:solidFill>
+                  <a:schemeClr val="bg1"/>
+                </a:solidFill>
+              </a:rPr>
+              <a:t>Dockerfile</a:t>
+            </a:r>
+            <a:endParaRPr lang="en-US" dirty="0">
+              <a:solidFill>
+                <a:schemeClr val="bg1"/>
+              </a:solidFill>
+            </a:endParaRPr>
+          </a:p>
+        </p:txBody>
+      </p:sp>
+      <p:sp>
+        <p:nvSpPr>
+          <p:cNvPr id="18" name="TextBox 17">
+            <a:extLst>
+              <a:ext uri="{FF2B5EF4-FFF2-40B4-BE49-F238E27FC236}">
+                <a16:creationId xmlns:a16="http://schemas.microsoft.com/office/drawing/2014/main" id="{8C725B7E-3C33-4099-91C5-9C920D70F114}"/>
+              </a:ext>
+            </a:extLst>
+          </p:cNvPr>
+          <p:cNvSpPr txBox="1"/>
+          <p:nvPr/>
+        </p:nvSpPr>
+        <p:spPr>
+          <a:xfrm>
+            <a:off x="5727121" y="2388813"/>
+            <a:ext cx="981933" cy="369332"/>
+          </a:xfrm>
+          <a:prstGeom prst="rect">
+            <a:avLst/>
+          </a:prstGeom>
+        </p:spPr>
+        <p:style>
+          <a:lnRef idx="2">
+            <a:schemeClr val="accent1">
+              <a:shade val="50000"/>
+            </a:schemeClr>
+          </a:lnRef>
+          <a:fillRef idx="1">
+            <a:schemeClr val="accent1"/>
+          </a:fillRef>
+          <a:effectRef idx="0">
+            <a:schemeClr val="accent1"/>
+          </a:effectRef>
+          <a:fontRef idx="minor">
+            <a:schemeClr val="lt1"/>
+          </a:fontRef>
+        </p:style>
+        <p:txBody>
+          <a:bodyPr wrap="square" rtlCol="0">
+            <a:spAutoFit/>
+          </a:bodyPr>
+          <a:lstStyle/>
+          <a:p>
+            <a:pPr algn="just"/>
+            <a:r>
+              <a:rPr lang="en-US" dirty="0">
+                <a:solidFill>
+                  <a:schemeClr val="bg1"/>
+                </a:solidFill>
+              </a:rPr>
+              <a:t>images</a:t>
+            </a:r>
+          </a:p>
+        </p:txBody>
+      </p:sp>
+      <p:sp>
+        <p:nvSpPr>
+          <p:cNvPr id="19" name="TextBox 18">
+            <a:extLst>
+              <a:ext uri="{FF2B5EF4-FFF2-40B4-BE49-F238E27FC236}">
+                <a16:creationId xmlns:a16="http://schemas.microsoft.com/office/drawing/2014/main" id="{C470DBF2-91A3-475A-B505-FD3B925A2799}"/>
+              </a:ext>
+            </a:extLst>
+          </p:cNvPr>
+          <p:cNvSpPr txBox="1"/>
+          <p:nvPr/>
+        </p:nvSpPr>
+        <p:spPr>
+          <a:xfrm>
+            <a:off x="5419466" y="5098334"/>
+            <a:ext cx="1327047" cy="369332"/>
+          </a:xfrm>
+          <a:prstGeom prst="rect">
+            <a:avLst/>
+          </a:prstGeom>
+        </p:spPr>
+        <p:style>
+          <a:lnRef idx="2">
+            <a:schemeClr val="accent1">
+              <a:shade val="50000"/>
+            </a:schemeClr>
+          </a:lnRef>
+          <a:fillRef idx="1">
+            <a:schemeClr val="accent1"/>
+          </a:fillRef>
+          <a:effectRef idx="0">
+            <a:schemeClr val="accent1"/>
+          </a:effectRef>
+          <a:fontRef idx="minor">
+            <a:schemeClr val="lt1"/>
+          </a:fontRef>
+        </p:style>
+        <p:txBody>
+          <a:bodyPr wrap="square" rtlCol="0">
+            <a:spAutoFit/>
+          </a:bodyPr>
+          <a:lstStyle/>
+          <a:p>
+            <a:pPr algn="just"/>
+            <a:r>
+              <a:rPr lang="en-US" dirty="0">
+                <a:solidFill>
+                  <a:schemeClr val="bg1"/>
+                </a:solidFill>
+              </a:rPr>
+              <a:t>containers</a:t>
+            </a:r>
+          </a:p>
+        </p:txBody>
+      </p:sp>
+      <p:pic>
+        <p:nvPicPr>
+          <p:cNvPr id="20" name="Picture 6" descr="Image result for docker icon">
+            <a:extLst>
+              <a:ext uri="{FF2B5EF4-FFF2-40B4-BE49-F238E27FC236}">
+                <a16:creationId xmlns:a16="http://schemas.microsoft.com/office/drawing/2014/main" id="{D25FD112-11F5-4D51-918B-E3C78719ACC2}"/>
+              </a:ext>
+            </a:extLst>
+          </p:cNvPr>
+          <p:cNvPicPr>
+            <a:picLocks noChangeAspect="1" noChangeArrowheads="1"/>
+          </p:cNvPicPr>
+          <p:nvPr/>
+        </p:nvPicPr>
+        <p:blipFill>
+          <a:blip r:embed="rId2">
+            <a:extLst>
+              <a:ext uri="{28A0092B-C50C-407E-A947-70E740481C1C}">
+                <a14:useLocalDpi xmlns:a14="http://schemas.microsoft.com/office/drawing/2010/main" val="0"/>
+              </a:ext>
+            </a:extLst>
+          </a:blip>
+          <a:srcRect/>
+          <a:stretch>
+            <a:fillRect/>
+          </a:stretch>
+        </p:blipFill>
+        <p:spPr bwMode="auto">
+          <a:xfrm>
+            <a:off x="6374253" y="3021769"/>
+            <a:ext cx="687896" cy="687896"/>
+          </a:xfrm>
+          <a:prstGeom prst="rect">
+            <a:avLst/>
+          </a:prstGeom>
+          <a:noFill/>
+          <a:extLst>
+            <a:ext uri="{909E8E84-426E-40DD-AFC4-6F175D3DCCD1}">
+              <a14:hiddenFill xmlns:a14="http://schemas.microsoft.com/office/drawing/2010/main">
+                <a:solidFill>
+                  <a:srgbClr val="FFFFFF"/>
+                </a:solidFill>
+              </a14:hiddenFill>
+            </a:ext>
+          </a:extLst>
+        </p:spPr>
+      </p:pic>
+      <p:pic>
+        <p:nvPicPr>
+          <p:cNvPr id="21" name="Picture 6" descr="Image result for docker icon">
+            <a:extLst>
+              <a:ext uri="{FF2B5EF4-FFF2-40B4-BE49-F238E27FC236}">
+                <a16:creationId xmlns:a16="http://schemas.microsoft.com/office/drawing/2014/main" id="{1BF1DE64-D534-4347-9E0E-0366B4A442B0}"/>
+              </a:ext>
+            </a:extLst>
+          </p:cNvPr>
+          <p:cNvPicPr>
+            <a:picLocks noChangeAspect="1" noChangeArrowheads="1"/>
+          </p:cNvPicPr>
+          <p:nvPr/>
+        </p:nvPicPr>
+        <p:blipFill>
+          <a:blip r:embed="rId2">
+            <a:extLst>
+              <a:ext uri="{28A0092B-C50C-407E-A947-70E740481C1C}">
+                <a14:useLocalDpi xmlns:a14="http://schemas.microsoft.com/office/drawing/2010/main" val="0"/>
+              </a:ext>
+            </a:extLst>
+          </a:blip>
+          <a:srcRect/>
+          <a:stretch>
+            <a:fillRect/>
+          </a:stretch>
+        </p:blipFill>
+        <p:spPr bwMode="auto">
+          <a:xfrm>
+            <a:off x="4964375" y="2988476"/>
+            <a:ext cx="687896" cy="687896"/>
+          </a:xfrm>
+          <a:prstGeom prst="rect">
+            <a:avLst/>
+          </a:prstGeom>
+          <a:noFill/>
+          <a:extLst>
+            <a:ext uri="{909E8E84-426E-40DD-AFC4-6F175D3DCCD1}">
+              <a14:hiddenFill xmlns:a14="http://schemas.microsoft.com/office/drawing/2010/main">
+                <a:solidFill>
+                  <a:srgbClr val="FFFFFF"/>
+                </a:solidFill>
+              </a14:hiddenFill>
+            </a:ext>
+          </a:extLst>
+        </p:spPr>
+      </p:pic>
+      <p:sp>
+        <p:nvSpPr>
+          <p:cNvPr id="22" name="Rectangle: Rounded Corners 21">
+            <a:extLst>
+              <a:ext uri="{FF2B5EF4-FFF2-40B4-BE49-F238E27FC236}">
+                <a16:creationId xmlns:a16="http://schemas.microsoft.com/office/drawing/2014/main" id="{F73455D4-15F5-4FE1-AB55-E4EA4884FCF4}"/>
+              </a:ext>
+            </a:extLst>
+          </p:cNvPr>
+          <p:cNvSpPr/>
+          <p:nvPr/>
+        </p:nvSpPr>
+        <p:spPr>
+          <a:xfrm>
+            <a:off x="5040350" y="1441651"/>
+            <a:ext cx="2943281" cy="546848"/>
+          </a:xfrm>
+          <a:prstGeom prst="roundRect">
+            <a:avLst/>
+          </a:prstGeom>
+        </p:spPr>
+        <p:style>
+          <a:lnRef idx="2">
+            <a:schemeClr val="accent1">
+              <a:shade val="50000"/>
+            </a:schemeClr>
+          </a:lnRef>
+          <a:fillRef idx="1">
+            <a:schemeClr val="accent1"/>
+          </a:fillRef>
+          <a:effectRef idx="0">
+            <a:schemeClr val="accent1"/>
+          </a:effectRef>
+          <a:fontRef idx="minor">
+            <a:schemeClr val="lt1"/>
+          </a:fontRef>
+        </p:style>
+        <p:txBody>
+          <a:bodyPr rtlCol="0" anchor="ctr"/>
+          <a:lstStyle/>
+          <a:p>
+            <a:pPr algn="ctr"/>
+            <a:r>
+              <a:rPr lang="en-US" dirty="0">
+                <a:solidFill>
+                  <a:schemeClr val="bg1"/>
+                </a:solidFill>
+              </a:rPr>
+              <a:t>docker daemon</a:t>
+            </a:r>
+          </a:p>
+        </p:txBody>
+      </p:sp>
+      <p:sp>
+        <p:nvSpPr>
+          <p:cNvPr id="25" name="TextBox 24">
+            <a:extLst>
+              <a:ext uri="{FF2B5EF4-FFF2-40B4-BE49-F238E27FC236}">
+                <a16:creationId xmlns:a16="http://schemas.microsoft.com/office/drawing/2014/main" id="{CE9B009E-B222-4671-A63D-3D65224AF6CE}"/>
+              </a:ext>
+            </a:extLst>
+          </p:cNvPr>
+          <p:cNvSpPr txBox="1"/>
+          <p:nvPr/>
+        </p:nvSpPr>
+        <p:spPr>
+          <a:xfrm>
+            <a:off x="2865862" y="3759081"/>
+            <a:ext cx="1499870" cy="369332"/>
+          </a:xfrm>
+          <a:prstGeom prst="rect">
+            <a:avLst/>
+          </a:prstGeom>
+        </p:spPr>
+        <p:style>
+          <a:lnRef idx="2">
+            <a:schemeClr val="accent1">
+              <a:shade val="50000"/>
+            </a:schemeClr>
+          </a:lnRef>
+          <a:fillRef idx="1">
+            <a:schemeClr val="accent1"/>
+          </a:fillRef>
+          <a:effectRef idx="0">
+            <a:schemeClr val="accent1"/>
+          </a:effectRef>
+          <a:fontRef idx="minor">
+            <a:schemeClr val="lt1"/>
+          </a:fontRef>
+        </p:style>
+        <p:txBody>
+          <a:bodyPr wrap="square" rtlCol="0">
+            <a:spAutoFit/>
+          </a:bodyPr>
+          <a:lstStyle/>
+          <a:p>
+            <a:r>
+              <a:rPr lang="en-US" dirty="0">
+                <a:solidFill>
+                  <a:schemeClr val="bg1"/>
+                </a:solidFill>
+              </a:rPr>
+              <a:t>docker push</a:t>
+            </a:r>
+          </a:p>
+        </p:txBody>
+      </p:sp>
+      <p:cxnSp>
+        <p:nvCxnSpPr>
+          <p:cNvPr id="29" name="Connector: Elbow 28">
+            <a:extLst>
+              <a:ext uri="{FF2B5EF4-FFF2-40B4-BE49-F238E27FC236}">
+                <a16:creationId xmlns:a16="http://schemas.microsoft.com/office/drawing/2014/main" id="{77C3047E-40F6-4A16-897D-20E6FCC46187}"/>
+              </a:ext>
+            </a:extLst>
+          </p:cNvPr>
+          <p:cNvCxnSpPr>
+            <a:cxnSpLocks/>
+            <a:stCxn id="9" idx="1"/>
+            <a:endCxn id="14" idx="3"/>
+          </p:cNvCxnSpPr>
+          <p:nvPr/>
+        </p:nvCxnSpPr>
+        <p:spPr>
+          <a:xfrm rot="10800000" flipV="1">
+            <a:off x="9143026" y="2585936"/>
+            <a:ext cx="651414" cy="706440"/>
+          </a:xfrm>
+          <a:prstGeom prst="bentConnector3">
+            <a:avLst/>
+          </a:prstGeom>
+          <a:ln>
+            <a:tailEnd type="triangle"/>
+          </a:ln>
+        </p:spPr>
+        <p:style>
+          <a:lnRef idx="1">
+            <a:schemeClr val="accent1"/>
+          </a:lnRef>
+          <a:fillRef idx="0">
+            <a:schemeClr val="accent1"/>
+          </a:fillRef>
+          <a:effectRef idx="0">
+            <a:schemeClr val="accent1"/>
+          </a:effectRef>
+          <a:fontRef idx="minor">
+            <a:schemeClr val="tx1"/>
+          </a:fontRef>
+        </p:style>
+      </p:cxnSp>
+      <p:cxnSp>
+        <p:nvCxnSpPr>
+          <p:cNvPr id="31" name="Connector: Elbow 30">
+            <a:extLst>
+              <a:ext uri="{FF2B5EF4-FFF2-40B4-BE49-F238E27FC236}">
+                <a16:creationId xmlns:a16="http://schemas.microsoft.com/office/drawing/2014/main" id="{928901DD-5A2F-4ACD-90A3-A82741A5EF97}"/>
+              </a:ext>
+            </a:extLst>
+          </p:cNvPr>
+          <p:cNvCxnSpPr>
+            <a:cxnSpLocks/>
+            <a:stCxn id="14" idx="1"/>
+            <a:endCxn id="20" idx="3"/>
+          </p:cNvCxnSpPr>
+          <p:nvPr/>
+        </p:nvCxnSpPr>
+        <p:spPr>
+          <a:xfrm rot="10800000" flipV="1">
+            <a:off x="7062149" y="3292375"/>
+            <a:ext cx="651414" cy="73341"/>
+          </a:xfrm>
+          <a:prstGeom prst="bentConnector3">
+            <a:avLst/>
+          </a:prstGeom>
+          <a:ln>
+            <a:tailEnd type="triangle"/>
+          </a:ln>
+        </p:spPr>
+        <p:style>
+          <a:lnRef idx="1">
+            <a:schemeClr val="accent1"/>
+          </a:lnRef>
+          <a:fillRef idx="0">
+            <a:schemeClr val="accent1"/>
+          </a:fillRef>
+          <a:effectRef idx="0">
+            <a:schemeClr val="accent1"/>
+          </a:effectRef>
+          <a:fontRef idx="minor">
+            <a:schemeClr val="tx1"/>
+          </a:fontRef>
+        </p:style>
+      </p:cxnSp>
+      <p:cxnSp>
+        <p:nvCxnSpPr>
+          <p:cNvPr id="33" name="Connector: Elbow 32">
+            <a:extLst>
+              <a:ext uri="{FF2B5EF4-FFF2-40B4-BE49-F238E27FC236}">
+                <a16:creationId xmlns:a16="http://schemas.microsoft.com/office/drawing/2014/main" id="{73736582-B9E6-4031-850F-24FB24771777}"/>
+              </a:ext>
+            </a:extLst>
+          </p:cNvPr>
+          <p:cNvCxnSpPr>
+            <a:cxnSpLocks/>
+            <a:stCxn id="7" idx="3"/>
+            <a:endCxn id="13" idx="1"/>
+          </p:cNvCxnSpPr>
+          <p:nvPr/>
+        </p:nvCxnSpPr>
+        <p:spPr>
+          <a:xfrm>
+            <a:off x="2620536" y="2419815"/>
+            <a:ext cx="245326" cy="833217"/>
+          </a:xfrm>
+          <a:prstGeom prst="bentConnector3">
+            <a:avLst/>
+          </a:prstGeom>
+          <a:ln>
+            <a:tailEnd type="triangle"/>
+          </a:ln>
+        </p:spPr>
+        <p:style>
+          <a:lnRef idx="1">
+            <a:schemeClr val="accent1"/>
+          </a:lnRef>
+          <a:fillRef idx="0">
+            <a:schemeClr val="accent1"/>
+          </a:fillRef>
+          <a:effectRef idx="0">
+            <a:schemeClr val="accent1"/>
+          </a:effectRef>
+          <a:fontRef idx="minor">
+            <a:schemeClr val="tx1"/>
+          </a:fontRef>
+        </p:style>
+      </p:cxnSp>
+      <p:cxnSp>
+        <p:nvCxnSpPr>
+          <p:cNvPr id="35" name="Connector: Elbow 34">
+            <a:extLst>
+              <a:ext uri="{FF2B5EF4-FFF2-40B4-BE49-F238E27FC236}">
+                <a16:creationId xmlns:a16="http://schemas.microsoft.com/office/drawing/2014/main" id="{E8B244ED-E620-459F-B9AA-CFAC8AB4D6A4}"/>
+              </a:ext>
+            </a:extLst>
+          </p:cNvPr>
+          <p:cNvCxnSpPr>
+            <a:cxnSpLocks/>
+            <a:stCxn id="25" idx="3"/>
+            <a:endCxn id="21" idx="2"/>
+          </p:cNvCxnSpPr>
+          <p:nvPr/>
+        </p:nvCxnSpPr>
+        <p:spPr>
+          <a:xfrm flipV="1">
+            <a:off x="4365732" y="3676372"/>
+            <a:ext cx="942591" cy="267375"/>
+          </a:xfrm>
+          <a:prstGeom prst="bentConnector2">
+            <a:avLst/>
+          </a:prstGeom>
+          <a:ln>
+            <a:tailEnd type="triangle"/>
+          </a:ln>
+        </p:spPr>
+        <p:style>
+          <a:lnRef idx="1">
+            <a:schemeClr val="accent1"/>
+          </a:lnRef>
+          <a:fillRef idx="0">
+            <a:schemeClr val="accent1"/>
+          </a:fillRef>
+          <a:effectRef idx="0">
+            <a:schemeClr val="accent1"/>
+          </a:effectRef>
+          <a:fontRef idx="minor">
+            <a:schemeClr val="tx1"/>
+          </a:fontRef>
+        </p:style>
+      </p:cxnSp>
+      <p:cxnSp>
+        <p:nvCxnSpPr>
+          <p:cNvPr id="37" name="Connector: Elbow 36">
+            <a:extLst>
+              <a:ext uri="{FF2B5EF4-FFF2-40B4-BE49-F238E27FC236}">
+                <a16:creationId xmlns:a16="http://schemas.microsoft.com/office/drawing/2014/main" id="{76ABCB60-5575-4B03-AD52-2FFAF8302EBF}"/>
+              </a:ext>
+            </a:extLst>
+          </p:cNvPr>
+          <p:cNvCxnSpPr>
+            <a:cxnSpLocks/>
+            <a:stCxn id="21" idx="2"/>
+            <a:endCxn id="9" idx="2"/>
+          </p:cNvCxnSpPr>
+          <p:nvPr/>
+        </p:nvCxnSpPr>
+        <p:spPr>
+          <a:xfrm rot="16200000" flipH="1">
+            <a:off x="8079873" y="904821"/>
+            <a:ext cx="35837" cy="5578937"/>
+          </a:xfrm>
+          <a:prstGeom prst="bentConnector3">
+            <a:avLst>
+              <a:gd name="adj1" fmla="val 737888"/>
+            </a:avLst>
+          </a:prstGeom>
+          <a:ln>
+            <a:tailEnd type="triangle"/>
+          </a:ln>
+        </p:spPr>
+        <p:style>
+          <a:lnRef idx="1">
+            <a:schemeClr val="accent1"/>
+          </a:lnRef>
+          <a:fillRef idx="0">
+            <a:schemeClr val="accent1"/>
+          </a:fillRef>
+          <a:effectRef idx="0">
+            <a:schemeClr val="accent1"/>
+          </a:effectRef>
+          <a:fontRef idx="minor">
+            <a:schemeClr val="tx1"/>
+          </a:fontRef>
+        </p:style>
+      </p:cxnSp>
+      <p:cxnSp>
+        <p:nvCxnSpPr>
+          <p:cNvPr id="41" name="Connector: Elbow 40">
+            <a:extLst>
+              <a:ext uri="{FF2B5EF4-FFF2-40B4-BE49-F238E27FC236}">
+                <a16:creationId xmlns:a16="http://schemas.microsoft.com/office/drawing/2014/main" id="{8C1B924F-165E-42F2-9BF2-D66147DD5913}"/>
+              </a:ext>
+            </a:extLst>
+          </p:cNvPr>
+          <p:cNvCxnSpPr>
+            <a:cxnSpLocks/>
+            <a:stCxn id="13" idx="3"/>
+            <a:endCxn id="21" idx="0"/>
+          </p:cNvCxnSpPr>
+          <p:nvPr/>
+        </p:nvCxnSpPr>
+        <p:spPr>
+          <a:xfrm flipV="1">
+            <a:off x="4483131" y="2988476"/>
+            <a:ext cx="825192" cy="264556"/>
+          </a:xfrm>
+          <a:prstGeom prst="bentConnector4">
+            <a:avLst>
+              <a:gd name="adj1" fmla="val 29160"/>
+              <a:gd name="adj2" fmla="val 186409"/>
+            </a:avLst>
+          </a:prstGeom>
+          <a:ln>
+            <a:tailEnd type="triangle"/>
+          </a:ln>
+        </p:spPr>
+        <p:style>
+          <a:lnRef idx="1">
+            <a:schemeClr val="accent1"/>
+          </a:lnRef>
+          <a:fillRef idx="0">
+            <a:schemeClr val="accent1"/>
+          </a:fillRef>
+          <a:effectRef idx="0">
+            <a:schemeClr val="accent1"/>
+          </a:effectRef>
+          <a:fontRef idx="minor">
+            <a:schemeClr val="tx1"/>
+          </a:fontRef>
+        </p:style>
+      </p:cxnSp>
+      <p:sp>
+        <p:nvSpPr>
+          <p:cNvPr id="42" name="TextBox 41">
+            <a:extLst>
+              <a:ext uri="{FF2B5EF4-FFF2-40B4-BE49-F238E27FC236}">
+                <a16:creationId xmlns:a16="http://schemas.microsoft.com/office/drawing/2014/main" id="{E7EDDE3E-A825-44B4-AFE8-7F33CE998DFB}"/>
+              </a:ext>
+            </a:extLst>
+          </p:cNvPr>
+          <p:cNvSpPr txBox="1"/>
+          <p:nvPr/>
+        </p:nvSpPr>
+        <p:spPr>
+          <a:xfrm>
+            <a:off x="2865862" y="4556494"/>
+            <a:ext cx="1433933" cy="369332"/>
+          </a:xfrm>
+          <a:prstGeom prst="rect">
+            <a:avLst/>
+          </a:prstGeom>
+        </p:spPr>
+        <p:style>
+          <a:lnRef idx="2">
+            <a:schemeClr val="accent1">
+              <a:shade val="50000"/>
+            </a:schemeClr>
+          </a:lnRef>
+          <a:fillRef idx="1">
+            <a:schemeClr val="accent1"/>
+          </a:fillRef>
+          <a:effectRef idx="0">
+            <a:schemeClr val="accent1"/>
+          </a:effectRef>
+          <a:fontRef idx="minor">
+            <a:schemeClr val="lt1"/>
+          </a:fontRef>
+        </p:style>
+        <p:txBody>
+          <a:bodyPr wrap="square" rtlCol="0">
+            <a:spAutoFit/>
+          </a:bodyPr>
+          <a:lstStyle/>
+          <a:p>
+            <a:r>
+              <a:rPr lang="en-US" dirty="0">
+                <a:solidFill>
+                  <a:schemeClr val="bg1"/>
+                </a:solidFill>
+              </a:rPr>
+              <a:t>docker run</a:t>
+            </a:r>
+          </a:p>
+        </p:txBody>
+      </p:sp>
+      <p:pic>
+        <p:nvPicPr>
+          <p:cNvPr id="45" name="Picture 2" descr="Image result for docker icon">
+            <a:extLst>
+              <a:ext uri="{FF2B5EF4-FFF2-40B4-BE49-F238E27FC236}">
+                <a16:creationId xmlns:a16="http://schemas.microsoft.com/office/drawing/2014/main" id="{A9BA1D07-8778-4116-A969-957D3BECDC07}"/>
+              </a:ext>
+            </a:extLst>
+          </p:cNvPr>
+          <p:cNvPicPr>
+            <a:picLocks noChangeAspect="1" noChangeArrowheads="1"/>
+          </p:cNvPicPr>
+          <p:nvPr/>
+        </p:nvPicPr>
+        <p:blipFill>
+          <a:blip r:embed="rId3">
+            <a:extLst>
+              <a:ext uri="{28A0092B-C50C-407E-A947-70E740481C1C}">
+                <a14:useLocalDpi xmlns:a14="http://schemas.microsoft.com/office/drawing/2010/main" val="0"/>
+              </a:ext>
+            </a:extLst>
+          </a:blip>
+          <a:srcRect/>
+          <a:stretch>
+            <a:fillRect/>
+          </a:stretch>
+        </p:blipFill>
+        <p:spPr bwMode="auto">
+          <a:xfrm>
+            <a:off x="669073" y="1373474"/>
+            <a:ext cx="862361" cy="858528"/>
+          </a:xfrm>
+          <a:prstGeom prst="rect">
+            <a:avLst/>
+          </a:prstGeom>
+          <a:noFill/>
+          <a:extLst>
+            <a:ext uri="{909E8E84-426E-40DD-AFC4-6F175D3DCCD1}">
+              <a14:hiddenFill xmlns:a14="http://schemas.microsoft.com/office/drawing/2010/main">
+                <a:solidFill>
+                  <a:srgbClr val="FFFFFF"/>
+                </a:solidFill>
+              </a14:hiddenFill>
+            </a:ext>
+          </a:extLst>
+        </p:spPr>
+      </p:pic>
+      <p:pic>
+        <p:nvPicPr>
+          <p:cNvPr id="46" name="Picture 2" descr="Image result for docker icon">
+            <a:extLst>
+              <a:ext uri="{FF2B5EF4-FFF2-40B4-BE49-F238E27FC236}">
+                <a16:creationId xmlns:a16="http://schemas.microsoft.com/office/drawing/2014/main" id="{D1FF936E-CE1D-435F-8BD1-2914B30B463B}"/>
+              </a:ext>
+            </a:extLst>
+          </p:cNvPr>
+          <p:cNvPicPr>
+            <a:picLocks noChangeAspect="1" noChangeArrowheads="1"/>
+          </p:cNvPicPr>
+          <p:nvPr/>
+        </p:nvPicPr>
+        <p:blipFill>
+          <a:blip r:embed="rId3">
+            <a:extLst>
+              <a:ext uri="{28A0092B-C50C-407E-A947-70E740481C1C}">
+                <a14:useLocalDpi xmlns:a14="http://schemas.microsoft.com/office/drawing/2010/main" val="0"/>
+              </a:ext>
+            </a:extLst>
+          </a:blip>
+          <a:srcRect/>
+          <a:stretch>
+            <a:fillRect/>
+          </a:stretch>
+        </p:blipFill>
+        <p:spPr bwMode="auto">
+          <a:xfrm>
+            <a:off x="4038717" y="1354202"/>
+            <a:ext cx="862361" cy="858528"/>
+          </a:xfrm>
+          <a:prstGeom prst="rect">
+            <a:avLst/>
+          </a:prstGeom>
+          <a:noFill/>
+          <a:extLst>
+            <a:ext uri="{909E8E84-426E-40DD-AFC4-6F175D3DCCD1}">
+              <a14:hiddenFill xmlns:a14="http://schemas.microsoft.com/office/drawing/2010/main">
+                <a:solidFill>
+                  <a:srgbClr val="FFFFFF"/>
+                </a:solidFill>
+              </a14:hiddenFill>
+            </a:ext>
+          </a:extLst>
+        </p:spPr>
+      </p:pic>
+      <p:sp>
+        <p:nvSpPr>
+          <p:cNvPr id="57" name="TextBox 56">
+            <a:extLst>
+              <a:ext uri="{FF2B5EF4-FFF2-40B4-BE49-F238E27FC236}">
+                <a16:creationId xmlns:a16="http://schemas.microsoft.com/office/drawing/2014/main" id="{FEB4B8D7-EDD2-4E40-BB4B-CA1125F4B182}"/>
+              </a:ext>
+            </a:extLst>
+          </p:cNvPr>
+          <p:cNvSpPr txBox="1"/>
+          <p:nvPr/>
+        </p:nvSpPr>
+        <p:spPr>
+          <a:xfrm>
+            <a:off x="7650594" y="4540490"/>
+            <a:ext cx="1433933" cy="369332"/>
+          </a:xfrm>
+          <a:prstGeom prst="rect">
+            <a:avLst/>
+          </a:prstGeom>
+        </p:spPr>
+        <p:style>
+          <a:lnRef idx="2">
+            <a:schemeClr val="accent1">
+              <a:shade val="50000"/>
+            </a:schemeClr>
+          </a:lnRef>
+          <a:fillRef idx="1">
+            <a:schemeClr val="accent1"/>
+          </a:fillRef>
+          <a:effectRef idx="0">
+            <a:schemeClr val="accent1"/>
+          </a:effectRef>
+          <a:fontRef idx="minor">
+            <a:schemeClr val="lt1"/>
+          </a:fontRef>
+        </p:style>
+        <p:txBody>
+          <a:bodyPr wrap="square" rtlCol="0">
+            <a:spAutoFit/>
+          </a:bodyPr>
+          <a:lstStyle/>
+          <a:p>
+            <a:r>
+              <a:rPr lang="en-US" dirty="0">
+                <a:solidFill>
+                  <a:schemeClr val="bg1"/>
+                </a:solidFill>
+              </a:rPr>
+              <a:t>docker run</a:t>
+            </a:r>
+          </a:p>
+        </p:txBody>
+      </p:sp>
+      <p:pic>
+        <p:nvPicPr>
+          <p:cNvPr id="58" name="Picture 10" descr="Image result for docker icon">
+            <a:extLst>
+              <a:ext uri="{FF2B5EF4-FFF2-40B4-BE49-F238E27FC236}">
+                <a16:creationId xmlns:a16="http://schemas.microsoft.com/office/drawing/2014/main" id="{9AF43580-8224-48E9-B2A1-1A7E47A74775}"/>
+              </a:ext>
+            </a:extLst>
+          </p:cNvPr>
+          <p:cNvPicPr>
+            <a:picLocks noChangeAspect="1" noChangeArrowheads="1"/>
+          </p:cNvPicPr>
+          <p:nvPr/>
+        </p:nvPicPr>
+        <p:blipFill>
+          <a:blip r:embed="rId4">
+            <a:extLst>
+              <a:ext uri="{28A0092B-C50C-407E-A947-70E740481C1C}">
+                <a14:useLocalDpi xmlns:a14="http://schemas.microsoft.com/office/drawing/2010/main" val="0"/>
+              </a:ext>
+            </a:extLst>
+          </a:blip>
+          <a:srcRect/>
+          <a:stretch>
+            <a:fillRect/>
+          </a:stretch>
+        </p:blipFill>
+        <p:spPr bwMode="auto">
+          <a:xfrm>
+            <a:off x="4777130" y="5567978"/>
+            <a:ext cx="1026826" cy="1026826"/>
+          </a:xfrm>
+          <a:prstGeom prst="rect">
+            <a:avLst/>
+          </a:prstGeom>
+          <a:noFill/>
+          <a:extLst>
+            <a:ext uri="{909E8E84-426E-40DD-AFC4-6F175D3DCCD1}">
+              <a14:hiddenFill xmlns:a14="http://schemas.microsoft.com/office/drawing/2010/main">
+                <a:solidFill>
+                  <a:srgbClr val="FFFFFF"/>
+                </a:solidFill>
+              </a14:hiddenFill>
+            </a:ext>
+          </a:extLst>
+        </p:spPr>
+      </p:pic>
+      <p:pic>
+        <p:nvPicPr>
+          <p:cNvPr id="59" name="Picture 10" descr="Image result for docker icon">
+            <a:extLst>
+              <a:ext uri="{FF2B5EF4-FFF2-40B4-BE49-F238E27FC236}">
+                <a16:creationId xmlns:a16="http://schemas.microsoft.com/office/drawing/2014/main" id="{61CBEC8C-4EDC-4945-8C6F-4102912E8532}"/>
+              </a:ext>
+            </a:extLst>
+          </p:cNvPr>
+          <p:cNvPicPr>
+            <a:picLocks noChangeAspect="1" noChangeArrowheads="1"/>
+          </p:cNvPicPr>
+          <p:nvPr/>
+        </p:nvPicPr>
+        <p:blipFill>
+          <a:blip r:embed="rId4">
+            <a:extLst>
+              <a:ext uri="{28A0092B-C50C-407E-A947-70E740481C1C}">
+                <a14:useLocalDpi xmlns:a14="http://schemas.microsoft.com/office/drawing/2010/main" val="0"/>
+              </a:ext>
+            </a:extLst>
+          </a:blip>
+          <a:srcRect/>
+          <a:stretch>
+            <a:fillRect/>
+          </a:stretch>
+        </p:blipFill>
+        <p:spPr bwMode="auto">
+          <a:xfrm>
+            <a:off x="6352377" y="5504500"/>
+            <a:ext cx="1044194" cy="1044194"/>
+          </a:xfrm>
+          <a:prstGeom prst="rect">
+            <a:avLst/>
+          </a:prstGeom>
+          <a:noFill/>
+          <a:extLst>
+            <a:ext uri="{909E8E84-426E-40DD-AFC4-6F175D3DCCD1}">
+              <a14:hiddenFill xmlns:a14="http://schemas.microsoft.com/office/drawing/2010/main">
+                <a:solidFill>
+                  <a:srgbClr val="FFFFFF"/>
+                </a:solidFill>
+              </a14:hiddenFill>
+            </a:ext>
+          </a:extLst>
+        </p:spPr>
+      </p:pic>
+      <p:cxnSp>
+        <p:nvCxnSpPr>
+          <p:cNvPr id="56" name="Connector: Elbow 55">
+            <a:extLst>
+              <a:ext uri="{FF2B5EF4-FFF2-40B4-BE49-F238E27FC236}">
+                <a16:creationId xmlns:a16="http://schemas.microsoft.com/office/drawing/2014/main" id="{606783E8-7E95-4BFE-AE03-4BA030DDA4F9}"/>
+              </a:ext>
+            </a:extLst>
+          </p:cNvPr>
+          <p:cNvCxnSpPr>
+            <a:stCxn id="20" idx="2"/>
+            <a:endCxn id="57" idx="1"/>
+          </p:cNvCxnSpPr>
+          <p:nvPr/>
+        </p:nvCxnSpPr>
+        <p:spPr>
+          <a:xfrm rot="16200000" flipH="1">
+            <a:off x="6676652" y="3751213"/>
+            <a:ext cx="1015491" cy="932393"/>
+          </a:xfrm>
+          <a:prstGeom prst="bentConnector2">
+            <a:avLst/>
+          </a:prstGeom>
+          <a:ln w="9525" cap="flat" cmpd="sng" algn="ctr">
+            <a:solidFill>
+              <a:schemeClr val="accent1"/>
+            </a:solidFill>
+            <a:prstDash val="dash"/>
+            <a:round/>
+            <a:headEnd type="none" w="med" len="med"/>
+            <a:tailEnd type="none" w="med" len="med"/>
+          </a:ln>
+        </p:spPr>
+        <p:style>
+          <a:lnRef idx="0">
+            <a:scrgbClr r="0" g="0" b="0"/>
+          </a:lnRef>
+          <a:fillRef idx="0">
+            <a:scrgbClr r="0" g="0" b="0"/>
+          </a:fillRef>
+          <a:effectRef idx="0">
+            <a:scrgbClr r="0" g="0" b="0"/>
+          </a:effectRef>
+          <a:fontRef idx="minor">
+            <a:schemeClr val="tx1"/>
+          </a:fontRef>
+        </p:style>
+      </p:cxnSp>
+      <p:cxnSp>
+        <p:nvCxnSpPr>
+          <p:cNvPr id="62" name="Connector: Elbow 61">
+            <a:extLst>
+              <a:ext uri="{FF2B5EF4-FFF2-40B4-BE49-F238E27FC236}">
+                <a16:creationId xmlns:a16="http://schemas.microsoft.com/office/drawing/2014/main" id="{B587623A-7E9A-4567-99A1-785F89ABB507}"/>
+              </a:ext>
+            </a:extLst>
+          </p:cNvPr>
+          <p:cNvCxnSpPr>
+            <a:cxnSpLocks/>
+            <a:stCxn id="59" idx="3"/>
+            <a:endCxn id="57" idx="2"/>
+          </p:cNvCxnSpPr>
+          <p:nvPr/>
+        </p:nvCxnSpPr>
+        <p:spPr>
+          <a:xfrm flipV="1">
+            <a:off x="7396571" y="4909822"/>
+            <a:ext cx="970990" cy="1116775"/>
+          </a:xfrm>
+          <a:prstGeom prst="bentConnector2">
+            <a:avLst/>
+          </a:prstGeom>
+          <a:ln w="9525" cap="flat" cmpd="sng" algn="ctr">
+            <a:solidFill>
+              <a:schemeClr val="accent1"/>
+            </a:solidFill>
+            <a:prstDash val="dash"/>
+            <a:round/>
+            <a:headEnd type="none" w="med" len="med"/>
+            <a:tailEnd type="none" w="med" len="med"/>
+          </a:ln>
+        </p:spPr>
+        <p:style>
+          <a:lnRef idx="0">
+            <a:scrgbClr r="0" g="0" b="0"/>
+          </a:lnRef>
+          <a:fillRef idx="0">
+            <a:scrgbClr r="0" g="0" b="0"/>
+          </a:fillRef>
+          <a:effectRef idx="0">
+            <a:scrgbClr r="0" g="0" b="0"/>
+          </a:effectRef>
+          <a:fontRef idx="minor">
+            <a:schemeClr val="tx1"/>
+          </a:fontRef>
+        </p:style>
+      </p:cxnSp>
+      <p:cxnSp>
+        <p:nvCxnSpPr>
+          <p:cNvPr id="70" name="Connector: Elbow 69">
+            <a:extLst>
+              <a:ext uri="{FF2B5EF4-FFF2-40B4-BE49-F238E27FC236}">
+                <a16:creationId xmlns:a16="http://schemas.microsoft.com/office/drawing/2014/main" id="{31759DD9-931F-45AA-A3FF-85D11228C429}"/>
+              </a:ext>
+            </a:extLst>
+          </p:cNvPr>
+          <p:cNvCxnSpPr>
+            <a:cxnSpLocks/>
+            <a:stCxn id="21" idx="3"/>
+            <a:endCxn id="42" idx="3"/>
+          </p:cNvCxnSpPr>
+          <p:nvPr/>
+        </p:nvCxnSpPr>
+        <p:spPr>
+          <a:xfrm flipH="1">
+            <a:off x="4299795" y="3332424"/>
+            <a:ext cx="1352476" cy="1408736"/>
+          </a:xfrm>
+          <a:prstGeom prst="bentConnector3">
+            <a:avLst>
+              <a:gd name="adj1" fmla="val -16902"/>
+            </a:avLst>
+          </a:prstGeom>
+          <a:ln w="9525" cap="flat" cmpd="sng" algn="ctr">
+            <a:solidFill>
+              <a:schemeClr val="accent1"/>
+            </a:solidFill>
+            <a:prstDash val="dash"/>
+            <a:round/>
+            <a:headEnd type="none" w="med" len="med"/>
+            <a:tailEnd type="none" w="med" len="med"/>
+          </a:ln>
+        </p:spPr>
+        <p:style>
+          <a:lnRef idx="0">
+            <a:scrgbClr r="0" g="0" b="0"/>
+          </a:lnRef>
+          <a:fillRef idx="0">
+            <a:scrgbClr r="0" g="0" b="0"/>
+          </a:fillRef>
+          <a:effectRef idx="0">
+            <a:scrgbClr r="0" g="0" b="0"/>
+          </a:effectRef>
+          <a:fontRef idx="minor">
+            <a:schemeClr val="tx1"/>
+          </a:fontRef>
+        </p:style>
+      </p:cxnSp>
+      <p:cxnSp>
+        <p:nvCxnSpPr>
+          <p:cNvPr id="73" name="Connector: Elbow 72">
+            <a:extLst>
+              <a:ext uri="{FF2B5EF4-FFF2-40B4-BE49-F238E27FC236}">
+                <a16:creationId xmlns:a16="http://schemas.microsoft.com/office/drawing/2014/main" id="{80B469B1-EC66-4B53-933F-DD2CDAD1BAEA}"/>
+              </a:ext>
+            </a:extLst>
+          </p:cNvPr>
+          <p:cNvCxnSpPr>
+            <a:cxnSpLocks/>
+            <a:endCxn id="58" idx="1"/>
+          </p:cNvCxnSpPr>
+          <p:nvPr/>
+        </p:nvCxnSpPr>
+        <p:spPr>
+          <a:xfrm rot="16200000" flipH="1">
+            <a:off x="3783955" y="5088216"/>
+            <a:ext cx="1153780" cy="832569"/>
+          </a:xfrm>
+          <a:prstGeom prst="bentConnector2">
+            <a:avLst/>
+          </a:prstGeom>
+          <a:ln w="9525" cap="flat" cmpd="sng" algn="ctr">
+            <a:solidFill>
+              <a:schemeClr val="accent1"/>
+            </a:solidFill>
+            <a:prstDash val="dash"/>
+            <a:round/>
+            <a:headEnd type="none" w="med" len="med"/>
+            <a:tailEnd type="none" w="med" len="med"/>
+          </a:ln>
+        </p:spPr>
+        <p:style>
+          <a:lnRef idx="0">
+            <a:scrgbClr r="0" g="0" b="0"/>
+          </a:lnRef>
+          <a:fillRef idx="0">
+            <a:scrgbClr r="0" g="0" b="0"/>
+          </a:fillRef>
+          <a:effectRef idx="0">
+            <a:scrgbClr r="0" g="0" b="0"/>
+          </a:effectRef>
+          <a:fontRef idx="minor">
+            <a:schemeClr val="tx1"/>
+          </a:fontRef>
+        </p:style>
+      </p:cxnSp>
+    </p:spTree>
+    <p:extLst>
+      <p:ext uri="{BB962C8B-B14F-4D97-AF65-F5344CB8AC3E}">
+        <p14:creationId xmlns:p14="http://schemas.microsoft.com/office/powerpoint/2010/main" val="2200282149"/>
+      </p:ext>
+    </p:extLst>
+  </p:cSld>
+  <p:clrMapOvr>
+    <a:masterClrMapping/>
+  </p:clrMapOvr>
+</p:sld>
+</file>
+
+<file path=ppt/slides/slide6.xml><?xml version="1.0" encoding="utf-8"?>
+<p:sld xmlns:a="http://schemas.openxmlformats.org/drawingml/2006/main" xmlns:r="http://schemas.openxmlformats.org/officeDocument/2006/relationships" xmlns:p="http://schemas.openxmlformats.org/presentationml/2006/main">
+  <p:cSld>
+    <p:spTree>
+      <p:nvGrpSpPr>
+        <p:cNvPr id="1" name=""/>
+        <p:cNvGrpSpPr/>
+        <p:nvPr/>
+      </p:nvGrpSpPr>
+      <p:grpSpPr>
+        <a:xfrm>
+          <a:off x="0" y="0"/>
+          <a:ext cx="0" cy="0"/>
+          <a:chOff x="0" y="0"/>
+          <a:chExt cx="0" cy="0"/>
+        </a:xfrm>
+      </p:grpSpPr>
+      <p:sp>
+        <p:nvSpPr>
+          <p:cNvPr id="2" name="Title 1">
+            <a:extLst>
+              <a:ext uri="{FF2B5EF4-FFF2-40B4-BE49-F238E27FC236}">
+                <a16:creationId xmlns:a16="http://schemas.microsoft.com/office/drawing/2014/main" id="{122FB90B-8716-4A7F-A48E-1D46239E8DED}"/>
+              </a:ext>
+            </a:extLst>
+          </p:cNvPr>
+          <p:cNvSpPr>
+            <a:spLocks noGrp="1"/>
+          </p:cNvSpPr>
+          <p:nvPr>
+            <p:ph type="title"/>
+          </p:nvPr>
+        </p:nvSpPr>
+        <p:spPr/>
+        <p:txBody>
+          <a:bodyPr/>
+          <a:lstStyle/>
+          <a:p>
+            <a:r>
+              <a:rPr lang="en-US" dirty="0"/>
+              <a:t>Docker Images</a:t>
+            </a:r>
+          </a:p>
+        </p:txBody>
+      </p:sp>
+      <p:sp>
+        <p:nvSpPr>
+          <p:cNvPr id="4" name="Rectangle 3">
+            <a:extLst>
+              <a:ext uri="{FF2B5EF4-FFF2-40B4-BE49-F238E27FC236}">
+                <a16:creationId xmlns:a16="http://schemas.microsoft.com/office/drawing/2014/main" id="{660BA86D-1B4E-4851-BE54-448F2BABD93D}"/>
+              </a:ext>
+            </a:extLst>
+          </p:cNvPr>
+          <p:cNvSpPr/>
+          <p:nvPr/>
+        </p:nvSpPr>
+        <p:spPr>
+          <a:xfrm>
+            <a:off x="745723" y="2475716"/>
+            <a:ext cx="2823099" cy="1731147"/>
+          </a:xfrm>
+          <a:prstGeom prst="rect">
+            <a:avLst/>
+          </a:prstGeom>
+        </p:spPr>
+        <p:style>
+          <a:lnRef idx="2">
+            <a:schemeClr val="accent1">
+              <a:shade val="50000"/>
+            </a:schemeClr>
+          </a:lnRef>
+          <a:fillRef idx="1">
+            <a:schemeClr val="accent1"/>
+          </a:fillRef>
+          <a:effectRef idx="0">
+            <a:schemeClr val="accent1"/>
+          </a:effectRef>
+          <a:fontRef idx="minor">
+            <a:schemeClr val="lt1"/>
+          </a:fontRef>
+        </p:style>
+        <p:txBody>
+          <a:bodyPr rtlCol="0" anchor="ctr"/>
+          <a:lstStyle/>
+          <a:p>
+            <a:pPr algn="ctr"/>
+            <a:r>
+              <a:rPr lang="en-US" dirty="0" err="1"/>
+              <a:t>Dockerfile.base</a:t>
+            </a:r>
+            <a:endParaRPr lang="en-US" dirty="0"/>
+          </a:p>
+        </p:txBody>
+      </p:sp>
+      <p:sp>
+        <p:nvSpPr>
+          <p:cNvPr id="5" name="Rectangle 4">
+            <a:extLst>
+              <a:ext uri="{FF2B5EF4-FFF2-40B4-BE49-F238E27FC236}">
+                <a16:creationId xmlns:a16="http://schemas.microsoft.com/office/drawing/2014/main" id="{2DCF867F-9617-456A-B10C-FA5A81590C1A}"/>
+              </a:ext>
+            </a:extLst>
+          </p:cNvPr>
+          <p:cNvSpPr/>
+          <p:nvPr/>
+        </p:nvSpPr>
+        <p:spPr>
+          <a:xfrm>
+            <a:off x="5516133" y="1661189"/>
+            <a:ext cx="3426780" cy="1731147"/>
+          </a:xfrm>
+          <a:prstGeom prst="rect">
+            <a:avLst/>
+          </a:prstGeom>
+        </p:spPr>
+        <p:style>
+          <a:lnRef idx="2">
+            <a:schemeClr val="accent1">
+              <a:shade val="50000"/>
+            </a:schemeClr>
+          </a:lnRef>
+          <a:fillRef idx="1">
+            <a:schemeClr val="accent1"/>
+          </a:fillRef>
+          <a:effectRef idx="0">
+            <a:schemeClr val="accent1"/>
+          </a:effectRef>
+          <a:fontRef idx="minor">
+            <a:schemeClr val="lt1"/>
+          </a:fontRef>
+        </p:style>
+        <p:txBody>
+          <a:bodyPr rtlCol="0" anchor="ctr"/>
+          <a:lstStyle/>
+          <a:p>
+            <a:pPr algn="ctr"/>
+            <a:r>
+              <a:rPr lang="en-US" dirty="0" err="1"/>
+              <a:t>src</a:t>
+            </a:r>
+            <a:r>
+              <a:rPr lang="en-US" dirty="0"/>
+              <a:t>/K8.FrontEnd/</a:t>
+            </a:r>
+            <a:r>
+              <a:rPr lang="en-US" dirty="0" err="1"/>
+              <a:t>Dockerfile</a:t>
+            </a:r>
+            <a:endParaRPr lang="en-US" dirty="0"/>
+          </a:p>
+        </p:txBody>
+      </p:sp>
+      <p:sp>
+        <p:nvSpPr>
+          <p:cNvPr id="7" name="Rectangle 6">
+            <a:extLst>
+              <a:ext uri="{FF2B5EF4-FFF2-40B4-BE49-F238E27FC236}">
+                <a16:creationId xmlns:a16="http://schemas.microsoft.com/office/drawing/2014/main" id="{7890AD21-F40C-45FD-A1A1-EE2377E2BC2E}"/>
+              </a:ext>
+            </a:extLst>
+          </p:cNvPr>
+          <p:cNvSpPr/>
+          <p:nvPr/>
+        </p:nvSpPr>
+        <p:spPr>
+          <a:xfrm>
+            <a:off x="5548633" y="4053880"/>
+            <a:ext cx="3519906" cy="1731147"/>
+          </a:xfrm>
+          <a:prstGeom prst="rect">
+            <a:avLst/>
+          </a:prstGeom>
+        </p:spPr>
+        <p:style>
+          <a:lnRef idx="2">
+            <a:schemeClr val="accent1">
+              <a:shade val="50000"/>
+            </a:schemeClr>
+          </a:lnRef>
+          <a:fillRef idx="1">
+            <a:schemeClr val="accent1"/>
+          </a:fillRef>
+          <a:effectRef idx="0">
+            <a:schemeClr val="accent1"/>
+          </a:effectRef>
+          <a:fontRef idx="minor">
+            <a:schemeClr val="lt1"/>
+          </a:fontRef>
+        </p:style>
+        <p:txBody>
+          <a:bodyPr rtlCol="0" anchor="ctr"/>
+          <a:lstStyle/>
+          <a:p>
+            <a:pPr algn="ctr"/>
+            <a:r>
               <a:rPr lang="en-US" dirty="0" err="1"/>
               <a:t>src</a:t>
             </a:r>
@@ -5681,7 +10047,7 @@
         </p:nvCxnSpPr>
         <p:spPr>
           <a:xfrm flipV="1">
-            <a:off x="3444536" y="2179768"/>
+            <a:off x="1938432" y="2526763"/>
             <a:ext cx="3577701" cy="699856"/>
           </a:xfrm>
           <a:prstGeom prst="straightConnector1">
@@ -5725,7 +10091,7 @@
         <p:spPr>
           <a:xfrm>
             <a:off x="3568822" y="3341290"/>
-            <a:ext cx="3453415" cy="1422735"/>
+            <a:ext cx="1979811" cy="1578164"/>
           </a:xfrm>
           <a:prstGeom prst="straightConnector1">
             <a:avLst/>
@@ -5764,7 +10130,7 @@
         <p:spPr>
           <a:xfrm>
             <a:off x="745723" y="4292655"/>
-            <a:ext cx="2974020" cy="1477328"/>
+            <a:ext cx="2974020" cy="2031325"/>
           </a:xfrm>
           <a:prstGeom prst="rect">
             <a:avLst/>
@@ -5813,10 +10179,33 @@
             </a:r>
           </a:p>
           <a:p>
-            <a:pPr lvl="1"/>
+            <a:pPr marL="742950" lvl="1" indent="-285750">
+              <a:buFontTx/>
+              <a:buChar char="-"/>
+            </a:pPr>
             <a:r>
               <a:rPr lang="en-US" dirty="0"/>
-              <a:t>-   $FEED </a:t>
+              <a:t>$FEED </a:t>
+            </a:r>
+          </a:p>
+          <a:p>
+            <a:pPr marL="742950" lvl="1" indent="-285750">
+              <a:buFontTx/>
+              <a:buChar char="-"/>
+            </a:pPr>
+            <a:r>
+              <a:rPr lang="en-US" dirty="0"/>
+              <a:t>$MSI_ENDPOINT</a:t>
+            </a:r>
+          </a:p>
+          <a:p>
+            <a:pPr marL="742950" lvl="1" indent="-285750">
+              <a:buFontTx/>
+              <a:buChar char="-"/>
+            </a:pPr>
+            <a:r>
+              <a:rPr lang="en-US" dirty="0"/>
+              <a:t>$MSI_SECRET</a:t>
             </a:r>
           </a:p>
         </p:txBody>
@@ -5835,7 +10224,7 @@
         </p:nvSpPr>
         <p:spPr>
           <a:xfrm>
-            <a:off x="7688062" y="3219814"/>
+            <a:off x="9120205" y="2271749"/>
             <a:ext cx="2760955" cy="369332"/>
           </a:xfrm>
           <a:prstGeom prst="rect">
@@ -5879,7 +10268,7 @@
         </p:nvSpPr>
         <p:spPr>
           <a:xfrm>
-            <a:off x="7350711" y="5725094"/>
+            <a:off x="9385237" y="4438287"/>
             <a:ext cx="3280209" cy="923330"/>
           </a:xfrm>
           <a:prstGeom prst="rect">
@@ -5924,10 +10313,2768 @@
           </a:p>
         </p:txBody>
       </p:sp>
+      <p:sp>
+        <p:nvSpPr>
+          <p:cNvPr id="3" name="Rectangle 2">
+            <a:extLst>
+              <a:ext uri="{FF2B5EF4-FFF2-40B4-BE49-F238E27FC236}">
+                <a16:creationId xmlns:a16="http://schemas.microsoft.com/office/drawing/2014/main" id="{018E147A-54FB-4BF7-AB03-744E5AFF741E}"/>
+              </a:ext>
+            </a:extLst>
+          </p:cNvPr>
+          <p:cNvSpPr/>
+          <p:nvPr/>
+        </p:nvSpPr>
+        <p:spPr>
+          <a:xfrm>
+            <a:off x="682051" y="2014050"/>
+            <a:ext cx="3599768" cy="369332"/>
+          </a:xfrm>
+          <a:prstGeom prst="rect">
+            <a:avLst/>
+          </a:prstGeom>
+        </p:spPr>
+        <p:txBody>
+          <a:bodyPr wrap="none">
+            <a:spAutoFit/>
+          </a:bodyPr>
+          <a:lstStyle/>
+          <a:p>
+            <a:r>
+              <a:rPr lang="en-US" dirty="0"/>
+              <a:t>Image: com.io/k8.demo.base:v1</a:t>
+            </a:r>
+          </a:p>
+        </p:txBody>
+      </p:sp>
+      <p:sp>
+        <p:nvSpPr>
+          <p:cNvPr id="8" name="Rectangle 7">
+            <a:extLst>
+              <a:ext uri="{FF2B5EF4-FFF2-40B4-BE49-F238E27FC236}">
+                <a16:creationId xmlns:a16="http://schemas.microsoft.com/office/drawing/2014/main" id="{B9D00B2D-C701-46FB-B883-13C0198BB333}"/>
+              </a:ext>
+            </a:extLst>
+          </p:cNvPr>
+          <p:cNvSpPr/>
+          <p:nvPr/>
+        </p:nvSpPr>
+        <p:spPr>
+          <a:xfrm>
+            <a:off x="5516133" y="1194931"/>
+            <a:ext cx="3989682" cy="369332"/>
+          </a:xfrm>
+          <a:prstGeom prst="rect">
+            <a:avLst/>
+          </a:prstGeom>
+        </p:spPr>
+        <p:txBody>
+          <a:bodyPr wrap="none">
+            <a:spAutoFit/>
+          </a:bodyPr>
+          <a:lstStyle/>
+          <a:p>
+            <a:r>
+              <a:rPr lang="da-DK" dirty="0"/>
+              <a:t>Image: com.io/k8.demo.frontend:v1</a:t>
+            </a:r>
+            <a:endParaRPr lang="en-US" dirty="0"/>
+          </a:p>
+        </p:txBody>
+      </p:sp>
+      <p:sp>
+        <p:nvSpPr>
+          <p:cNvPr id="14" name="Rectangle 13">
+            <a:extLst>
+              <a:ext uri="{FF2B5EF4-FFF2-40B4-BE49-F238E27FC236}">
+                <a16:creationId xmlns:a16="http://schemas.microsoft.com/office/drawing/2014/main" id="{12CDCB81-E2E1-4A94-A9EF-F26A0A8EBCA4}"/>
+              </a:ext>
+            </a:extLst>
+          </p:cNvPr>
+          <p:cNvSpPr/>
+          <p:nvPr/>
+        </p:nvSpPr>
+        <p:spPr>
+          <a:xfrm>
+            <a:off x="5548633" y="3629597"/>
+            <a:ext cx="4018536" cy="646331"/>
+          </a:xfrm>
+          <a:prstGeom prst="rect">
+            <a:avLst/>
+          </a:prstGeom>
+        </p:spPr>
+        <p:txBody>
+          <a:bodyPr wrap="none">
+            <a:spAutoFit/>
+          </a:bodyPr>
+          <a:lstStyle/>
+          <a:p>
+            <a:r>
+              <a:rPr lang="da-DK" dirty="0"/>
+              <a:t>Image: </a:t>
+            </a:r>
+            <a:r>
+              <a:rPr lang="en-US" dirty="0"/>
+              <a:t>com.io/k8.demo.cronjobs:v1</a:t>
+            </a:r>
+          </a:p>
+          <a:p>
+            <a:endParaRPr lang="en-US" dirty="0"/>
+          </a:p>
+        </p:txBody>
+      </p:sp>
     </p:spTree>
     <p:extLst>
       <p:ext uri="{BB962C8B-B14F-4D97-AF65-F5344CB8AC3E}">
         <p14:creationId xmlns:p14="http://schemas.microsoft.com/office/powerpoint/2010/main" val="2550661902"/>
+      </p:ext>
+    </p:extLst>
+  </p:cSld>
+  <p:clrMapOvr>
+    <a:masterClrMapping/>
+  </p:clrMapOvr>
+</p:sld>
+</file>
+
+<file path=ppt/slides/slide7.xml><?xml version="1.0" encoding="utf-8"?>
+<p:sld xmlns:a="http://schemas.openxmlformats.org/drawingml/2006/main" xmlns:r="http://schemas.openxmlformats.org/officeDocument/2006/relationships" xmlns:p="http://schemas.openxmlformats.org/presentationml/2006/main">
+  <p:cSld>
+    <p:bg>
+      <p:bgPr>
+        <a:blipFill rotWithShape="1">
+          <a:blip r:embed="rId3">
+            <a:duotone>
+              <a:schemeClr val="bg1">
+                <a:tint val="75000"/>
+                <a:shade val="58000"/>
+                <a:satMod val="120000"/>
+              </a:schemeClr>
+              <a:schemeClr val="bg1">
+                <a:tint val="50000"/>
+                <a:shade val="96000"/>
+              </a:schemeClr>
+            </a:duotone>
+            <a:extLst/>
+          </a:blip>
+          <a:tile tx="0" ty="0" sx="100000" sy="100000" flip="none" algn="tl"/>
+        </a:blipFill>
+        <a:effectLst/>
+      </p:bgPr>
+    </p:bg>
+    <p:spTree>
+      <p:nvGrpSpPr>
+        <p:cNvPr id="1" name=""/>
+        <p:cNvGrpSpPr/>
+        <p:nvPr/>
+      </p:nvGrpSpPr>
+      <p:grpSpPr>
+        <a:xfrm>
+          <a:off x="0" y="0"/>
+          <a:ext cx="0" cy="0"/>
+          <a:chOff x="0" y="0"/>
+          <a:chExt cx="0" cy="0"/>
+        </a:xfrm>
+      </p:grpSpPr>
+      <p:grpSp>
+        <p:nvGrpSpPr>
+          <p:cNvPr id="71" name="Group 70">
+            <a:extLst>
+              <a:ext uri="{FF2B5EF4-FFF2-40B4-BE49-F238E27FC236}">
+                <a16:creationId xmlns:a16="http://schemas.microsoft.com/office/drawing/2014/main" id="{2A313B03-D361-4EC9-AF52-0B3C1C92C26D}"/>
+              </a:ext>
+              <a:ext uri="{C183D7F6-B498-43B3-948B-1728B52AA6E4}">
+                <adec:decorative xmlns:adec="http://schemas.microsoft.com/office/drawing/2017/decorative" val="1"/>
+              </a:ext>
+            </a:extLst>
+          </p:cNvPr>
+          <p:cNvGrpSpPr>
+            <a:grpSpLocks noGrp="1" noUngrp="1" noRot="1" noChangeAspect="1" noMove="1" noResize="1"/>
+          </p:cNvGrpSpPr>
+          <p:nvPr>
+            <p:extLst>
+              <p:ext uri="{386F3935-93C4-4BCD-93E2-E3B085C9AB24}">
+                <p16:designElem xmlns:p16="http://schemas.microsoft.com/office/powerpoint/2015/main" val="1"/>
+              </p:ext>
+            </p:extLst>
+          </p:nvPr>
+        </p:nvGrpSpPr>
+        <p:grpSpPr>
+          <a:xfrm>
+            <a:off x="11401725" y="6229681"/>
+            <a:ext cx="457200" cy="457200"/>
+            <a:chOff x="11361456" y="6195813"/>
+            <a:chExt cx="548640" cy="548640"/>
+          </a:xfrm>
+        </p:grpSpPr>
+        <p:sp>
+          <p:nvSpPr>
+            <p:cNvPr id="72" name="Oval 71">
+              <a:extLst>
+                <a:ext uri="{FF2B5EF4-FFF2-40B4-BE49-F238E27FC236}">
+                  <a16:creationId xmlns:a16="http://schemas.microsoft.com/office/drawing/2014/main" id="{5E79CB85-A08A-4579-86F6-A8AA97551B88}"/>
+                </a:ext>
+                <a:ext uri="{C183D7F6-B498-43B3-948B-1728B52AA6E4}">
+                  <adec:decorative xmlns:adec="http://schemas.microsoft.com/office/drawing/2017/decorative" val="1"/>
+                </a:ext>
+              </a:extLst>
+            </p:cNvPr>
+            <p:cNvSpPr/>
+            <p:nvPr>
+              <p:extLst>
+                <p:ext uri="{386F3935-93C4-4BCD-93E2-E3B085C9AB24}">
+                  <p16:designElem xmlns:p16="http://schemas.microsoft.com/office/powerpoint/2015/main" val="1"/>
+                </p:ext>
+              </p:extLst>
+            </p:nvPr>
+          </p:nvSpPr>
+          <p:spPr>
+            <a:xfrm>
+              <a:off x="11361456" y="6195813"/>
+              <a:ext cx="548640" cy="548640"/>
+            </a:xfrm>
+            <a:prstGeom prst="ellipse">
+              <a:avLst/>
+            </a:prstGeom>
+            <a:blipFill dpi="0" rotWithShape="1">
+              <a:blip r:embed="rId4">
+                <a:duotone>
+                  <a:schemeClr val="accent1">
+                    <a:shade val="45000"/>
+                    <a:satMod val="135000"/>
+                  </a:schemeClr>
+                  <a:prstClr val="white"/>
+                </a:duotone>
+                <a:extLst>
+                  <a:ext uri="{BEBA8EAE-BF5A-486C-A8C5-ECC9F3942E4B}">
+                    <a14:imgProps xmlns:a14="http://schemas.microsoft.com/office/drawing/2010/main">
+                      <a14:imgLayer r:embed="rId5">
+                        <a14:imgEffect>
+                          <a14:saturation sat="95000"/>
+                        </a14:imgEffect>
+                        <a14:imgEffect>
+                          <a14:brightnessContrast bright="-40000" contrast="20000"/>
+                        </a14:imgEffect>
+                      </a14:imgLayer>
+                    </a14:imgProps>
+                  </a:ext>
+                </a:extLst>
+              </a:blip>
+              <a:srcRect/>
+              <a:tile tx="50800" ty="0" sx="85000" sy="85000" flip="none" algn="tl"/>
+            </a:blipFill>
+            <a:ln w="25400" cap="flat" cmpd="sng" algn="ctr">
+              <a:noFill/>
+              <a:prstDash val="solid"/>
+            </a:ln>
+            <a:effectLst/>
+          </p:spPr>
+        </p:sp>
+        <p:sp>
+          <p:nvSpPr>
+            <p:cNvPr id="73" name="Oval 72">
+              <a:extLst>
+                <a:ext uri="{FF2B5EF4-FFF2-40B4-BE49-F238E27FC236}">
+                  <a16:creationId xmlns:a16="http://schemas.microsoft.com/office/drawing/2014/main" id="{D6C61C9C-364D-4CB6-B9D1-1A6F50F6AF03}"/>
+                </a:ext>
+                <a:ext uri="{C183D7F6-B498-43B3-948B-1728B52AA6E4}">
+                  <adec:decorative xmlns:adec="http://schemas.microsoft.com/office/drawing/2017/decorative" val="1"/>
+                </a:ext>
+              </a:extLst>
+            </p:cNvPr>
+            <p:cNvSpPr/>
+            <p:nvPr>
+              <p:extLst>
+                <p:ext uri="{386F3935-93C4-4BCD-93E2-E3B085C9AB24}">
+                  <p16:designElem xmlns:p16="http://schemas.microsoft.com/office/powerpoint/2015/main" val="1"/>
+                </p:ext>
+              </p:extLst>
+            </p:nvPr>
+          </p:nvSpPr>
+          <p:spPr>
+            <a:xfrm>
+              <a:off x="11396488" y="6230844"/>
+              <a:ext cx="478576" cy="478578"/>
+            </a:xfrm>
+            <a:prstGeom prst="ellipse">
+              <a:avLst/>
+            </a:prstGeom>
+            <a:noFill/>
+            <a:ln w="12700" cap="flat" cmpd="sng" algn="ctr">
+              <a:solidFill>
+                <a:srgbClr val="FFFFFF"/>
+              </a:solidFill>
+              <a:prstDash val="solid"/>
+            </a:ln>
+            <a:effectLst/>
+          </p:spPr>
+        </p:sp>
+      </p:grpSp>
+      <p:sp>
+        <p:nvSpPr>
+          <p:cNvPr id="75" name="Freeform: Shape 74">
+            <a:extLst>
+              <a:ext uri="{FF2B5EF4-FFF2-40B4-BE49-F238E27FC236}">
+                <a16:creationId xmlns:a16="http://schemas.microsoft.com/office/drawing/2014/main" id="{3E9FBC8E-8666-4442-8D7D-B250510CD44D}"/>
+              </a:ext>
+              <a:ext uri="{C183D7F6-B498-43B3-948B-1728B52AA6E4}">
+                <adec:decorative xmlns:adec="http://schemas.microsoft.com/office/drawing/2017/decorative" val="1"/>
+              </a:ext>
+            </a:extLst>
+          </p:cNvPr>
+          <p:cNvSpPr>
+            <a:spLocks noGrp="1" noRot="1" noChangeAspect="1" noMove="1" noResize="1" noEditPoints="1" noAdjustHandles="1" noChangeArrowheads="1" noChangeShapeType="1" noTextEdit="1"/>
+          </p:cNvSpPr>
+          <p:nvPr>
+            <p:extLst>
+              <p:ext uri="{386F3935-93C4-4BCD-93E2-E3B085C9AB24}">
+                <p16:designElem xmlns:p16="http://schemas.microsoft.com/office/powerpoint/2015/main" val="1"/>
+              </p:ext>
+            </p:extLst>
+          </p:nvPr>
+        </p:nvSpPr>
+        <p:spPr>
+          <a:xfrm>
+            <a:off x="641684" y="2005"/>
+            <a:ext cx="10908632" cy="6853991"/>
+          </a:xfrm>
+          <a:custGeom>
+            <a:avLst/>
+            <a:gdLst>
+              <a:gd name="connsiteX0" fmla="*/ 9059740 w 10908632"/>
+              <a:gd name="connsiteY0" fmla="*/ 0 h 6853991"/>
+              <a:gd name="connsiteX1" fmla="*/ 9694921 w 10908632"/>
+              <a:gd name="connsiteY1" fmla="*/ 0 h 6853991"/>
+              <a:gd name="connsiteX2" fmla="*/ 9825053 w 10908632"/>
+              <a:gd name="connsiteY2" fmla="*/ 165594 h 6853991"/>
+              <a:gd name="connsiteX3" fmla="*/ 10908632 w 10908632"/>
+              <a:gd name="connsiteY3" fmla="*/ 3429000 h 6853991"/>
+              <a:gd name="connsiteX4" fmla="*/ 9825053 w 10908632"/>
+              <a:gd name="connsiteY4" fmla="*/ 6692406 h 6853991"/>
+              <a:gd name="connsiteX5" fmla="*/ 9698072 w 10908632"/>
+              <a:gd name="connsiteY5" fmla="*/ 6853991 h 6853991"/>
+              <a:gd name="connsiteX6" fmla="*/ 9063562 w 10908632"/>
+              <a:gd name="connsiteY6" fmla="*/ 6853991 h 6853991"/>
+              <a:gd name="connsiteX7" fmla="*/ 9138428 w 10908632"/>
+              <a:gd name="connsiteY7" fmla="*/ 6775466 h 6853991"/>
+              <a:gd name="connsiteX8" fmla="*/ 10431379 w 10908632"/>
+              <a:gd name="connsiteY8" fmla="*/ 3429000 h 6853991"/>
+              <a:gd name="connsiteX9" fmla="*/ 9138428 w 10908632"/>
+              <a:gd name="connsiteY9" fmla="*/ 82534 h 6853991"/>
+              <a:gd name="connsiteX10" fmla="*/ 2037821 w 10908632"/>
+              <a:gd name="connsiteY10" fmla="*/ 0 h 6853991"/>
+              <a:gd name="connsiteX11" fmla="*/ 8870811 w 10908632"/>
+              <a:gd name="connsiteY11" fmla="*/ 0 h 6853991"/>
+              <a:gd name="connsiteX12" fmla="*/ 8877212 w 10908632"/>
+              <a:gd name="connsiteY12" fmla="*/ 6103 h 6853991"/>
+              <a:gd name="connsiteX13" fmla="*/ 10295021 w 10908632"/>
+              <a:gd name="connsiteY13" fmla="*/ 3429000 h 6853991"/>
+              <a:gd name="connsiteX14" fmla="*/ 8877212 w 10908632"/>
+              <a:gd name="connsiteY14" fmla="*/ 6851897 h 6853991"/>
+              <a:gd name="connsiteX15" fmla="*/ 8875015 w 10908632"/>
+              <a:gd name="connsiteY15" fmla="*/ 6853991 h 6853991"/>
+              <a:gd name="connsiteX16" fmla="*/ 2033617 w 10908632"/>
+              <a:gd name="connsiteY16" fmla="*/ 6853991 h 6853991"/>
+              <a:gd name="connsiteX17" fmla="*/ 2031421 w 10908632"/>
+              <a:gd name="connsiteY17" fmla="*/ 6851897 h 6853991"/>
+              <a:gd name="connsiteX18" fmla="*/ 613611 w 10908632"/>
+              <a:gd name="connsiteY18" fmla="*/ 3429000 h 6853991"/>
+              <a:gd name="connsiteX19" fmla="*/ 2031420 w 10908632"/>
+              <a:gd name="connsiteY19" fmla="*/ 6103 h 6853991"/>
+              <a:gd name="connsiteX20" fmla="*/ 1213711 w 10908632"/>
+              <a:gd name="connsiteY20" fmla="*/ 0 h 6853991"/>
+              <a:gd name="connsiteX21" fmla="*/ 1848893 w 10908632"/>
+              <a:gd name="connsiteY21" fmla="*/ 0 h 6853991"/>
+              <a:gd name="connsiteX22" fmla="*/ 1770204 w 10908632"/>
+              <a:gd name="connsiteY22" fmla="*/ 82534 h 6853991"/>
+              <a:gd name="connsiteX23" fmla="*/ 477253 w 10908632"/>
+              <a:gd name="connsiteY23" fmla="*/ 3429000 h 6853991"/>
+              <a:gd name="connsiteX24" fmla="*/ 1770204 w 10908632"/>
+              <a:gd name="connsiteY24" fmla="*/ 6775466 h 6853991"/>
+              <a:gd name="connsiteX25" fmla="*/ 1845071 w 10908632"/>
+              <a:gd name="connsiteY25" fmla="*/ 6853991 h 6853991"/>
+              <a:gd name="connsiteX26" fmla="*/ 1210561 w 10908632"/>
+              <a:gd name="connsiteY26" fmla="*/ 6853991 h 6853991"/>
+              <a:gd name="connsiteX27" fmla="*/ 1083579 w 10908632"/>
+              <a:gd name="connsiteY27" fmla="*/ 6692406 h 6853991"/>
+              <a:gd name="connsiteX28" fmla="*/ 0 w 10908632"/>
+              <a:gd name="connsiteY28" fmla="*/ 3429000 h 6853991"/>
+              <a:gd name="connsiteX29" fmla="*/ 1083579 w 10908632"/>
+              <a:gd name="connsiteY29" fmla="*/ 165594 h 6853991"/>
+            </a:gdLst>
+            <a:ahLst/>
+            <a:cxnLst>
+              <a:cxn ang="0">
+                <a:pos x="connsiteX0" y="connsiteY0"/>
+              </a:cxn>
+              <a:cxn ang="0">
+                <a:pos x="connsiteX1" y="connsiteY1"/>
+              </a:cxn>
+              <a:cxn ang="0">
+                <a:pos x="connsiteX2" y="connsiteY2"/>
+              </a:cxn>
+              <a:cxn ang="0">
+                <a:pos x="connsiteX3" y="connsiteY3"/>
+              </a:cxn>
+              <a:cxn ang="0">
+                <a:pos x="connsiteX4" y="connsiteY4"/>
+              </a:cxn>
+              <a:cxn ang="0">
+                <a:pos x="connsiteX5" y="connsiteY5"/>
+              </a:cxn>
+              <a:cxn ang="0">
+                <a:pos x="connsiteX6" y="connsiteY6"/>
+              </a:cxn>
+              <a:cxn ang="0">
+                <a:pos x="connsiteX7" y="connsiteY7"/>
+              </a:cxn>
+              <a:cxn ang="0">
+                <a:pos x="connsiteX8" y="connsiteY8"/>
+              </a:cxn>
+              <a:cxn ang="0">
+                <a:pos x="connsiteX9" y="connsiteY9"/>
+              </a:cxn>
+              <a:cxn ang="0">
+                <a:pos x="connsiteX10" y="connsiteY10"/>
+              </a:cxn>
+              <a:cxn ang="0">
+                <a:pos x="connsiteX11" y="connsiteY11"/>
+              </a:cxn>
+              <a:cxn ang="0">
+                <a:pos x="connsiteX12" y="connsiteY12"/>
+              </a:cxn>
+              <a:cxn ang="0">
+                <a:pos x="connsiteX13" y="connsiteY13"/>
+              </a:cxn>
+              <a:cxn ang="0">
+                <a:pos x="connsiteX14" y="connsiteY14"/>
+              </a:cxn>
+              <a:cxn ang="0">
+                <a:pos x="connsiteX15" y="connsiteY15"/>
+              </a:cxn>
+              <a:cxn ang="0">
+                <a:pos x="connsiteX16" y="connsiteY16"/>
+              </a:cxn>
+              <a:cxn ang="0">
+                <a:pos x="connsiteX17" y="connsiteY17"/>
+              </a:cxn>
+              <a:cxn ang="0">
+                <a:pos x="connsiteX18" y="connsiteY18"/>
+              </a:cxn>
+              <a:cxn ang="0">
+                <a:pos x="connsiteX19" y="connsiteY19"/>
+              </a:cxn>
+              <a:cxn ang="0">
+                <a:pos x="connsiteX20" y="connsiteY20"/>
+              </a:cxn>
+              <a:cxn ang="0">
+                <a:pos x="connsiteX21" y="connsiteY21"/>
+              </a:cxn>
+              <a:cxn ang="0">
+                <a:pos x="connsiteX22" y="connsiteY22"/>
+              </a:cxn>
+              <a:cxn ang="0">
+                <a:pos x="connsiteX23" y="connsiteY23"/>
+              </a:cxn>
+              <a:cxn ang="0">
+                <a:pos x="connsiteX24" y="connsiteY24"/>
+              </a:cxn>
+              <a:cxn ang="0">
+                <a:pos x="connsiteX25" y="connsiteY25"/>
+              </a:cxn>
+              <a:cxn ang="0">
+                <a:pos x="connsiteX26" y="connsiteY26"/>
+              </a:cxn>
+              <a:cxn ang="0">
+                <a:pos x="connsiteX27" y="connsiteY27"/>
+              </a:cxn>
+              <a:cxn ang="0">
+                <a:pos x="connsiteX28" y="connsiteY28"/>
+              </a:cxn>
+              <a:cxn ang="0">
+                <a:pos x="connsiteX29" y="connsiteY29"/>
+              </a:cxn>
+            </a:cxnLst>
+            <a:rect l="l" t="t" r="r" b="b"/>
+            <a:pathLst>
+              <a:path w="10908632" h="6853991">
+                <a:moveTo>
+                  <a:pt x="9059740" y="0"/>
+                </a:moveTo>
+                <a:lnTo>
+                  <a:pt x="9694921" y="0"/>
+                </a:lnTo>
+                <a:lnTo>
+                  <a:pt x="9825053" y="165594"/>
+                </a:lnTo>
+                <a:cubicBezTo>
+                  <a:pt x="10505610" y="1075607"/>
+                  <a:pt x="10908632" y="2205238"/>
+                  <a:pt x="10908632" y="3429000"/>
+                </a:cubicBezTo>
+                <a:cubicBezTo>
+                  <a:pt x="10908632" y="4652762"/>
+                  <a:pt x="10505610" y="5782393"/>
+                  <a:pt x="9825053" y="6692406"/>
+                </a:cubicBezTo>
+                <a:lnTo>
+                  <a:pt x="9698072" y="6853991"/>
+                </a:lnTo>
+                <a:lnTo>
+                  <a:pt x="9063562" y="6853991"/>
+                </a:lnTo>
+                <a:lnTo>
+                  <a:pt x="9138428" y="6775466"/>
+                </a:lnTo>
+                <a:cubicBezTo>
+                  <a:pt x="9941761" y="5891604"/>
+                  <a:pt x="10431379" y="4717480"/>
+                  <a:pt x="10431379" y="3429000"/>
+                </a:cubicBezTo>
+                <a:cubicBezTo>
+                  <a:pt x="10431379" y="2140521"/>
+                  <a:pt x="9941761" y="966397"/>
+                  <a:pt x="9138428" y="82534"/>
+                </a:cubicBezTo>
+                <a:close/>
+                <a:moveTo>
+                  <a:pt x="2037821" y="0"/>
+                </a:moveTo>
+                <a:lnTo>
+                  <a:pt x="8870811" y="0"/>
+                </a:lnTo>
+                <a:lnTo>
+                  <a:pt x="8877212" y="6103"/>
+                </a:lnTo>
+                <a:cubicBezTo>
+                  <a:pt x="9753207" y="882099"/>
+                  <a:pt x="10295021" y="2092275"/>
+                  <a:pt x="10295021" y="3429000"/>
+                </a:cubicBezTo>
+                <a:cubicBezTo>
+                  <a:pt x="10295021" y="4765725"/>
+                  <a:pt x="9753207" y="5975902"/>
+                  <a:pt x="8877212" y="6851897"/>
+                </a:cubicBezTo>
+                <a:lnTo>
+                  <a:pt x="8875015" y="6853991"/>
+                </a:lnTo>
+                <a:lnTo>
+                  <a:pt x="2033617" y="6853991"/>
+                </a:lnTo>
+                <a:lnTo>
+                  <a:pt x="2031421" y="6851897"/>
+                </a:lnTo>
+                <a:cubicBezTo>
+                  <a:pt x="1155426" y="5975902"/>
+                  <a:pt x="613611" y="4765725"/>
+                  <a:pt x="613611" y="3429000"/>
+                </a:cubicBezTo>
+                <a:cubicBezTo>
+                  <a:pt x="613611" y="2092275"/>
+                  <a:pt x="1155425" y="882099"/>
+                  <a:pt x="2031420" y="6103"/>
+                </a:cubicBezTo>
+                <a:close/>
+                <a:moveTo>
+                  <a:pt x="1213711" y="0"/>
+                </a:moveTo>
+                <a:lnTo>
+                  <a:pt x="1848893" y="0"/>
+                </a:lnTo>
+                <a:lnTo>
+                  <a:pt x="1770204" y="82534"/>
+                </a:lnTo>
+                <a:cubicBezTo>
+                  <a:pt x="966871" y="966397"/>
+                  <a:pt x="477253" y="2140521"/>
+                  <a:pt x="477253" y="3429000"/>
+                </a:cubicBezTo>
+                <a:cubicBezTo>
+                  <a:pt x="477253" y="4717480"/>
+                  <a:pt x="966872" y="5891604"/>
+                  <a:pt x="1770204" y="6775466"/>
+                </a:cubicBezTo>
+                <a:lnTo>
+                  <a:pt x="1845071" y="6853991"/>
+                </a:lnTo>
+                <a:lnTo>
+                  <a:pt x="1210561" y="6853991"/>
+                </a:lnTo>
+                <a:lnTo>
+                  <a:pt x="1083579" y="6692406"/>
+                </a:lnTo>
+                <a:cubicBezTo>
+                  <a:pt x="403022" y="5782393"/>
+                  <a:pt x="0" y="4652762"/>
+                  <a:pt x="0" y="3429000"/>
+                </a:cubicBezTo>
+                <a:cubicBezTo>
+                  <a:pt x="0" y="2205238"/>
+                  <a:pt x="403022" y="1075607"/>
+                  <a:pt x="1083579" y="165594"/>
+                </a:cubicBezTo>
+                <a:close/>
+              </a:path>
+            </a:pathLst>
+          </a:custGeom>
+          <a:solidFill>
+            <a:schemeClr val="tx1">
+              <a:lumMod val="75000"/>
+              <a:lumOff val="25000"/>
+            </a:schemeClr>
+          </a:solidFill>
+          <a:ln>
+            <a:noFill/>
+          </a:ln>
+        </p:spPr>
+        <p:style>
+          <a:lnRef idx="2">
+            <a:schemeClr val="accent1">
+              <a:shade val="50000"/>
+            </a:schemeClr>
+          </a:lnRef>
+          <a:fillRef idx="1">
+            <a:schemeClr val="accent1"/>
+          </a:fillRef>
+          <a:effectRef idx="0">
+            <a:schemeClr val="accent1"/>
+          </a:effectRef>
+          <a:fontRef idx="minor">
+            <a:schemeClr val="lt1"/>
+          </a:fontRef>
+        </p:style>
+        <p:txBody>
+          <a:bodyPr wrap="square" rtlCol="0" anchor="ctr">
+            <a:noAutofit/>
+          </a:bodyPr>
+          <a:lstStyle/>
+          <a:p>
+            <a:pPr algn="ctr"/>
+            <a:endParaRPr lang="en-US" dirty="0">
+              <a:solidFill>
+                <a:schemeClr val="lt1"/>
+              </a:solidFill>
+            </a:endParaRPr>
+          </a:p>
+        </p:txBody>
+      </p:sp>
+      <p:pic>
+        <p:nvPicPr>
+          <p:cNvPr id="3074" name="Picture 2" descr="k8s-exposed-pod.png">
+            <a:extLst>
+              <a:ext uri="{FF2B5EF4-FFF2-40B4-BE49-F238E27FC236}">
+                <a16:creationId xmlns:a16="http://schemas.microsoft.com/office/drawing/2014/main" id="{4FAB82D6-7A44-423E-B43B-21882B34DF1A}"/>
+              </a:ext>
+            </a:extLst>
+          </p:cNvPr>
+          <p:cNvPicPr>
+            <a:picLocks noChangeAspect="1" noChangeArrowheads="1"/>
+          </p:cNvPicPr>
+          <p:nvPr/>
+        </p:nvPicPr>
+        <p:blipFill>
+          <a:blip r:embed="rId6">
+            <a:extLst>
+              <a:ext uri="{28A0092B-C50C-407E-A947-70E740481C1C}">
+                <a14:useLocalDpi xmlns:a14="http://schemas.microsoft.com/office/drawing/2010/main" val="0"/>
+              </a:ext>
+            </a:extLst>
+          </a:blip>
+          <a:stretch>
+            <a:fillRect/>
+          </a:stretch>
+        </p:blipFill>
+        <p:spPr bwMode="auto">
+          <a:xfrm>
+            <a:off x="1895475" y="1087208"/>
+            <a:ext cx="8401050" cy="4683584"/>
+          </a:xfrm>
+          <a:prstGeom prst="rect">
+            <a:avLst/>
+          </a:prstGeom>
+          <a:noFill/>
+          <a:extLst>
+            <a:ext uri="{909E8E84-426E-40DD-AFC4-6F175D3DCCD1}">
+              <a14:hiddenFill xmlns:a14="http://schemas.microsoft.com/office/drawing/2010/main">
+                <a:solidFill>
+                  <a:srgbClr val="FFFFFF"/>
+                </a:solidFill>
+              </a14:hiddenFill>
+            </a:ext>
+          </a:extLst>
+        </p:spPr>
+      </p:pic>
+    </p:spTree>
+    <p:extLst>
+      <p:ext uri="{BB962C8B-B14F-4D97-AF65-F5344CB8AC3E}">
+        <p14:creationId xmlns:p14="http://schemas.microsoft.com/office/powerpoint/2010/main" val="3157943257"/>
+      </p:ext>
+    </p:extLst>
+  </p:cSld>
+  <p:clrMapOvr>
+    <a:overrideClrMapping bg1="dk1" tx1="lt1" bg2="dk2" tx2="lt2" accent1="accent1" accent2="accent2" accent3="accent3" accent4="accent4" accent5="accent5" accent6="accent6" hlink="hlink" folHlink="folHlink"/>
+  </p:clrMapOvr>
+</p:sld>
+</file>
+
+<file path=ppt/slides/slide8.xml><?xml version="1.0" encoding="utf-8"?>
+<p:sld xmlns:a="http://schemas.openxmlformats.org/drawingml/2006/main" xmlns:r="http://schemas.openxmlformats.org/officeDocument/2006/relationships" xmlns:p="http://schemas.openxmlformats.org/presentationml/2006/main">
+  <p:cSld>
+    <p:spTree>
+      <p:nvGrpSpPr>
+        <p:cNvPr id="1" name=""/>
+        <p:cNvGrpSpPr/>
+        <p:nvPr/>
+      </p:nvGrpSpPr>
+      <p:grpSpPr>
+        <a:xfrm>
+          <a:off x="0" y="0"/>
+          <a:ext cx="0" cy="0"/>
+          <a:chOff x="0" y="0"/>
+          <a:chExt cx="0" cy="0"/>
+        </a:xfrm>
+      </p:grpSpPr>
+      <p:sp>
+        <p:nvSpPr>
+          <p:cNvPr id="2" name="Title 1">
+            <a:extLst>
+              <a:ext uri="{FF2B5EF4-FFF2-40B4-BE49-F238E27FC236}">
+                <a16:creationId xmlns:a16="http://schemas.microsoft.com/office/drawing/2014/main" id="{C6628C5B-2D72-44B3-A04B-5073ADE8BFFD}"/>
+              </a:ext>
+            </a:extLst>
+          </p:cNvPr>
+          <p:cNvSpPr>
+            <a:spLocks noGrp="1"/>
+          </p:cNvSpPr>
+          <p:nvPr>
+            <p:ph type="title"/>
+          </p:nvPr>
+        </p:nvSpPr>
+        <p:spPr/>
+        <p:txBody>
+          <a:bodyPr/>
+          <a:lstStyle/>
+          <a:p>
+            <a:r>
+              <a:rPr lang="en-US" dirty="0"/>
+              <a:t>K8 and Azure</a:t>
+            </a:r>
+          </a:p>
+        </p:txBody>
+      </p:sp>
+      <p:pic>
+        <p:nvPicPr>
+          <p:cNvPr id="4098" name="Picture 2" descr="cronjob-128.png">
+            <a:extLst>
+              <a:ext uri="{FF2B5EF4-FFF2-40B4-BE49-F238E27FC236}">
+                <a16:creationId xmlns:a16="http://schemas.microsoft.com/office/drawing/2014/main" id="{F7EFC2CE-F692-4027-9336-414264386D6D}"/>
+              </a:ext>
+            </a:extLst>
+          </p:cNvPr>
+          <p:cNvPicPr>
+            <a:picLocks noChangeAspect="1" noChangeArrowheads="1"/>
+          </p:cNvPicPr>
+          <p:nvPr/>
+        </p:nvPicPr>
+        <p:blipFill>
+          <a:blip r:embed="rId2">
+            <a:extLst>
+              <a:ext uri="{28A0092B-C50C-407E-A947-70E740481C1C}">
+                <a14:useLocalDpi xmlns:a14="http://schemas.microsoft.com/office/drawing/2010/main" val="0"/>
+              </a:ext>
+            </a:extLst>
+          </a:blip>
+          <a:srcRect/>
+          <a:stretch>
+            <a:fillRect/>
+          </a:stretch>
+        </p:blipFill>
+        <p:spPr bwMode="auto">
+          <a:xfrm>
+            <a:off x="7849371" y="3493751"/>
+            <a:ext cx="1219200" cy="1219200"/>
+          </a:xfrm>
+          <a:prstGeom prst="rect">
+            <a:avLst/>
+          </a:prstGeom>
+          <a:noFill/>
+          <a:extLst>
+            <a:ext uri="{909E8E84-426E-40DD-AFC4-6F175D3DCCD1}">
+              <a14:hiddenFill xmlns:a14="http://schemas.microsoft.com/office/drawing/2010/main">
+                <a:solidFill>
+                  <a:srgbClr val="FFFFFF"/>
+                </a:solidFill>
+              </a14:hiddenFill>
+            </a:ext>
+          </a:extLst>
+        </p:spPr>
+      </p:pic>
+      <p:pic>
+        <p:nvPicPr>
+          <p:cNvPr id="4100" name="Picture 4" descr="pod-128.png">
+            <a:extLst>
+              <a:ext uri="{FF2B5EF4-FFF2-40B4-BE49-F238E27FC236}">
+                <a16:creationId xmlns:a16="http://schemas.microsoft.com/office/drawing/2014/main" id="{6E84B468-237F-4404-BCF9-83CC5778199C}"/>
+              </a:ext>
+            </a:extLst>
+          </p:cNvPr>
+          <p:cNvPicPr>
+            <a:picLocks noChangeAspect="1" noChangeArrowheads="1"/>
+          </p:cNvPicPr>
+          <p:nvPr/>
+        </p:nvPicPr>
+        <p:blipFill>
+          <a:blip r:embed="rId3">
+            <a:extLst>
+              <a:ext uri="{28A0092B-C50C-407E-A947-70E740481C1C}">
+                <a14:useLocalDpi xmlns:a14="http://schemas.microsoft.com/office/drawing/2010/main" val="0"/>
+              </a:ext>
+            </a:extLst>
+          </a:blip>
+          <a:srcRect/>
+          <a:stretch>
+            <a:fillRect/>
+          </a:stretch>
+        </p:blipFill>
+        <p:spPr bwMode="auto">
+          <a:xfrm>
+            <a:off x="2996509" y="5160595"/>
+            <a:ext cx="1219200" cy="1219200"/>
+          </a:xfrm>
+          <a:prstGeom prst="rect">
+            <a:avLst/>
+          </a:prstGeom>
+          <a:noFill/>
+          <a:extLst>
+            <a:ext uri="{909E8E84-426E-40DD-AFC4-6F175D3DCCD1}">
+              <a14:hiddenFill xmlns:a14="http://schemas.microsoft.com/office/drawing/2010/main">
+                <a:solidFill>
+                  <a:srgbClr val="FFFFFF"/>
+                </a:solidFill>
+              </a14:hiddenFill>
+            </a:ext>
+          </a:extLst>
+        </p:spPr>
+      </p:pic>
+      <p:pic>
+        <p:nvPicPr>
+          <p:cNvPr id="4102" name="Picture 6" descr="https://github.com/kubernetes/community/raw/master/icons/png/resources/labeled/ns-128.png">
+            <a:extLst>
+              <a:ext uri="{FF2B5EF4-FFF2-40B4-BE49-F238E27FC236}">
+                <a16:creationId xmlns:a16="http://schemas.microsoft.com/office/drawing/2014/main" id="{22AA67B7-2F15-458F-AD2A-5677CB86D301}"/>
+              </a:ext>
+            </a:extLst>
+          </p:cNvPr>
+          <p:cNvPicPr>
+            <a:picLocks noChangeAspect="1" noChangeArrowheads="1"/>
+          </p:cNvPicPr>
+          <p:nvPr/>
+        </p:nvPicPr>
+        <p:blipFill>
+          <a:blip r:embed="rId4">
+            <a:extLst>
+              <a:ext uri="{28A0092B-C50C-407E-A947-70E740481C1C}">
+                <a14:useLocalDpi xmlns:a14="http://schemas.microsoft.com/office/drawing/2010/main" val="0"/>
+              </a:ext>
+            </a:extLst>
+          </a:blip>
+          <a:srcRect/>
+          <a:stretch>
+            <a:fillRect/>
+          </a:stretch>
+        </p:blipFill>
+        <p:spPr bwMode="auto">
+          <a:xfrm>
+            <a:off x="152398" y="2083122"/>
+            <a:ext cx="1219200" cy="1219200"/>
+          </a:xfrm>
+          <a:prstGeom prst="rect">
+            <a:avLst/>
+          </a:prstGeom>
+          <a:noFill/>
+          <a:extLst>
+            <a:ext uri="{909E8E84-426E-40DD-AFC4-6F175D3DCCD1}">
+              <a14:hiddenFill xmlns:a14="http://schemas.microsoft.com/office/drawing/2010/main">
+                <a:solidFill>
+                  <a:srgbClr val="FFFFFF"/>
+                </a:solidFill>
+              </a14:hiddenFill>
+            </a:ext>
+          </a:extLst>
+        </p:spPr>
+      </p:pic>
+      <p:pic>
+        <p:nvPicPr>
+          <p:cNvPr id="4104" name="Picture 8" descr="https://github.com/kubernetes/community/raw/master/icons/png/resources/labeled/deploy-128.png">
+            <a:extLst>
+              <a:ext uri="{FF2B5EF4-FFF2-40B4-BE49-F238E27FC236}">
+                <a16:creationId xmlns:a16="http://schemas.microsoft.com/office/drawing/2014/main" id="{E1062AD9-684A-4860-93F7-6922751C9CF7}"/>
+              </a:ext>
+            </a:extLst>
+          </p:cNvPr>
+          <p:cNvPicPr>
+            <a:picLocks noChangeAspect="1" noChangeArrowheads="1"/>
+          </p:cNvPicPr>
+          <p:nvPr/>
+        </p:nvPicPr>
+        <p:blipFill>
+          <a:blip r:embed="rId5">
+            <a:extLst>
+              <a:ext uri="{28A0092B-C50C-407E-A947-70E740481C1C}">
+                <a14:useLocalDpi xmlns:a14="http://schemas.microsoft.com/office/drawing/2010/main" val="0"/>
+              </a:ext>
+            </a:extLst>
+          </a:blip>
+          <a:srcRect/>
+          <a:stretch>
+            <a:fillRect/>
+          </a:stretch>
+        </p:blipFill>
+        <p:spPr bwMode="auto">
+          <a:xfrm>
+            <a:off x="5376728" y="3374989"/>
+            <a:ext cx="1219200" cy="1219200"/>
+          </a:xfrm>
+          <a:prstGeom prst="rect">
+            <a:avLst/>
+          </a:prstGeom>
+          <a:noFill/>
+          <a:extLst>
+            <a:ext uri="{909E8E84-426E-40DD-AFC4-6F175D3DCCD1}">
+              <a14:hiddenFill xmlns:a14="http://schemas.microsoft.com/office/drawing/2010/main">
+                <a:solidFill>
+                  <a:srgbClr val="FFFFFF"/>
+                </a:solidFill>
+              </a14:hiddenFill>
+            </a:ext>
+          </a:extLst>
+        </p:spPr>
+      </p:pic>
+      <p:pic>
+        <p:nvPicPr>
+          <p:cNvPr id="4106" name="Picture 10" descr="https://github.com/kubernetes/community/raw/master/icons/png/resources/labeled/svc-128.png">
+            <a:extLst>
+              <a:ext uri="{FF2B5EF4-FFF2-40B4-BE49-F238E27FC236}">
+                <a16:creationId xmlns:a16="http://schemas.microsoft.com/office/drawing/2014/main" id="{68A1FF77-2F95-4937-B36E-3CB165FD218C}"/>
+              </a:ext>
+            </a:extLst>
+          </p:cNvPr>
+          <p:cNvPicPr>
+            <a:picLocks noChangeAspect="1" noChangeArrowheads="1"/>
+          </p:cNvPicPr>
+          <p:nvPr/>
+        </p:nvPicPr>
+        <p:blipFill>
+          <a:blip r:embed="rId6">
+            <a:extLst>
+              <a:ext uri="{28A0092B-C50C-407E-A947-70E740481C1C}">
+                <a14:useLocalDpi xmlns:a14="http://schemas.microsoft.com/office/drawing/2010/main" val="0"/>
+              </a:ext>
+            </a:extLst>
+          </a:blip>
+          <a:srcRect/>
+          <a:stretch>
+            <a:fillRect/>
+          </a:stretch>
+        </p:blipFill>
+        <p:spPr bwMode="auto">
+          <a:xfrm>
+            <a:off x="2904086" y="3384282"/>
+            <a:ext cx="1219200" cy="1219200"/>
+          </a:xfrm>
+          <a:prstGeom prst="rect">
+            <a:avLst/>
+          </a:prstGeom>
+          <a:noFill/>
+          <a:extLst>
+            <a:ext uri="{909E8E84-426E-40DD-AFC4-6F175D3DCCD1}">
+              <a14:hiddenFill xmlns:a14="http://schemas.microsoft.com/office/drawing/2010/main">
+                <a:solidFill>
+                  <a:srgbClr val="FFFFFF"/>
+                </a:solidFill>
+              </a14:hiddenFill>
+            </a:ext>
+          </a:extLst>
+        </p:spPr>
+      </p:pic>
+      <p:pic>
+        <p:nvPicPr>
+          <p:cNvPr id="13" name="Picture 2" descr="cronjob-128.png">
+            <a:extLst>
+              <a:ext uri="{FF2B5EF4-FFF2-40B4-BE49-F238E27FC236}">
+                <a16:creationId xmlns:a16="http://schemas.microsoft.com/office/drawing/2014/main" id="{8B6E9B76-97DB-42F9-9635-14029D0177D2}"/>
+              </a:ext>
+            </a:extLst>
+          </p:cNvPr>
+          <p:cNvPicPr>
+            <a:picLocks noChangeAspect="1" noChangeArrowheads="1"/>
+          </p:cNvPicPr>
+          <p:nvPr/>
+        </p:nvPicPr>
+        <p:blipFill>
+          <a:blip r:embed="rId2">
+            <a:extLst>
+              <a:ext uri="{28A0092B-C50C-407E-A947-70E740481C1C}">
+                <a14:useLocalDpi xmlns:a14="http://schemas.microsoft.com/office/drawing/2010/main" val="0"/>
+              </a:ext>
+            </a:extLst>
+          </a:blip>
+          <a:srcRect/>
+          <a:stretch>
+            <a:fillRect/>
+          </a:stretch>
+        </p:blipFill>
+        <p:spPr bwMode="auto">
+          <a:xfrm>
+            <a:off x="9766847" y="3451524"/>
+            <a:ext cx="1219200" cy="1219200"/>
+          </a:xfrm>
+          <a:prstGeom prst="rect">
+            <a:avLst/>
+          </a:prstGeom>
+          <a:noFill/>
+          <a:extLst>
+            <a:ext uri="{909E8E84-426E-40DD-AFC4-6F175D3DCCD1}">
+              <a14:hiddenFill xmlns:a14="http://schemas.microsoft.com/office/drawing/2010/main">
+                <a:solidFill>
+                  <a:srgbClr val="FFFFFF"/>
+                </a:solidFill>
+              </a14:hiddenFill>
+            </a:ext>
+          </a:extLst>
+        </p:spPr>
+      </p:pic>
+      <p:sp>
+        <p:nvSpPr>
+          <p:cNvPr id="8" name="TextBox 7">
+            <a:extLst>
+              <a:ext uri="{FF2B5EF4-FFF2-40B4-BE49-F238E27FC236}">
+                <a16:creationId xmlns:a16="http://schemas.microsoft.com/office/drawing/2014/main" id="{27BEC13A-6CEA-4ECC-980E-668555995713}"/>
+              </a:ext>
+            </a:extLst>
+          </p:cNvPr>
+          <p:cNvSpPr txBox="1"/>
+          <p:nvPr/>
+        </p:nvSpPr>
+        <p:spPr>
+          <a:xfrm>
+            <a:off x="7372989" y="1375047"/>
+            <a:ext cx="1363643" cy="369332"/>
+          </a:xfrm>
+          <a:prstGeom prst="rect">
+            <a:avLst/>
+          </a:prstGeom>
+          <a:noFill/>
+        </p:spPr>
+        <p:txBody>
+          <a:bodyPr wrap="none" rtlCol="0">
+            <a:spAutoFit/>
+          </a:bodyPr>
+          <a:lstStyle/>
+          <a:p>
+            <a:r>
+              <a:rPr lang="en-US" dirty="0"/>
+              <a:t>Azure Vault</a:t>
+            </a:r>
+          </a:p>
+        </p:txBody>
+      </p:sp>
+      <p:cxnSp>
+        <p:nvCxnSpPr>
+          <p:cNvPr id="10" name="Straight Connector 9">
+            <a:extLst>
+              <a:ext uri="{FF2B5EF4-FFF2-40B4-BE49-F238E27FC236}">
+                <a16:creationId xmlns:a16="http://schemas.microsoft.com/office/drawing/2014/main" id="{6BB22408-18DE-45AF-AC71-5A228045CF08}"/>
+              </a:ext>
+            </a:extLst>
+          </p:cNvPr>
+          <p:cNvCxnSpPr>
+            <a:cxnSpLocks/>
+            <a:stCxn id="4102" idx="3"/>
+          </p:cNvCxnSpPr>
+          <p:nvPr/>
+        </p:nvCxnSpPr>
+        <p:spPr>
+          <a:xfrm>
+            <a:off x="1371598" y="2692722"/>
+            <a:ext cx="9913436" cy="0"/>
+          </a:xfrm>
+          <a:prstGeom prst="line">
+            <a:avLst/>
+          </a:prstGeom>
+          <a:ln w="9525" cap="flat" cmpd="sng" algn="ctr">
+            <a:solidFill>
+              <a:schemeClr val="accent1"/>
+            </a:solidFill>
+            <a:prstDash val="dash"/>
+            <a:round/>
+            <a:headEnd type="none" w="med" len="med"/>
+            <a:tailEnd type="none" w="med" len="med"/>
+          </a:ln>
+        </p:spPr>
+        <p:style>
+          <a:lnRef idx="0">
+            <a:scrgbClr r="0" g="0" b="0"/>
+          </a:lnRef>
+          <a:fillRef idx="0">
+            <a:scrgbClr r="0" g="0" b="0"/>
+          </a:fillRef>
+          <a:effectRef idx="0">
+            <a:scrgbClr r="0" g="0" b="0"/>
+          </a:effectRef>
+          <a:fontRef idx="minor">
+            <a:schemeClr val="tx1"/>
+          </a:fontRef>
+        </p:style>
+      </p:cxnSp>
+      <p:cxnSp>
+        <p:nvCxnSpPr>
+          <p:cNvPr id="17" name="Straight Connector 16">
+            <a:extLst>
+              <a:ext uri="{FF2B5EF4-FFF2-40B4-BE49-F238E27FC236}">
+                <a16:creationId xmlns:a16="http://schemas.microsoft.com/office/drawing/2014/main" id="{3E543843-0F2B-4DE6-AEF2-CB200E2C9E39}"/>
+              </a:ext>
+            </a:extLst>
+          </p:cNvPr>
+          <p:cNvCxnSpPr>
+            <a:cxnSpLocks/>
+          </p:cNvCxnSpPr>
+          <p:nvPr/>
+        </p:nvCxnSpPr>
+        <p:spPr>
+          <a:xfrm flipV="1">
+            <a:off x="11285034" y="2692722"/>
+            <a:ext cx="0" cy="3987378"/>
+          </a:xfrm>
+          <a:prstGeom prst="line">
+            <a:avLst/>
+          </a:prstGeom>
+          <a:ln w="9525" cap="flat" cmpd="sng" algn="ctr">
+            <a:solidFill>
+              <a:schemeClr val="accent1"/>
+            </a:solidFill>
+            <a:prstDash val="dash"/>
+            <a:round/>
+            <a:headEnd type="none" w="med" len="med"/>
+            <a:tailEnd type="none" w="med" len="med"/>
+          </a:ln>
+        </p:spPr>
+        <p:style>
+          <a:lnRef idx="0">
+            <a:scrgbClr r="0" g="0" b="0"/>
+          </a:lnRef>
+          <a:fillRef idx="0">
+            <a:scrgbClr r="0" g="0" b="0"/>
+          </a:fillRef>
+          <a:effectRef idx="0">
+            <a:scrgbClr r="0" g="0" b="0"/>
+          </a:effectRef>
+          <a:fontRef idx="minor">
+            <a:schemeClr val="tx1"/>
+          </a:fontRef>
+        </p:style>
+      </p:cxnSp>
+      <p:cxnSp>
+        <p:nvCxnSpPr>
+          <p:cNvPr id="20" name="Straight Connector 19">
+            <a:extLst>
+              <a:ext uri="{FF2B5EF4-FFF2-40B4-BE49-F238E27FC236}">
+                <a16:creationId xmlns:a16="http://schemas.microsoft.com/office/drawing/2014/main" id="{F54BA20E-40CE-481E-BF18-909A04756715}"/>
+              </a:ext>
+            </a:extLst>
+          </p:cNvPr>
+          <p:cNvCxnSpPr>
+            <a:cxnSpLocks/>
+          </p:cNvCxnSpPr>
+          <p:nvPr/>
+        </p:nvCxnSpPr>
+        <p:spPr>
+          <a:xfrm flipH="1">
+            <a:off x="802385" y="6680099"/>
+            <a:ext cx="10482649" cy="0"/>
+          </a:xfrm>
+          <a:prstGeom prst="line">
+            <a:avLst/>
+          </a:prstGeom>
+          <a:ln w="9525" cap="flat" cmpd="sng" algn="ctr">
+            <a:solidFill>
+              <a:schemeClr val="accent1"/>
+            </a:solidFill>
+            <a:prstDash val="dash"/>
+            <a:round/>
+            <a:headEnd type="none" w="med" len="med"/>
+            <a:tailEnd type="none" w="med" len="med"/>
+          </a:ln>
+        </p:spPr>
+        <p:style>
+          <a:lnRef idx="0">
+            <a:scrgbClr r="0" g="0" b="0"/>
+          </a:lnRef>
+          <a:fillRef idx="0">
+            <a:scrgbClr r="0" g="0" b="0"/>
+          </a:fillRef>
+          <a:effectRef idx="0">
+            <a:scrgbClr r="0" g="0" b="0"/>
+          </a:effectRef>
+          <a:fontRef idx="minor">
+            <a:schemeClr val="tx1"/>
+          </a:fontRef>
+        </p:style>
+      </p:cxnSp>
+      <p:cxnSp>
+        <p:nvCxnSpPr>
+          <p:cNvPr id="26" name="Straight Connector 25">
+            <a:extLst>
+              <a:ext uri="{FF2B5EF4-FFF2-40B4-BE49-F238E27FC236}">
+                <a16:creationId xmlns:a16="http://schemas.microsoft.com/office/drawing/2014/main" id="{809068C4-B43D-4D36-BBE6-69F33EE2784B}"/>
+              </a:ext>
+            </a:extLst>
+          </p:cNvPr>
+          <p:cNvCxnSpPr>
+            <a:cxnSpLocks/>
+          </p:cNvCxnSpPr>
+          <p:nvPr/>
+        </p:nvCxnSpPr>
+        <p:spPr>
+          <a:xfrm flipV="1">
+            <a:off x="757946" y="3244334"/>
+            <a:ext cx="0" cy="3435765"/>
+          </a:xfrm>
+          <a:prstGeom prst="line">
+            <a:avLst/>
+          </a:prstGeom>
+          <a:ln w="9525" cap="flat" cmpd="sng" algn="ctr">
+            <a:solidFill>
+              <a:schemeClr val="accent1"/>
+            </a:solidFill>
+            <a:prstDash val="dash"/>
+            <a:round/>
+            <a:headEnd type="none" w="med" len="med"/>
+            <a:tailEnd type="none" w="med" len="med"/>
+          </a:ln>
+        </p:spPr>
+        <p:style>
+          <a:lnRef idx="0">
+            <a:scrgbClr r="0" g="0" b="0"/>
+          </a:lnRef>
+          <a:fillRef idx="0">
+            <a:scrgbClr r="0" g="0" b="0"/>
+          </a:fillRef>
+          <a:effectRef idx="0">
+            <a:scrgbClr r="0" g="0" b="0"/>
+          </a:effectRef>
+          <a:fontRef idx="minor">
+            <a:schemeClr val="tx1"/>
+          </a:fontRef>
+        </p:style>
+      </p:cxnSp>
+      <p:sp>
+        <p:nvSpPr>
+          <p:cNvPr id="33" name="TextBox 32">
+            <a:extLst>
+              <a:ext uri="{FF2B5EF4-FFF2-40B4-BE49-F238E27FC236}">
+                <a16:creationId xmlns:a16="http://schemas.microsoft.com/office/drawing/2014/main" id="{E6FDBD73-9988-4AFF-9C28-F1E38832239F}"/>
+              </a:ext>
+            </a:extLst>
+          </p:cNvPr>
+          <p:cNvSpPr txBox="1"/>
+          <p:nvPr/>
+        </p:nvSpPr>
+        <p:spPr>
+          <a:xfrm>
+            <a:off x="2569142" y="4697372"/>
+            <a:ext cx="2513252" cy="369332"/>
+          </a:xfrm>
+          <a:prstGeom prst="rect">
+            <a:avLst/>
+          </a:prstGeom>
+          <a:noFill/>
+        </p:spPr>
+        <p:txBody>
+          <a:bodyPr wrap="none" rtlCol="0">
+            <a:spAutoFit/>
+          </a:bodyPr>
+          <a:lstStyle/>
+          <a:p>
+            <a:r>
+              <a:rPr lang="en-US" dirty="0" err="1"/>
+              <a:t>frontend.service.yaml</a:t>
+            </a:r>
+            <a:endParaRPr lang="en-US" dirty="0"/>
+          </a:p>
+        </p:txBody>
+      </p:sp>
+      <p:sp>
+        <p:nvSpPr>
+          <p:cNvPr id="34" name="TextBox 33">
+            <a:extLst>
+              <a:ext uri="{FF2B5EF4-FFF2-40B4-BE49-F238E27FC236}">
+                <a16:creationId xmlns:a16="http://schemas.microsoft.com/office/drawing/2014/main" id="{D4281F16-F492-43EE-A211-5FC64DA3A31E}"/>
+              </a:ext>
+            </a:extLst>
+          </p:cNvPr>
+          <p:cNvSpPr txBox="1"/>
+          <p:nvPr/>
+        </p:nvSpPr>
+        <p:spPr>
+          <a:xfrm>
+            <a:off x="5166843" y="4709827"/>
+            <a:ext cx="1666418" cy="369332"/>
+          </a:xfrm>
+          <a:prstGeom prst="rect">
+            <a:avLst/>
+          </a:prstGeom>
+          <a:noFill/>
+        </p:spPr>
+        <p:txBody>
+          <a:bodyPr wrap="none" rtlCol="0">
+            <a:spAutoFit/>
+          </a:bodyPr>
+          <a:lstStyle/>
+          <a:p>
+            <a:r>
+              <a:rPr lang="en-US" dirty="0" err="1"/>
+              <a:t>frontend.yaml</a:t>
+            </a:r>
+            <a:endParaRPr lang="en-US" dirty="0"/>
+          </a:p>
+        </p:txBody>
+      </p:sp>
+      <p:sp>
+        <p:nvSpPr>
+          <p:cNvPr id="35" name="TextBox 34">
+            <a:extLst>
+              <a:ext uri="{FF2B5EF4-FFF2-40B4-BE49-F238E27FC236}">
+                <a16:creationId xmlns:a16="http://schemas.microsoft.com/office/drawing/2014/main" id="{C911CB15-70E2-4ED7-AF1C-CAEBF01BB3D2}"/>
+              </a:ext>
+            </a:extLst>
+          </p:cNvPr>
+          <p:cNvSpPr txBox="1"/>
+          <p:nvPr/>
+        </p:nvSpPr>
+        <p:spPr>
+          <a:xfrm>
+            <a:off x="891268" y="5585529"/>
+            <a:ext cx="1660455" cy="369332"/>
+          </a:xfrm>
+          <a:prstGeom prst="rect">
+            <a:avLst/>
+          </a:prstGeom>
+          <a:noFill/>
+        </p:spPr>
+        <p:txBody>
+          <a:bodyPr wrap="none" rtlCol="0">
+            <a:spAutoFit/>
+          </a:bodyPr>
+          <a:lstStyle/>
+          <a:p>
+            <a:r>
+              <a:rPr lang="en-US" dirty="0" err="1"/>
+              <a:t>frontent-wecp</a:t>
+            </a:r>
+            <a:endParaRPr lang="en-US" dirty="0"/>
+          </a:p>
+        </p:txBody>
+      </p:sp>
+      <p:pic>
+        <p:nvPicPr>
+          <p:cNvPr id="4108" name="Picture 12" descr="https://github.com/kubernetes/community/raw/master/icons/png/resources/labeled/ing-128.png">
+            <a:extLst>
+              <a:ext uri="{FF2B5EF4-FFF2-40B4-BE49-F238E27FC236}">
+                <a16:creationId xmlns:a16="http://schemas.microsoft.com/office/drawing/2014/main" id="{27C0E784-A217-4377-8E8A-135A71E3DFDD}"/>
+              </a:ext>
+            </a:extLst>
+          </p:cNvPr>
+          <p:cNvPicPr>
+            <a:picLocks noChangeAspect="1" noChangeArrowheads="1"/>
+          </p:cNvPicPr>
+          <p:nvPr/>
+        </p:nvPicPr>
+        <p:blipFill>
+          <a:blip r:embed="rId7">
+            <a:extLst>
+              <a:ext uri="{28A0092B-C50C-407E-A947-70E740481C1C}">
+                <a14:useLocalDpi xmlns:a14="http://schemas.microsoft.com/office/drawing/2010/main" val="0"/>
+              </a:ext>
+            </a:extLst>
+          </a:blip>
+          <a:srcRect/>
+          <a:stretch>
+            <a:fillRect/>
+          </a:stretch>
+        </p:blipFill>
+        <p:spPr bwMode="auto">
+          <a:xfrm>
+            <a:off x="1056933" y="3429000"/>
+            <a:ext cx="1219200" cy="1219200"/>
+          </a:xfrm>
+          <a:prstGeom prst="rect">
+            <a:avLst/>
+          </a:prstGeom>
+          <a:noFill/>
+          <a:extLst>
+            <a:ext uri="{909E8E84-426E-40DD-AFC4-6F175D3DCCD1}">
+              <a14:hiddenFill xmlns:a14="http://schemas.microsoft.com/office/drawing/2010/main">
+                <a:solidFill>
+                  <a:srgbClr val="FFFFFF"/>
+                </a:solidFill>
+              </a14:hiddenFill>
+            </a:ext>
+          </a:extLst>
+        </p:spPr>
+      </p:pic>
+      <p:sp>
+        <p:nvSpPr>
+          <p:cNvPr id="37" name="TextBox 36">
+            <a:extLst>
+              <a:ext uri="{FF2B5EF4-FFF2-40B4-BE49-F238E27FC236}">
+                <a16:creationId xmlns:a16="http://schemas.microsoft.com/office/drawing/2014/main" id="{57D47A32-082F-41DD-B7DA-9330BD6F0055}"/>
+              </a:ext>
+            </a:extLst>
+          </p:cNvPr>
+          <p:cNvSpPr txBox="1"/>
+          <p:nvPr/>
+        </p:nvSpPr>
+        <p:spPr>
+          <a:xfrm>
+            <a:off x="867207" y="4720192"/>
+            <a:ext cx="1540743" cy="369332"/>
+          </a:xfrm>
+          <a:prstGeom prst="rect">
+            <a:avLst/>
+          </a:prstGeom>
+          <a:noFill/>
+        </p:spPr>
+        <p:txBody>
+          <a:bodyPr wrap="none" rtlCol="0">
+            <a:spAutoFit/>
+          </a:bodyPr>
+          <a:lstStyle/>
+          <a:p>
+            <a:r>
+              <a:rPr lang="en-US" dirty="0" err="1"/>
+              <a:t>ingress.yaml</a:t>
+            </a:r>
+            <a:endParaRPr lang="en-US" dirty="0"/>
+          </a:p>
+        </p:txBody>
+      </p:sp>
+      <p:sp>
+        <p:nvSpPr>
+          <p:cNvPr id="38" name="TextBox 37">
+            <a:extLst>
+              <a:ext uri="{FF2B5EF4-FFF2-40B4-BE49-F238E27FC236}">
+                <a16:creationId xmlns:a16="http://schemas.microsoft.com/office/drawing/2014/main" id="{3E27F441-7CE1-4CF6-B17A-37E538876644}"/>
+              </a:ext>
+            </a:extLst>
+          </p:cNvPr>
+          <p:cNvSpPr txBox="1"/>
+          <p:nvPr/>
+        </p:nvSpPr>
+        <p:spPr>
+          <a:xfrm>
+            <a:off x="7488626" y="4736737"/>
+            <a:ext cx="1791452" cy="369332"/>
+          </a:xfrm>
+          <a:prstGeom prst="rect">
+            <a:avLst/>
+          </a:prstGeom>
+          <a:noFill/>
+        </p:spPr>
+        <p:txBody>
+          <a:bodyPr wrap="none" rtlCol="0">
+            <a:spAutoFit/>
+          </a:bodyPr>
+          <a:lstStyle/>
+          <a:p>
+            <a:r>
+              <a:rPr lang="en-US" dirty="0"/>
+              <a:t>cronjob-</a:t>
+            </a:r>
+            <a:r>
+              <a:rPr lang="en-US" dirty="0" err="1"/>
+              <a:t>c.yaml</a:t>
+            </a:r>
+            <a:endParaRPr lang="en-US" dirty="0"/>
+          </a:p>
+        </p:txBody>
+      </p:sp>
+      <p:sp>
+        <p:nvSpPr>
+          <p:cNvPr id="39" name="TextBox 38">
+            <a:extLst>
+              <a:ext uri="{FF2B5EF4-FFF2-40B4-BE49-F238E27FC236}">
+                <a16:creationId xmlns:a16="http://schemas.microsoft.com/office/drawing/2014/main" id="{D397A54A-830C-4B8F-A9B4-476660653949}"/>
+              </a:ext>
+            </a:extLst>
+          </p:cNvPr>
+          <p:cNvSpPr txBox="1"/>
+          <p:nvPr/>
+        </p:nvSpPr>
+        <p:spPr>
+          <a:xfrm>
+            <a:off x="9473137" y="4729301"/>
+            <a:ext cx="1738553" cy="369332"/>
+          </a:xfrm>
+          <a:prstGeom prst="rect">
+            <a:avLst/>
+          </a:prstGeom>
+          <a:noFill/>
+        </p:spPr>
+        <p:txBody>
+          <a:bodyPr wrap="none" rtlCol="0">
+            <a:spAutoFit/>
+          </a:bodyPr>
+          <a:lstStyle/>
+          <a:p>
+            <a:r>
+              <a:rPr lang="en-US" dirty="0"/>
+              <a:t>cronjob-</a:t>
+            </a:r>
+            <a:r>
+              <a:rPr lang="en-US" dirty="0" err="1"/>
+              <a:t>i.yaml</a:t>
+            </a:r>
+            <a:endParaRPr lang="en-US" dirty="0"/>
+          </a:p>
+        </p:txBody>
+      </p:sp>
+      <p:pic>
+        <p:nvPicPr>
+          <p:cNvPr id="40" name="Picture 4" descr="pod-128.png">
+            <a:extLst>
+              <a:ext uri="{FF2B5EF4-FFF2-40B4-BE49-F238E27FC236}">
+                <a16:creationId xmlns:a16="http://schemas.microsoft.com/office/drawing/2014/main" id="{DDE73CB9-21A9-4800-B2B6-021988023AB9}"/>
+              </a:ext>
+            </a:extLst>
+          </p:cNvPr>
+          <p:cNvPicPr>
+            <a:picLocks noChangeAspect="1" noChangeArrowheads="1"/>
+          </p:cNvPicPr>
+          <p:nvPr/>
+        </p:nvPicPr>
+        <p:blipFill>
+          <a:blip r:embed="rId3">
+            <a:extLst>
+              <a:ext uri="{28A0092B-C50C-407E-A947-70E740481C1C}">
+                <a14:useLocalDpi xmlns:a14="http://schemas.microsoft.com/office/drawing/2010/main" val="0"/>
+              </a:ext>
+            </a:extLst>
+          </a:blip>
+          <a:srcRect/>
+          <a:stretch>
+            <a:fillRect/>
+          </a:stretch>
+        </p:blipFill>
+        <p:spPr bwMode="auto">
+          <a:xfrm>
+            <a:off x="8097213" y="5295041"/>
+            <a:ext cx="1219200" cy="1219200"/>
+          </a:xfrm>
+          <a:prstGeom prst="rect">
+            <a:avLst/>
+          </a:prstGeom>
+          <a:noFill/>
+          <a:extLst>
+            <a:ext uri="{909E8E84-426E-40DD-AFC4-6F175D3DCCD1}">
+              <a14:hiddenFill xmlns:a14="http://schemas.microsoft.com/office/drawing/2010/main">
+                <a:solidFill>
+                  <a:srgbClr val="FFFFFF"/>
+                </a:solidFill>
+              </a14:hiddenFill>
+            </a:ext>
+          </a:extLst>
+        </p:spPr>
+      </p:pic>
+      <p:pic>
+        <p:nvPicPr>
+          <p:cNvPr id="4110" name="Picture 14" descr="job-128.png">
+            <a:extLst>
+              <a:ext uri="{FF2B5EF4-FFF2-40B4-BE49-F238E27FC236}">
+                <a16:creationId xmlns:a16="http://schemas.microsoft.com/office/drawing/2014/main" id="{8FBCE046-62A6-48B5-ADEA-D2FD838AE831}"/>
+              </a:ext>
+            </a:extLst>
+          </p:cNvPr>
+          <p:cNvPicPr>
+            <a:picLocks noChangeAspect="1" noChangeArrowheads="1"/>
+          </p:cNvPicPr>
+          <p:nvPr/>
+        </p:nvPicPr>
+        <p:blipFill>
+          <a:blip r:embed="rId8">
+            <a:extLst>
+              <a:ext uri="{28A0092B-C50C-407E-A947-70E740481C1C}">
+                <a14:useLocalDpi xmlns:a14="http://schemas.microsoft.com/office/drawing/2010/main" val="0"/>
+              </a:ext>
+            </a:extLst>
+          </a:blip>
+          <a:srcRect/>
+          <a:stretch>
+            <a:fillRect/>
+          </a:stretch>
+        </p:blipFill>
+        <p:spPr bwMode="auto">
+          <a:xfrm>
+            <a:off x="9353085" y="5295041"/>
+            <a:ext cx="1219200" cy="1219200"/>
+          </a:xfrm>
+          <a:prstGeom prst="rect">
+            <a:avLst/>
+          </a:prstGeom>
+          <a:noFill/>
+          <a:extLst>
+            <a:ext uri="{909E8E84-426E-40DD-AFC4-6F175D3DCCD1}">
+              <a14:hiddenFill xmlns:a14="http://schemas.microsoft.com/office/drawing/2010/main">
+                <a:solidFill>
+                  <a:srgbClr val="FFFFFF"/>
+                </a:solidFill>
+              </a14:hiddenFill>
+            </a:ext>
+          </a:extLst>
+        </p:spPr>
+      </p:pic>
+      <p:pic>
+        <p:nvPicPr>
+          <p:cNvPr id="44" name="Graphic 43">
+            <a:extLst>
+              <a:ext uri="{FF2B5EF4-FFF2-40B4-BE49-F238E27FC236}">
+                <a16:creationId xmlns:a16="http://schemas.microsoft.com/office/drawing/2014/main" id="{F81B50F1-295B-4E97-8E60-688A4E318147}"/>
+              </a:ext>
+            </a:extLst>
+          </p:cNvPr>
+          <p:cNvPicPr>
+            <a:picLocks noChangeAspect="1"/>
+          </p:cNvPicPr>
+          <p:nvPr/>
+        </p:nvPicPr>
+        <p:blipFill>
+          <a:blip r:embed="rId9">
+            <a:extLst>
+              <a:ext uri="{28A0092B-C50C-407E-A947-70E740481C1C}">
+                <a14:useLocalDpi xmlns:a14="http://schemas.microsoft.com/office/drawing/2010/main" val="0"/>
+              </a:ext>
+              <a:ext uri="{96DAC541-7B7A-43D3-8B79-37D633B846F1}">
+                <asvg:svgBlip xmlns:asvg="http://schemas.microsoft.com/office/drawing/2016/SVG/main" r:embed="rId10"/>
+              </a:ext>
+            </a:extLst>
+          </a:blip>
+          <a:stretch>
+            <a:fillRect/>
+          </a:stretch>
+        </p:blipFill>
+        <p:spPr>
+          <a:xfrm>
+            <a:off x="7413684" y="416148"/>
+            <a:ext cx="723900" cy="952500"/>
+          </a:xfrm>
+          <a:prstGeom prst="rect">
+            <a:avLst/>
+          </a:prstGeom>
+        </p:spPr>
+      </p:pic>
+      <p:pic>
+        <p:nvPicPr>
+          <p:cNvPr id="45" name="Graphic 44">
+            <a:extLst>
+              <a:ext uri="{FF2B5EF4-FFF2-40B4-BE49-F238E27FC236}">
+                <a16:creationId xmlns:a16="http://schemas.microsoft.com/office/drawing/2014/main" id="{4BE8D49B-46C9-4AD7-BF27-C09487D11CC9}"/>
+              </a:ext>
+            </a:extLst>
+          </p:cNvPr>
+          <p:cNvPicPr>
+            <a:picLocks noChangeAspect="1"/>
+          </p:cNvPicPr>
+          <p:nvPr/>
+        </p:nvPicPr>
+        <p:blipFill>
+          <a:blip r:embed="rId11">
+            <a:extLst>
+              <a:ext uri="{28A0092B-C50C-407E-A947-70E740481C1C}">
+                <a14:useLocalDpi xmlns:a14="http://schemas.microsoft.com/office/drawing/2010/main" val="0"/>
+              </a:ext>
+              <a:ext uri="{96DAC541-7B7A-43D3-8B79-37D633B846F1}">
+                <asvg:svgBlip xmlns:asvg="http://schemas.microsoft.com/office/drawing/2016/SVG/main" r:embed="rId12"/>
+              </a:ext>
+            </a:extLst>
+          </a:blip>
+          <a:stretch>
+            <a:fillRect/>
+          </a:stretch>
+        </p:blipFill>
+        <p:spPr>
+          <a:xfrm>
+            <a:off x="9055034" y="351857"/>
+            <a:ext cx="989605" cy="989605"/>
+          </a:xfrm>
+          <a:prstGeom prst="rect">
+            <a:avLst/>
+          </a:prstGeom>
+        </p:spPr>
+      </p:pic>
+      <p:cxnSp>
+        <p:nvCxnSpPr>
+          <p:cNvPr id="29" name="Straight Connector 28">
+            <a:extLst>
+              <a:ext uri="{FF2B5EF4-FFF2-40B4-BE49-F238E27FC236}">
+                <a16:creationId xmlns:a16="http://schemas.microsoft.com/office/drawing/2014/main" id="{BF08C648-EF47-4DF2-9BFB-2285CCA3A279}"/>
+              </a:ext>
+            </a:extLst>
+          </p:cNvPr>
+          <p:cNvCxnSpPr/>
+          <p:nvPr/>
+        </p:nvCxnSpPr>
+        <p:spPr>
+          <a:xfrm>
+            <a:off x="7081024" y="288224"/>
+            <a:ext cx="4041128" cy="0"/>
+          </a:xfrm>
+          <a:prstGeom prst="line">
+            <a:avLst/>
+          </a:prstGeom>
+          <a:ln w="9525" cap="flat" cmpd="sng" algn="ctr">
+            <a:solidFill>
+              <a:schemeClr val="accent1"/>
+            </a:solidFill>
+            <a:prstDash val="dash"/>
+            <a:round/>
+            <a:headEnd type="none" w="med" len="med"/>
+            <a:tailEnd type="none" w="med" len="med"/>
+          </a:ln>
+        </p:spPr>
+        <p:style>
+          <a:lnRef idx="0">
+            <a:scrgbClr r="0" g="0" b="0"/>
+          </a:lnRef>
+          <a:fillRef idx="0">
+            <a:scrgbClr r="0" g="0" b="0"/>
+          </a:fillRef>
+          <a:effectRef idx="0">
+            <a:scrgbClr r="0" g="0" b="0"/>
+          </a:effectRef>
+          <a:fontRef idx="minor">
+            <a:schemeClr val="tx1"/>
+          </a:fontRef>
+        </p:style>
+      </p:cxnSp>
+      <p:cxnSp>
+        <p:nvCxnSpPr>
+          <p:cNvPr id="48" name="Straight Connector 47">
+            <a:extLst>
+              <a:ext uri="{FF2B5EF4-FFF2-40B4-BE49-F238E27FC236}">
+                <a16:creationId xmlns:a16="http://schemas.microsoft.com/office/drawing/2014/main" id="{F597F536-BA0A-400E-B634-C9E0ABD73FB7}"/>
+              </a:ext>
+            </a:extLst>
+          </p:cNvPr>
+          <p:cNvCxnSpPr/>
+          <p:nvPr/>
+        </p:nvCxnSpPr>
+        <p:spPr>
+          <a:xfrm>
+            <a:off x="7048007" y="1957190"/>
+            <a:ext cx="4041128" cy="0"/>
+          </a:xfrm>
+          <a:prstGeom prst="line">
+            <a:avLst/>
+          </a:prstGeom>
+          <a:ln w="9525" cap="flat" cmpd="sng" algn="ctr">
+            <a:solidFill>
+              <a:schemeClr val="accent1"/>
+            </a:solidFill>
+            <a:prstDash val="dash"/>
+            <a:round/>
+            <a:headEnd type="none" w="med" len="med"/>
+            <a:tailEnd type="none" w="med" len="med"/>
+          </a:ln>
+        </p:spPr>
+        <p:style>
+          <a:lnRef idx="0">
+            <a:scrgbClr r="0" g="0" b="0"/>
+          </a:lnRef>
+          <a:fillRef idx="0">
+            <a:scrgbClr r="0" g="0" b="0"/>
+          </a:fillRef>
+          <a:effectRef idx="0">
+            <a:scrgbClr r="0" g="0" b="0"/>
+          </a:effectRef>
+          <a:fontRef idx="minor">
+            <a:schemeClr val="tx1"/>
+          </a:fontRef>
+        </p:style>
+      </p:cxnSp>
+      <p:cxnSp>
+        <p:nvCxnSpPr>
+          <p:cNvPr id="49" name="Straight Connector 48">
+            <a:extLst>
+              <a:ext uri="{FF2B5EF4-FFF2-40B4-BE49-F238E27FC236}">
+                <a16:creationId xmlns:a16="http://schemas.microsoft.com/office/drawing/2014/main" id="{74A4F4C1-AF0E-4CCE-9C7C-35AB18915983}"/>
+              </a:ext>
+            </a:extLst>
+          </p:cNvPr>
+          <p:cNvCxnSpPr>
+            <a:cxnSpLocks/>
+          </p:cNvCxnSpPr>
+          <p:nvPr/>
+        </p:nvCxnSpPr>
+        <p:spPr>
+          <a:xfrm>
+            <a:off x="11089135" y="288224"/>
+            <a:ext cx="0" cy="1678409"/>
+          </a:xfrm>
+          <a:prstGeom prst="line">
+            <a:avLst/>
+          </a:prstGeom>
+          <a:ln w="9525" cap="flat" cmpd="sng" algn="ctr">
+            <a:solidFill>
+              <a:schemeClr val="accent1"/>
+            </a:solidFill>
+            <a:prstDash val="dash"/>
+            <a:round/>
+            <a:headEnd type="none" w="med" len="med"/>
+            <a:tailEnd type="none" w="med" len="med"/>
+          </a:ln>
+        </p:spPr>
+        <p:style>
+          <a:lnRef idx="0">
+            <a:scrgbClr r="0" g="0" b="0"/>
+          </a:lnRef>
+          <a:fillRef idx="0">
+            <a:scrgbClr r="0" g="0" b="0"/>
+          </a:fillRef>
+          <a:effectRef idx="0">
+            <a:scrgbClr r="0" g="0" b="0"/>
+          </a:effectRef>
+          <a:fontRef idx="minor">
+            <a:schemeClr val="tx1"/>
+          </a:fontRef>
+        </p:style>
+      </p:cxnSp>
+      <p:cxnSp>
+        <p:nvCxnSpPr>
+          <p:cNvPr id="53" name="Straight Connector 52">
+            <a:extLst>
+              <a:ext uri="{FF2B5EF4-FFF2-40B4-BE49-F238E27FC236}">
+                <a16:creationId xmlns:a16="http://schemas.microsoft.com/office/drawing/2014/main" id="{1DF5F98B-0FCD-4A57-BE12-60B7074AD2C0}"/>
+              </a:ext>
+            </a:extLst>
+          </p:cNvPr>
+          <p:cNvCxnSpPr>
+            <a:cxnSpLocks/>
+          </p:cNvCxnSpPr>
+          <p:nvPr/>
+        </p:nvCxnSpPr>
+        <p:spPr>
+          <a:xfrm>
+            <a:off x="7058722" y="278781"/>
+            <a:ext cx="0" cy="1678409"/>
+          </a:xfrm>
+          <a:prstGeom prst="line">
+            <a:avLst/>
+          </a:prstGeom>
+          <a:ln w="9525" cap="flat" cmpd="sng" algn="ctr">
+            <a:solidFill>
+              <a:schemeClr val="accent1"/>
+            </a:solidFill>
+            <a:prstDash val="dash"/>
+            <a:round/>
+            <a:headEnd type="none" w="med" len="med"/>
+            <a:tailEnd type="none" w="med" len="med"/>
+          </a:ln>
+        </p:spPr>
+        <p:style>
+          <a:lnRef idx="0">
+            <a:scrgbClr r="0" g="0" b="0"/>
+          </a:lnRef>
+          <a:fillRef idx="0">
+            <a:scrgbClr r="0" g="0" b="0"/>
+          </a:fillRef>
+          <a:effectRef idx="0">
+            <a:scrgbClr r="0" g="0" b="0"/>
+          </a:effectRef>
+          <a:fontRef idx="minor">
+            <a:schemeClr val="tx1"/>
+          </a:fontRef>
+        </p:style>
+      </p:cxnSp>
+      <p:sp>
+        <p:nvSpPr>
+          <p:cNvPr id="55" name="TextBox 54">
+            <a:extLst>
+              <a:ext uri="{FF2B5EF4-FFF2-40B4-BE49-F238E27FC236}">
+                <a16:creationId xmlns:a16="http://schemas.microsoft.com/office/drawing/2014/main" id="{594B2D32-D2D0-41FB-87C9-690C4C15F0E2}"/>
+              </a:ext>
+            </a:extLst>
+          </p:cNvPr>
+          <p:cNvSpPr txBox="1"/>
+          <p:nvPr/>
+        </p:nvSpPr>
+        <p:spPr>
+          <a:xfrm>
+            <a:off x="1348140" y="2250443"/>
+            <a:ext cx="578876" cy="369332"/>
+          </a:xfrm>
+          <a:prstGeom prst="rect">
+            <a:avLst/>
+          </a:prstGeom>
+          <a:noFill/>
+        </p:spPr>
+        <p:txBody>
+          <a:bodyPr wrap="none" rtlCol="0">
+            <a:spAutoFit/>
+          </a:bodyPr>
+          <a:lstStyle/>
+          <a:p>
+            <a:r>
+              <a:rPr lang="en-US" dirty="0"/>
+              <a:t>dev</a:t>
+            </a:r>
+          </a:p>
+        </p:txBody>
+      </p:sp>
+      <p:sp>
+        <p:nvSpPr>
+          <p:cNvPr id="56" name="TextBox 55">
+            <a:extLst>
+              <a:ext uri="{FF2B5EF4-FFF2-40B4-BE49-F238E27FC236}">
+                <a16:creationId xmlns:a16="http://schemas.microsoft.com/office/drawing/2014/main" id="{A44ED812-697E-4985-B7C9-1DF38209AF02}"/>
+              </a:ext>
+            </a:extLst>
+          </p:cNvPr>
+          <p:cNvSpPr txBox="1"/>
+          <p:nvPr/>
+        </p:nvSpPr>
+        <p:spPr>
+          <a:xfrm>
+            <a:off x="8925033" y="1381601"/>
+            <a:ext cx="1664815" cy="369332"/>
+          </a:xfrm>
+          <a:prstGeom prst="rect">
+            <a:avLst/>
+          </a:prstGeom>
+          <a:noFill/>
+        </p:spPr>
+        <p:txBody>
+          <a:bodyPr wrap="none" rtlCol="0">
+            <a:spAutoFit/>
+          </a:bodyPr>
+          <a:lstStyle/>
+          <a:p>
+            <a:r>
+              <a:rPr lang="en-US" dirty="0"/>
+              <a:t>Azure Storage</a:t>
+            </a:r>
+          </a:p>
+        </p:txBody>
+      </p:sp>
+      <p:cxnSp>
+        <p:nvCxnSpPr>
+          <p:cNvPr id="42" name="Straight Arrow Connector 41">
+            <a:extLst>
+              <a:ext uri="{FF2B5EF4-FFF2-40B4-BE49-F238E27FC236}">
+                <a16:creationId xmlns:a16="http://schemas.microsoft.com/office/drawing/2014/main" id="{418AA667-46EF-4DB5-824B-401026F43F66}"/>
+              </a:ext>
+            </a:extLst>
+          </p:cNvPr>
+          <p:cNvCxnSpPr>
+            <a:cxnSpLocks/>
+          </p:cNvCxnSpPr>
+          <p:nvPr/>
+        </p:nvCxnSpPr>
+        <p:spPr>
+          <a:xfrm>
+            <a:off x="225932" y="4038600"/>
+            <a:ext cx="831001" cy="0"/>
+          </a:xfrm>
+          <a:prstGeom prst="straightConnector1">
+            <a:avLst/>
+          </a:prstGeom>
+          <a:ln>
+            <a:tailEnd type="triangle"/>
+          </a:ln>
+        </p:spPr>
+        <p:style>
+          <a:lnRef idx="1">
+            <a:schemeClr val="accent1"/>
+          </a:lnRef>
+          <a:fillRef idx="0">
+            <a:schemeClr val="accent1"/>
+          </a:fillRef>
+          <a:effectRef idx="0">
+            <a:schemeClr val="accent1"/>
+          </a:effectRef>
+          <a:fontRef idx="minor">
+            <a:schemeClr val="tx1"/>
+          </a:fontRef>
+        </p:style>
+      </p:cxnSp>
+      <p:cxnSp>
+        <p:nvCxnSpPr>
+          <p:cNvPr id="63" name="Straight Arrow Connector 62">
+            <a:extLst>
+              <a:ext uri="{FF2B5EF4-FFF2-40B4-BE49-F238E27FC236}">
+                <a16:creationId xmlns:a16="http://schemas.microsoft.com/office/drawing/2014/main" id="{A71333C8-96A7-4D67-9F13-B7CE19884BBE}"/>
+              </a:ext>
+            </a:extLst>
+          </p:cNvPr>
+          <p:cNvCxnSpPr>
+            <a:cxnSpLocks/>
+          </p:cNvCxnSpPr>
+          <p:nvPr/>
+        </p:nvCxnSpPr>
+        <p:spPr>
+          <a:xfrm>
+            <a:off x="2165508" y="3958570"/>
+            <a:ext cx="831001" cy="0"/>
+          </a:xfrm>
+          <a:prstGeom prst="straightConnector1">
+            <a:avLst/>
+          </a:prstGeom>
+          <a:ln>
+            <a:tailEnd type="triangle"/>
+          </a:ln>
+        </p:spPr>
+        <p:style>
+          <a:lnRef idx="1">
+            <a:schemeClr val="accent1"/>
+          </a:lnRef>
+          <a:fillRef idx="0">
+            <a:schemeClr val="accent1"/>
+          </a:fillRef>
+          <a:effectRef idx="0">
+            <a:schemeClr val="accent1"/>
+          </a:effectRef>
+          <a:fontRef idx="minor">
+            <a:schemeClr val="tx1"/>
+          </a:fontRef>
+        </p:style>
+      </p:cxnSp>
+      <p:cxnSp>
+        <p:nvCxnSpPr>
+          <p:cNvPr id="64" name="Straight Arrow Connector 63">
+            <a:extLst>
+              <a:ext uri="{FF2B5EF4-FFF2-40B4-BE49-F238E27FC236}">
+                <a16:creationId xmlns:a16="http://schemas.microsoft.com/office/drawing/2014/main" id="{491437D7-BF79-45CC-B053-E7E7A9C57133}"/>
+              </a:ext>
+            </a:extLst>
+          </p:cNvPr>
+          <p:cNvCxnSpPr>
+            <a:cxnSpLocks/>
+            <a:stCxn id="4106" idx="2"/>
+            <a:endCxn id="4100" idx="0"/>
+          </p:cNvCxnSpPr>
+          <p:nvPr/>
+        </p:nvCxnSpPr>
+        <p:spPr>
+          <a:xfrm>
+            <a:off x="3513686" y="4603482"/>
+            <a:ext cx="92423" cy="557113"/>
+          </a:xfrm>
+          <a:prstGeom prst="straightConnector1">
+            <a:avLst/>
+          </a:prstGeom>
+          <a:ln>
+            <a:tailEnd type="triangle"/>
+          </a:ln>
+        </p:spPr>
+        <p:style>
+          <a:lnRef idx="1">
+            <a:schemeClr val="accent1"/>
+          </a:lnRef>
+          <a:fillRef idx="0">
+            <a:schemeClr val="accent1"/>
+          </a:fillRef>
+          <a:effectRef idx="0">
+            <a:schemeClr val="accent1"/>
+          </a:effectRef>
+          <a:fontRef idx="minor">
+            <a:schemeClr val="tx1"/>
+          </a:fontRef>
+        </p:style>
+      </p:cxnSp>
+      <p:pic>
+        <p:nvPicPr>
+          <p:cNvPr id="4114" name="Picture 18" descr="https://lh5.googleusercontent.com/1K-6-OnCq1B9uwQBRF-1-1e8PPrttDGna8PBY7Qr7MZNeRHobsbYDv9WHblcDD-_0mp-O8dSKT7sYP6SnRz6a5M744yHzt6WrAAbLXoOrjKmZAj86IfTOAQSDOFektPHL9GT2J5RNpY">
+            <a:extLst>
+              <a:ext uri="{FF2B5EF4-FFF2-40B4-BE49-F238E27FC236}">
+                <a16:creationId xmlns:a16="http://schemas.microsoft.com/office/drawing/2014/main" id="{C7DA1EFD-1C0D-46D9-B383-CC8464DCFC69}"/>
+              </a:ext>
+            </a:extLst>
+          </p:cNvPr>
+          <p:cNvPicPr>
+            <a:picLocks noChangeAspect="1" noChangeArrowheads="1"/>
+          </p:cNvPicPr>
+          <p:nvPr/>
+        </p:nvPicPr>
+        <p:blipFill>
+          <a:blip r:embed="rId13">
+            <a:extLst>
+              <a:ext uri="{28A0092B-C50C-407E-A947-70E740481C1C}">
+                <a14:useLocalDpi xmlns:a14="http://schemas.microsoft.com/office/drawing/2010/main" val="0"/>
+              </a:ext>
+            </a:extLst>
+          </a:blip>
+          <a:srcRect/>
+          <a:stretch>
+            <a:fillRect/>
+          </a:stretch>
+        </p:blipFill>
+        <p:spPr bwMode="auto">
+          <a:xfrm>
+            <a:off x="8825439" y="2381345"/>
+            <a:ext cx="1219200" cy="1219200"/>
+          </a:xfrm>
+          <a:prstGeom prst="rect">
+            <a:avLst/>
+          </a:prstGeom>
+          <a:noFill/>
+          <a:extLst>
+            <a:ext uri="{909E8E84-426E-40DD-AFC4-6F175D3DCCD1}">
+              <a14:hiddenFill xmlns:a14="http://schemas.microsoft.com/office/drawing/2010/main">
+                <a:solidFill>
+                  <a:srgbClr val="FFFFFF"/>
+                </a:solidFill>
+              </a14:hiddenFill>
+            </a:ext>
+          </a:extLst>
+        </p:spPr>
+      </p:pic>
+      <p:sp>
+        <p:nvSpPr>
+          <p:cNvPr id="69" name="TextBox 68">
+            <a:extLst>
+              <a:ext uri="{FF2B5EF4-FFF2-40B4-BE49-F238E27FC236}">
+                <a16:creationId xmlns:a16="http://schemas.microsoft.com/office/drawing/2014/main" id="{4EDB5FAC-0D93-4A8A-B709-B4C19CB131DA}"/>
+              </a:ext>
+            </a:extLst>
+          </p:cNvPr>
+          <p:cNvSpPr txBox="1"/>
+          <p:nvPr/>
+        </p:nvSpPr>
+        <p:spPr>
+          <a:xfrm>
+            <a:off x="7059418" y="2026023"/>
+            <a:ext cx="2197589" cy="369332"/>
+          </a:xfrm>
+          <a:prstGeom prst="rect">
+            <a:avLst/>
+          </a:prstGeom>
+          <a:noFill/>
+        </p:spPr>
+        <p:txBody>
+          <a:bodyPr wrap="none" rtlCol="0">
+            <a:spAutoFit/>
+          </a:bodyPr>
+          <a:lstStyle/>
+          <a:p>
+            <a:r>
+              <a:rPr lang="en-US" dirty="0"/>
+              <a:t>Azure Subscription</a:t>
+            </a:r>
+          </a:p>
+        </p:txBody>
+      </p:sp>
+    </p:spTree>
+    <p:extLst>
+      <p:ext uri="{BB962C8B-B14F-4D97-AF65-F5344CB8AC3E}">
+        <p14:creationId xmlns:p14="http://schemas.microsoft.com/office/powerpoint/2010/main" val="1991427039"/>
+      </p:ext>
+    </p:extLst>
+  </p:cSld>
+  <p:clrMapOvr>
+    <a:masterClrMapping/>
+  </p:clrMapOvr>
+</p:sld>
+</file>
+
+<file path=ppt/slides/slide9.xml><?xml version="1.0" encoding="utf-8"?>
+<p:sld xmlns:a="http://schemas.openxmlformats.org/drawingml/2006/main" xmlns:r="http://schemas.openxmlformats.org/officeDocument/2006/relationships" xmlns:p="http://schemas.openxmlformats.org/presentationml/2006/main">
+  <p:cSld>
+    <p:bg>
+      <p:bgPr>
+        <a:solidFill>
+          <a:schemeClr val="bg1"/>
+        </a:solidFill>
+        <a:effectLst/>
+      </p:bgPr>
+    </p:bg>
+    <p:spTree>
+      <p:nvGrpSpPr>
+        <p:cNvPr id="1" name=""/>
+        <p:cNvGrpSpPr/>
+        <p:nvPr/>
+      </p:nvGrpSpPr>
+      <p:grpSpPr>
+        <a:xfrm>
+          <a:off x="0" y="0"/>
+          <a:ext cx="0" cy="0"/>
+          <a:chOff x="0" y="0"/>
+          <a:chExt cx="0" cy="0"/>
+        </a:xfrm>
+      </p:grpSpPr>
+      <p:sp useBgFill="1">
+        <p:nvSpPr>
+          <p:cNvPr id="12" name="Rectangle 8">
+            <a:extLst>
+              <a:ext uri="{FF2B5EF4-FFF2-40B4-BE49-F238E27FC236}">
+                <a16:creationId xmlns:a16="http://schemas.microsoft.com/office/drawing/2014/main" id="{2A0E4E09-FC02-4ADC-951A-3FFA90B6FE39}"/>
+              </a:ext>
+              <a:ext uri="{C183D7F6-B498-43B3-948B-1728B52AA6E4}">
+                <adec:decorative xmlns:adec="http://schemas.microsoft.com/office/drawing/2017/decorative" val="1"/>
+              </a:ext>
+            </a:extLst>
+          </p:cNvPr>
+          <p:cNvSpPr>
+            <a:spLocks noGrp="1" noRot="1" noChangeAspect="1" noMove="1" noResize="1" noEditPoints="1" noAdjustHandles="1" noChangeArrowheads="1" noChangeShapeType="1" noTextEdit="1"/>
+          </p:cNvSpPr>
+          <p:nvPr>
+            <p:extLst>
+              <p:ext uri="{386F3935-93C4-4BCD-93E2-E3B085C9AB24}">
+                <p16:designElem xmlns:p16="http://schemas.microsoft.com/office/powerpoint/2015/main" val="1"/>
+              </p:ext>
+            </p:extLst>
+          </p:nvPr>
+        </p:nvSpPr>
+        <p:spPr>
+          <a:xfrm>
+            <a:off x="0" y="0"/>
+            <a:ext cx="12191695" cy="6858000"/>
+          </a:xfrm>
+          <a:prstGeom prst="rect">
+            <a:avLst/>
+          </a:prstGeom>
+          <a:ln>
+            <a:noFill/>
+          </a:ln>
+        </p:spPr>
+        <p:style>
+          <a:lnRef idx="2">
+            <a:schemeClr val="accent1">
+              <a:shade val="50000"/>
+            </a:schemeClr>
+          </a:lnRef>
+          <a:fillRef idx="1">
+            <a:schemeClr val="accent1"/>
+          </a:fillRef>
+          <a:effectRef idx="0">
+            <a:schemeClr val="accent1"/>
+          </a:effectRef>
+          <a:fontRef idx="minor">
+            <a:schemeClr val="lt1"/>
+          </a:fontRef>
+        </p:style>
+        <p:txBody>
+          <a:bodyPr rtlCol="0" anchor="ctr"/>
+          <a:lstStyle/>
+          <a:p>
+            <a:pPr algn="ctr"/>
+            <a:endParaRPr lang="en-US"/>
+          </a:p>
+        </p:txBody>
+      </p:sp>
+      <p:sp>
+        <p:nvSpPr>
+          <p:cNvPr id="2" name="Title 1">
+            <a:extLst>
+              <a:ext uri="{FF2B5EF4-FFF2-40B4-BE49-F238E27FC236}">
+                <a16:creationId xmlns:a16="http://schemas.microsoft.com/office/drawing/2014/main" id="{E85DE8BF-3259-4187-B3BB-9CCBEFA75E57}"/>
+              </a:ext>
+            </a:extLst>
+          </p:cNvPr>
+          <p:cNvSpPr>
+            <a:spLocks noGrp="1"/>
+          </p:cNvSpPr>
+          <p:nvPr>
+            <p:ph type="title"/>
+          </p:nvPr>
+        </p:nvSpPr>
+        <p:spPr>
+          <a:xfrm>
+            <a:off x="6386284" y="484632"/>
+            <a:ext cx="4741963" cy="1971964"/>
+          </a:xfrm>
+        </p:spPr>
+        <p:txBody>
+          <a:bodyPr>
+            <a:normAutofit/>
+          </a:bodyPr>
+          <a:lstStyle/>
+          <a:p>
+            <a:r>
+              <a:rPr lang="en-US" sz="4800"/>
+              <a:t>Problem Statement #2</a:t>
+            </a:r>
+          </a:p>
+        </p:txBody>
+      </p:sp>
+      <p:sp>
+        <p:nvSpPr>
+          <p:cNvPr id="11" name="Freeform: Shape 10">
+            <a:extLst>
+              <a:ext uri="{FF2B5EF4-FFF2-40B4-BE49-F238E27FC236}">
+                <a16:creationId xmlns:a16="http://schemas.microsoft.com/office/drawing/2014/main" id="{E5821A2D-F010-4C2B-8819-23281D9C770F}"/>
+              </a:ext>
+              <a:ext uri="{C183D7F6-B498-43B3-948B-1728B52AA6E4}">
+                <adec:decorative xmlns:adec="http://schemas.microsoft.com/office/drawing/2017/decorative" val="1"/>
+              </a:ext>
+            </a:extLst>
+          </p:cNvPr>
+          <p:cNvSpPr>
+            <a:spLocks noGrp="1" noRot="1" noChangeAspect="1" noMove="1" noResize="1" noEditPoints="1" noAdjustHandles="1" noChangeArrowheads="1" noChangeShapeType="1" noTextEdit="1"/>
+          </p:cNvSpPr>
+          <p:nvPr>
+            <p:extLst>
+              <p:ext uri="{386F3935-93C4-4BCD-93E2-E3B085C9AB24}">
+                <p16:designElem xmlns:p16="http://schemas.microsoft.com/office/powerpoint/2015/main" val="1"/>
+              </p:ext>
+            </p:extLst>
+          </p:nvPr>
+        </p:nvSpPr>
+        <p:spPr>
+          <a:xfrm>
+            <a:off x="2" y="3"/>
+            <a:ext cx="6095695" cy="6857997"/>
+          </a:xfrm>
+          <a:custGeom>
+            <a:avLst/>
+            <a:gdLst>
+              <a:gd name="connsiteX0" fmla="*/ 3435036 w 6095695"/>
+              <a:gd name="connsiteY0" fmla="*/ 0 h 6857997"/>
+              <a:gd name="connsiteX1" fmla="*/ 4198562 w 6095695"/>
+              <a:gd name="connsiteY1" fmla="*/ 0 h 6857997"/>
+              <a:gd name="connsiteX2" fmla="*/ 4365987 w 6095695"/>
+              <a:gd name="connsiteY2" fmla="*/ 128761 h 6857997"/>
+              <a:gd name="connsiteX3" fmla="*/ 6095695 w 6095695"/>
+              <a:gd name="connsiteY3" fmla="*/ 3718209 h 6857997"/>
+              <a:gd name="connsiteX4" fmla="*/ 4860911 w 6095695"/>
+              <a:gd name="connsiteY4" fmla="*/ 6845880 h 6857997"/>
+              <a:gd name="connsiteX5" fmla="*/ 4849107 w 6095695"/>
+              <a:gd name="connsiteY5" fmla="*/ 6857997 h 6857997"/>
+              <a:gd name="connsiteX6" fmla="*/ 4253869 w 6095695"/>
+              <a:gd name="connsiteY6" fmla="*/ 6857997 h 6857997"/>
+              <a:gd name="connsiteX7" fmla="*/ 4409441 w 6095695"/>
+              <a:gd name="connsiteY7" fmla="*/ 6719623 h 6857997"/>
+              <a:gd name="connsiteX8" fmla="*/ 5679794 w 6095695"/>
+              <a:gd name="connsiteY8" fmla="*/ 3718209 h 6857997"/>
+              <a:gd name="connsiteX9" fmla="*/ 3591563 w 6095695"/>
+              <a:gd name="connsiteY9" fmla="*/ 88079 h 6857997"/>
+              <a:gd name="connsiteX10" fmla="*/ 0 w 6095695"/>
+              <a:gd name="connsiteY10" fmla="*/ 0 h 6857997"/>
+              <a:gd name="connsiteX11" fmla="*/ 3177466 w 6095695"/>
+              <a:gd name="connsiteY11" fmla="*/ 0 h 6857997"/>
+              <a:gd name="connsiteX12" fmla="*/ 3353291 w 6095695"/>
+              <a:gd name="connsiteY12" fmla="*/ 88129 h 6857997"/>
+              <a:gd name="connsiteX13" fmla="*/ 5560965 w 6095695"/>
+              <a:gd name="connsiteY13" fmla="*/ 3718209 h 6857997"/>
+              <a:gd name="connsiteX14" fmla="*/ 4325417 w 6095695"/>
+              <a:gd name="connsiteY14" fmla="*/ 6637392 h 6857997"/>
+              <a:gd name="connsiteX15" fmla="*/ 4077394 w 6095695"/>
+              <a:gd name="connsiteY15" fmla="*/ 6857997 h 6857997"/>
+              <a:gd name="connsiteX16" fmla="*/ 0 w 6095695"/>
+              <a:gd name="connsiteY16" fmla="*/ 6857997 h 6857997"/>
+            </a:gdLst>
+            <a:ahLst/>
+            <a:cxnLst>
+              <a:cxn ang="0">
+                <a:pos x="connsiteX0" y="connsiteY0"/>
+              </a:cxn>
+              <a:cxn ang="0">
+                <a:pos x="connsiteX1" y="connsiteY1"/>
+              </a:cxn>
+              <a:cxn ang="0">
+                <a:pos x="connsiteX2" y="connsiteY2"/>
+              </a:cxn>
+              <a:cxn ang="0">
+                <a:pos x="connsiteX3" y="connsiteY3"/>
+              </a:cxn>
+              <a:cxn ang="0">
+                <a:pos x="connsiteX4" y="connsiteY4"/>
+              </a:cxn>
+              <a:cxn ang="0">
+                <a:pos x="connsiteX5" y="connsiteY5"/>
+              </a:cxn>
+              <a:cxn ang="0">
+                <a:pos x="connsiteX6" y="connsiteY6"/>
+              </a:cxn>
+              <a:cxn ang="0">
+                <a:pos x="connsiteX7" y="connsiteY7"/>
+              </a:cxn>
+              <a:cxn ang="0">
+                <a:pos x="connsiteX8" y="connsiteY8"/>
+              </a:cxn>
+              <a:cxn ang="0">
+                <a:pos x="connsiteX9" y="connsiteY9"/>
+              </a:cxn>
+              <a:cxn ang="0">
+                <a:pos x="connsiteX10" y="connsiteY10"/>
+              </a:cxn>
+              <a:cxn ang="0">
+                <a:pos x="connsiteX11" y="connsiteY11"/>
+              </a:cxn>
+              <a:cxn ang="0">
+                <a:pos x="connsiteX12" y="connsiteY12"/>
+              </a:cxn>
+              <a:cxn ang="0">
+                <a:pos x="connsiteX13" y="connsiteY13"/>
+              </a:cxn>
+              <a:cxn ang="0">
+                <a:pos x="connsiteX14" y="connsiteY14"/>
+              </a:cxn>
+              <a:cxn ang="0">
+                <a:pos x="connsiteX15" y="connsiteY15"/>
+              </a:cxn>
+              <a:cxn ang="0">
+                <a:pos x="connsiteX16" y="connsiteY16"/>
+              </a:cxn>
+            </a:cxnLst>
+            <a:rect l="l" t="t" r="r" b="b"/>
+            <a:pathLst>
+              <a:path w="6095695" h="6857997">
+                <a:moveTo>
+                  <a:pt x="3435036" y="0"/>
+                </a:moveTo>
+                <a:lnTo>
+                  <a:pt x="4198562" y="0"/>
+                </a:lnTo>
+                <a:lnTo>
+                  <a:pt x="4365987" y="128761"/>
+                </a:lnTo>
+                <a:cubicBezTo>
+                  <a:pt x="5422363" y="981944"/>
+                  <a:pt x="6095695" y="2273123"/>
+                  <a:pt x="6095695" y="3718209"/>
+                </a:cubicBezTo>
+                <a:cubicBezTo>
+                  <a:pt x="6095695" y="4922447"/>
+                  <a:pt x="5628104" y="6019805"/>
+                  <a:pt x="4860911" y="6845880"/>
+                </a:cubicBezTo>
+                <a:lnTo>
+                  <a:pt x="4849107" y="6857997"/>
+                </a:lnTo>
+                <a:lnTo>
+                  <a:pt x="4253869" y="6857997"/>
+                </a:lnTo>
+                <a:lnTo>
+                  <a:pt x="4409441" y="6719623"/>
+                </a:lnTo>
+                <a:cubicBezTo>
+                  <a:pt x="5194330" y="5951494"/>
+                  <a:pt x="5679794" y="4890334"/>
+                  <a:pt x="5679794" y="3718209"/>
+                </a:cubicBezTo>
+                <a:cubicBezTo>
+                  <a:pt x="5679794" y="2179795"/>
+                  <a:pt x="4843506" y="832535"/>
+                  <a:pt x="3591563" y="88079"/>
+                </a:cubicBezTo>
+                <a:close/>
+                <a:moveTo>
+                  <a:pt x="0" y="0"/>
+                </a:moveTo>
+                <a:lnTo>
+                  <a:pt x="3177466" y="0"/>
+                </a:lnTo>
+                <a:lnTo>
+                  <a:pt x="3353291" y="88129"/>
+                </a:lnTo>
+                <a:cubicBezTo>
+                  <a:pt x="4668281" y="787221"/>
+                  <a:pt x="5560965" y="2150692"/>
+                  <a:pt x="5560965" y="3718209"/>
+                </a:cubicBezTo>
+                <a:cubicBezTo>
+                  <a:pt x="5560965" y="4858221"/>
+                  <a:pt x="5088802" y="5890308"/>
+                  <a:pt x="4325417" y="6637392"/>
+                </a:cubicBezTo>
+                <a:lnTo>
+                  <a:pt x="4077394" y="6857997"/>
+                </a:lnTo>
+                <a:lnTo>
+                  <a:pt x="0" y="6857997"/>
+                </a:lnTo>
+                <a:close/>
+              </a:path>
+            </a:pathLst>
+          </a:custGeom>
+          <a:solidFill>
+            <a:schemeClr val="tx2"/>
+          </a:solidFill>
+          <a:ln>
+            <a:noFill/>
+          </a:ln>
+        </p:spPr>
+        <p:style>
+          <a:lnRef idx="2">
+            <a:schemeClr val="accent1">
+              <a:shade val="50000"/>
+            </a:schemeClr>
+          </a:lnRef>
+          <a:fillRef idx="1">
+            <a:schemeClr val="accent1"/>
+          </a:fillRef>
+          <a:effectRef idx="0">
+            <a:schemeClr val="accent1"/>
+          </a:effectRef>
+          <a:fontRef idx="minor">
+            <a:schemeClr val="lt1"/>
+          </a:fontRef>
+        </p:style>
+        <p:txBody>
+          <a:bodyPr wrap="square" rtlCol="0" anchor="ctr">
+            <a:noAutofit/>
+          </a:bodyPr>
+          <a:lstStyle/>
+          <a:p>
+            <a:pPr algn="ctr"/>
+            <a:endParaRPr lang="en-US"/>
+          </a:p>
+        </p:txBody>
+      </p:sp>
+      <p:pic>
+        <p:nvPicPr>
+          <p:cNvPr id="4" name="Graphic 3">
+            <a:extLst>
+              <a:ext uri="{FF2B5EF4-FFF2-40B4-BE49-F238E27FC236}">
+                <a16:creationId xmlns:a16="http://schemas.microsoft.com/office/drawing/2014/main" id="{BE32B2E9-6B38-4509-8513-35D9528F5315}"/>
+              </a:ext>
+            </a:extLst>
+          </p:cNvPr>
+          <p:cNvPicPr>
+            <a:picLocks noChangeAspect="1"/>
+          </p:cNvPicPr>
+          <p:nvPr/>
+        </p:nvPicPr>
+        <p:blipFill>
+          <a:blip r:embed="rId2">
+            <a:extLst>
+              <a:ext uri="{28A0092B-C50C-407E-A947-70E740481C1C}">
+                <a14:useLocalDpi xmlns:a14="http://schemas.microsoft.com/office/drawing/2010/main" val="0"/>
+              </a:ext>
+              <a:ext uri="{96DAC541-7B7A-43D3-8B79-37D633B846F1}">
+                <asvg:svgBlip xmlns:asvg="http://schemas.microsoft.com/office/drawing/2016/SVG/main" r:embed="rId3"/>
+              </a:ext>
+            </a:extLst>
+          </a:blip>
+          <a:stretch>
+            <a:fillRect/>
+          </a:stretch>
+        </p:blipFill>
+        <p:spPr>
+          <a:xfrm>
+            <a:off x="948215" y="1287596"/>
+            <a:ext cx="3324037" cy="4373733"/>
+          </a:xfrm>
+          <a:prstGeom prst="rect">
+            <a:avLst/>
+          </a:prstGeom>
+        </p:spPr>
+      </p:pic>
+      <p:sp>
+        <p:nvSpPr>
+          <p:cNvPr id="3" name="Content Placeholder 2">
+            <a:extLst>
+              <a:ext uri="{FF2B5EF4-FFF2-40B4-BE49-F238E27FC236}">
+                <a16:creationId xmlns:a16="http://schemas.microsoft.com/office/drawing/2014/main" id="{206A17E5-EC2A-48E3-8146-9FFA1431489A}"/>
+              </a:ext>
+            </a:extLst>
+          </p:cNvPr>
+          <p:cNvSpPr>
+            <a:spLocks noGrp="1"/>
+          </p:cNvSpPr>
+          <p:nvPr>
+            <p:ph idx="1"/>
+          </p:nvPr>
+        </p:nvSpPr>
+        <p:spPr>
+          <a:xfrm>
+            <a:off x="6386286" y="2456596"/>
+            <a:ext cx="4741962" cy="3715603"/>
+          </a:xfrm>
+        </p:spPr>
+        <p:txBody>
+          <a:bodyPr>
+            <a:normAutofit/>
+          </a:bodyPr>
+          <a:lstStyle/>
+          <a:p>
+            <a:r>
+              <a:rPr lang="en-US" dirty="0"/>
+              <a:t>Storing securely Application Secrets</a:t>
+            </a:r>
+          </a:p>
+          <a:p>
+            <a:pPr lvl="1"/>
+            <a:endParaRPr lang="en-US" dirty="0"/>
+          </a:p>
+          <a:p>
+            <a:pPr lvl="1"/>
+            <a:r>
+              <a:rPr lang="en-US" strike="sngStrike" dirty="0"/>
+              <a:t>Application settings file </a:t>
+            </a:r>
+          </a:p>
+          <a:p>
+            <a:pPr lvl="1"/>
+            <a:r>
+              <a:rPr lang="en-US" strike="sngStrike" dirty="0"/>
+              <a:t>“database”</a:t>
+            </a:r>
+          </a:p>
+          <a:p>
+            <a:pPr marL="0" indent="0">
+              <a:buNone/>
+            </a:pPr>
+            <a:endParaRPr lang="en-US" dirty="0"/>
+          </a:p>
+          <a:p>
+            <a:pPr marL="0" indent="0" algn="ctr">
+              <a:buNone/>
+            </a:pPr>
+            <a:r>
+              <a:rPr lang="en-US" sz="2800" b="1" dirty="0"/>
+              <a:t>Azure Key Vault</a:t>
+            </a:r>
+          </a:p>
+        </p:txBody>
+      </p:sp>
+      <p:grpSp>
+        <p:nvGrpSpPr>
+          <p:cNvPr id="13" name="Group 12">
+            <a:extLst>
+              <a:ext uri="{FF2B5EF4-FFF2-40B4-BE49-F238E27FC236}">
+                <a16:creationId xmlns:a16="http://schemas.microsoft.com/office/drawing/2014/main" id="{D68B9961-F007-40D1-AF51-61B6DE5106CE}"/>
+              </a:ext>
+              <a:ext uri="{C183D7F6-B498-43B3-948B-1728B52AA6E4}">
+                <adec:decorative xmlns:adec="http://schemas.microsoft.com/office/drawing/2017/decorative" val="1"/>
+              </a:ext>
+            </a:extLst>
+          </p:cNvPr>
+          <p:cNvGrpSpPr>
+            <a:grpSpLocks noGrp="1" noUngrp="1" noRot="1" noChangeAspect="1" noMove="1" noResize="1"/>
+          </p:cNvGrpSpPr>
+          <p:nvPr>
+            <p:extLst>
+              <p:ext uri="{386F3935-93C4-4BCD-93E2-E3B085C9AB24}">
+                <p16:designElem xmlns:p16="http://schemas.microsoft.com/office/powerpoint/2015/main" val="1"/>
+              </p:ext>
+            </p:extLst>
+          </p:nvPr>
+        </p:nvGrpSpPr>
+        <p:grpSpPr>
+          <a:xfrm>
+            <a:off x="11401725" y="6229681"/>
+            <a:ext cx="457200" cy="457200"/>
+            <a:chOff x="11361456" y="6195813"/>
+            <a:chExt cx="548640" cy="548640"/>
+          </a:xfrm>
+        </p:grpSpPr>
+        <p:sp>
+          <p:nvSpPr>
+            <p:cNvPr id="14" name="Oval 13">
+              <a:extLst>
+                <a:ext uri="{FF2B5EF4-FFF2-40B4-BE49-F238E27FC236}">
+                  <a16:creationId xmlns:a16="http://schemas.microsoft.com/office/drawing/2014/main" id="{E9FDF494-C7FB-47DF-BD39-1F65FA550811}"/>
+                </a:ext>
+                <a:ext uri="{C183D7F6-B498-43B3-948B-1728B52AA6E4}">
+                  <adec:decorative xmlns:adec="http://schemas.microsoft.com/office/drawing/2017/decorative" val="1"/>
+                </a:ext>
+              </a:extLst>
+            </p:cNvPr>
+            <p:cNvSpPr/>
+            <p:nvPr>
+              <p:extLst>
+                <p:ext uri="{386F3935-93C4-4BCD-93E2-E3B085C9AB24}">
+                  <p16:designElem xmlns:p16="http://schemas.microsoft.com/office/powerpoint/2015/main" val="1"/>
+                </p:ext>
+              </p:extLst>
+            </p:nvPr>
+          </p:nvSpPr>
+          <p:spPr>
+            <a:xfrm>
+              <a:off x="11361456" y="6195813"/>
+              <a:ext cx="548640" cy="548640"/>
+            </a:xfrm>
+            <a:prstGeom prst="ellipse">
+              <a:avLst/>
+            </a:prstGeom>
+            <a:blipFill dpi="0" rotWithShape="1">
+              <a:blip r:embed="rId4">
+                <a:duotone>
+                  <a:schemeClr val="accent1">
+                    <a:shade val="45000"/>
+                    <a:satMod val="135000"/>
+                  </a:schemeClr>
+                  <a:prstClr val="white"/>
+                </a:duotone>
+                <a:extLst>
+                  <a:ext uri="{BEBA8EAE-BF5A-486C-A8C5-ECC9F3942E4B}">
+                    <a14:imgProps xmlns:a14="http://schemas.microsoft.com/office/drawing/2010/main">
+                      <a14:imgLayer r:embed="rId5">
+                        <a14:imgEffect>
+                          <a14:saturation sat="95000"/>
+                        </a14:imgEffect>
+                        <a14:imgEffect>
+                          <a14:brightnessContrast bright="-40000" contrast="20000"/>
+                        </a14:imgEffect>
+                      </a14:imgLayer>
+                    </a14:imgProps>
+                  </a:ext>
+                </a:extLst>
+              </a:blip>
+              <a:srcRect/>
+              <a:tile tx="50800" ty="0" sx="85000" sy="85000" flip="none" algn="tl"/>
+            </a:blipFill>
+            <a:ln w="25400" cap="flat" cmpd="sng" algn="ctr">
+              <a:noFill/>
+              <a:prstDash val="solid"/>
+            </a:ln>
+            <a:effectLst/>
+          </p:spPr>
+        </p:sp>
+        <p:sp>
+          <p:nvSpPr>
+            <p:cNvPr id="15" name="Oval 14">
+              <a:extLst>
+                <a:ext uri="{FF2B5EF4-FFF2-40B4-BE49-F238E27FC236}">
+                  <a16:creationId xmlns:a16="http://schemas.microsoft.com/office/drawing/2014/main" id="{3A822E1C-4C1A-4BEE-B19C-0FFB2D57BBDF}"/>
+                </a:ext>
+                <a:ext uri="{C183D7F6-B498-43B3-948B-1728B52AA6E4}">
+                  <adec:decorative xmlns:adec="http://schemas.microsoft.com/office/drawing/2017/decorative" val="1"/>
+                </a:ext>
+              </a:extLst>
+            </p:cNvPr>
+            <p:cNvSpPr/>
+            <p:nvPr>
+              <p:extLst>
+                <p:ext uri="{386F3935-93C4-4BCD-93E2-E3B085C9AB24}">
+                  <p16:designElem xmlns:p16="http://schemas.microsoft.com/office/powerpoint/2015/main" val="1"/>
+                </p:ext>
+              </p:extLst>
+            </p:nvPr>
+          </p:nvSpPr>
+          <p:spPr>
+            <a:xfrm>
+              <a:off x="11396488" y="6230844"/>
+              <a:ext cx="478576" cy="478578"/>
+            </a:xfrm>
+            <a:prstGeom prst="ellipse">
+              <a:avLst/>
+            </a:prstGeom>
+            <a:noFill/>
+            <a:ln w="12700" cap="flat" cmpd="sng" algn="ctr">
+              <a:solidFill>
+                <a:srgbClr val="FFFFFF"/>
+              </a:solidFill>
+              <a:prstDash val="solid"/>
+            </a:ln>
+            <a:effectLst/>
+          </p:spPr>
+        </p:sp>
+      </p:grpSp>
+    </p:spTree>
+    <p:extLst>
+      <p:ext uri="{BB962C8B-B14F-4D97-AF65-F5344CB8AC3E}">
+        <p14:creationId xmlns:p14="http://schemas.microsoft.com/office/powerpoint/2010/main" val="2041639533"/>
       </p:ext>
     </p:extLst>
   </p:cSld>
